--- a/CS-6222/Fall_2018/project/PrivKV Differential Privacy for Key Value Structured Data.pptx
+++ b/CS-6222/Fall_2018/project/PrivKV Differential Privacy for Key Value Structured Data.pptx
@@ -2,7 +2,7 @@
 <file path=ppt/presentation.xml><?xml version="1.0" encoding="utf-8"?>
 <p:presentation xmlns:a="http://schemas.openxmlformats.org/drawingml/2006/main" xmlns:r="http://schemas.openxmlformats.org/officeDocument/2006/relationships" xmlns:p="http://schemas.openxmlformats.org/presentationml/2006/main" showSpecialPlsOnTitleSld="0" saveSubsetFonts="1">
   <p:sldMasterIdLst>
-    <p:sldMasterId id="2147483696" r:id="rId1"/>
+    <p:sldMasterId id="2147483708" r:id="rId1"/>
   </p:sldMasterIdLst>
   <p:notesMasterIdLst>
     <p:notesMasterId r:id="rId22"/>
@@ -38,7 +38,7 @@
     <a:defPPr>
       <a:defRPr lang="en-US"/>
     </a:defPPr>
-    <a:lvl1pPr marL="0" algn="l" defTabSz="914400" rtl="0" eaLnBrk="1" latinLnBrk="0" hangingPunct="1">
+    <a:lvl1pPr marL="0" algn="l" defTabSz="457200" rtl="0" eaLnBrk="1" latinLnBrk="0" hangingPunct="1">
       <a:defRPr sz="1800" kern="1200">
         <a:solidFill>
           <a:schemeClr val="tx1"/>
@@ -48,7 +48,7 @@
         <a:cs typeface="+mn-cs"/>
       </a:defRPr>
     </a:lvl1pPr>
-    <a:lvl2pPr marL="457200" algn="l" defTabSz="914400" rtl="0" eaLnBrk="1" latinLnBrk="0" hangingPunct="1">
+    <a:lvl2pPr marL="457200" algn="l" defTabSz="457200" rtl="0" eaLnBrk="1" latinLnBrk="0" hangingPunct="1">
       <a:defRPr sz="1800" kern="1200">
         <a:solidFill>
           <a:schemeClr val="tx1"/>
@@ -58,7 +58,7 @@
         <a:cs typeface="+mn-cs"/>
       </a:defRPr>
     </a:lvl2pPr>
-    <a:lvl3pPr marL="914400" algn="l" defTabSz="914400" rtl="0" eaLnBrk="1" latinLnBrk="0" hangingPunct="1">
+    <a:lvl3pPr marL="914400" algn="l" defTabSz="457200" rtl="0" eaLnBrk="1" latinLnBrk="0" hangingPunct="1">
       <a:defRPr sz="1800" kern="1200">
         <a:solidFill>
           <a:schemeClr val="tx1"/>
@@ -68,7 +68,7 @@
         <a:cs typeface="+mn-cs"/>
       </a:defRPr>
     </a:lvl3pPr>
-    <a:lvl4pPr marL="1371600" algn="l" defTabSz="914400" rtl="0" eaLnBrk="1" latinLnBrk="0" hangingPunct="1">
+    <a:lvl4pPr marL="1371600" algn="l" defTabSz="457200" rtl="0" eaLnBrk="1" latinLnBrk="0" hangingPunct="1">
       <a:defRPr sz="1800" kern="1200">
         <a:solidFill>
           <a:schemeClr val="tx1"/>
@@ -78,7 +78,7 @@
         <a:cs typeface="+mn-cs"/>
       </a:defRPr>
     </a:lvl4pPr>
-    <a:lvl5pPr marL="1828800" algn="l" defTabSz="914400" rtl="0" eaLnBrk="1" latinLnBrk="0" hangingPunct="1">
+    <a:lvl5pPr marL="1828800" algn="l" defTabSz="457200" rtl="0" eaLnBrk="1" latinLnBrk="0" hangingPunct="1">
       <a:defRPr sz="1800" kern="1200">
         <a:solidFill>
           <a:schemeClr val="tx1"/>
@@ -88,7 +88,7 @@
         <a:cs typeface="+mn-cs"/>
       </a:defRPr>
     </a:lvl5pPr>
-    <a:lvl6pPr marL="2286000" algn="l" defTabSz="914400" rtl="0" eaLnBrk="1" latinLnBrk="0" hangingPunct="1">
+    <a:lvl6pPr marL="2286000" algn="l" defTabSz="457200" rtl="0" eaLnBrk="1" latinLnBrk="0" hangingPunct="1">
       <a:defRPr sz="1800" kern="1200">
         <a:solidFill>
           <a:schemeClr val="tx1"/>
@@ -98,7 +98,7 @@
         <a:cs typeface="+mn-cs"/>
       </a:defRPr>
     </a:lvl6pPr>
-    <a:lvl7pPr marL="2743200" algn="l" defTabSz="914400" rtl="0" eaLnBrk="1" latinLnBrk="0" hangingPunct="1">
+    <a:lvl7pPr marL="2743200" algn="l" defTabSz="457200" rtl="0" eaLnBrk="1" latinLnBrk="0" hangingPunct="1">
       <a:defRPr sz="1800" kern="1200">
         <a:solidFill>
           <a:schemeClr val="tx1"/>
@@ -108,7 +108,7 @@
         <a:cs typeface="+mn-cs"/>
       </a:defRPr>
     </a:lvl7pPr>
-    <a:lvl8pPr marL="3200400" algn="l" defTabSz="914400" rtl="0" eaLnBrk="1" latinLnBrk="0" hangingPunct="1">
+    <a:lvl8pPr marL="3200400" algn="l" defTabSz="457200" rtl="0" eaLnBrk="1" latinLnBrk="0" hangingPunct="1">
       <a:defRPr sz="1800" kern="1200">
         <a:solidFill>
           <a:schemeClr val="tx1"/>
@@ -118,7 +118,7 @@
         <a:cs typeface="+mn-cs"/>
       </a:defRPr>
     </a:lvl8pPr>
-    <a:lvl9pPr marL="3657600" algn="l" defTabSz="914400" rtl="0" eaLnBrk="1" latinLnBrk="0" hangingPunct="1">
+    <a:lvl9pPr marL="3657600" algn="l" defTabSz="457200" rtl="0" eaLnBrk="1" latinLnBrk="0" hangingPunct="1">
       <a:defRPr sz="1800" kern="1200">
         <a:solidFill>
           <a:schemeClr val="tx1"/>
@@ -728,7 +728,7 @@
     </p:spTree>
     <p:extLst>
       <p:ext uri="{BB962C8B-B14F-4D97-AF65-F5344CB8AC3E}">
-        <p14:creationId xmlns:p14="http://schemas.microsoft.com/office/powerpoint/2010/main" val="870098348"/>
+        <p14:creationId xmlns:p14="http://schemas.microsoft.com/office/powerpoint/2010/main" val="1863902433"/>
       </p:ext>
     </p:extLst>
   </p:cSld>
@@ -782,6 +782,54 @@
           <a:bodyPr/>
           <a:lstStyle/>
           <a:p>
+            <a:pPr marL="171450" indent="-171450">
+              <a:buFontTx/>
+              <a:buChar char="-"/>
+            </a:pPr>
+            <a:r>
+              <a:rPr lang="en-US" dirty="0"/>
+              <a:t>To reduce communication cost to O(1), Line 2 does random sample of keys to report to data collector.</a:t>
+            </a:r>
+          </a:p>
+          <a:p>
+            <a:pPr marL="171450" indent="-171450">
+              <a:buFontTx/>
+              <a:buChar char="-"/>
+            </a:pPr>
+            <a:r>
+              <a:rPr lang="en-US" dirty="0"/>
+              <a:t>&lt;</a:t>
+            </a:r>
+            <a:r>
+              <a:rPr lang="en-US" dirty="0" err="1"/>
+              <a:t>k,v</a:t>
+            </a:r>
+            <a:r>
+              <a:rPr lang="en-US" dirty="0"/>
+              <a:t>&gt; to  (4)&lt;k, v*&gt; to (5)&lt;1,v*&gt; or &lt;0,0&gt; , remember doesn’t affect mean estimation because we calibrate the values</a:t>
+            </a:r>
+          </a:p>
+          <a:p>
+            <a:pPr marL="171450" indent="-171450">
+              <a:buFontTx/>
+              <a:buChar char="-"/>
+            </a:pPr>
+            <a:r>
+              <a:rPr lang="en-US" dirty="0"/>
+              <a:t>For the user DNE case, give the marijuana card example from the RR slide.</a:t>
+            </a:r>
+          </a:p>
+          <a:p>
+            <a:pPr marL="171450" indent="-171450">
+              <a:buFontTx/>
+              <a:buChar char="-"/>
+            </a:pPr>
+            <a:r>
+              <a:rPr lang="en-US" dirty="0"/>
+              <a:t>For the user DNE case, we retain key-value relationship (Cancer to Fever) since we just randomly get a value that has no meaning to a key that DNE.</a:t>
+            </a:r>
+          </a:p>
+          <a:p>
             <a:pPr marL="0" indent="0">
               <a:buFontTx/>
               <a:buNone/>
@@ -793,7 +841,7 @@
     </p:spTree>
     <p:extLst>
       <p:ext uri="{BB962C8B-B14F-4D97-AF65-F5344CB8AC3E}">
-        <p14:creationId xmlns:p14="http://schemas.microsoft.com/office/powerpoint/2010/main" val="2473443250"/>
+        <p14:creationId xmlns:p14="http://schemas.microsoft.com/office/powerpoint/2010/main" val="1299161505"/>
       </p:ext>
     </p:extLst>
   </p:cSld>
@@ -858,6 +906,71 @@
     </p:spTree>
     <p:extLst>
       <p:ext uri="{BB962C8B-B14F-4D97-AF65-F5344CB8AC3E}">
+        <p14:creationId xmlns:p14="http://schemas.microsoft.com/office/powerpoint/2010/main" val="2473443250"/>
+      </p:ext>
+    </p:extLst>
+  </p:cSld>
+  <p:clrMapOvr>
+    <a:masterClrMapping/>
+  </p:clrMapOvr>
+</p:notes>
+</file>
+
+<file path=ppt/notesSlides/notesSlide12.xml><?xml version="1.0" encoding="utf-8"?>
+<p:notes xmlns:a="http://schemas.openxmlformats.org/drawingml/2006/main" xmlns:r="http://schemas.openxmlformats.org/officeDocument/2006/relationships" xmlns:p="http://schemas.openxmlformats.org/presentationml/2006/main">
+  <p:cSld>
+    <p:spTree>
+      <p:nvGrpSpPr>
+        <p:cNvPr id="1" name=""/>
+        <p:cNvGrpSpPr/>
+        <p:nvPr/>
+      </p:nvGrpSpPr>
+      <p:grpSpPr>
+        <a:xfrm>
+          <a:off x="0" y="0"/>
+          <a:ext cx="0" cy="0"/>
+          <a:chOff x="0" y="0"/>
+          <a:chExt cx="0" cy="0"/>
+        </a:xfrm>
+      </p:grpSpPr>
+      <p:sp>
+        <p:nvSpPr>
+          <p:cNvPr id="2" name="Slide Image Placeholder 1"/>
+          <p:cNvSpPr>
+            <a:spLocks noGrp="1" noRot="1" noChangeAspect="1"/>
+          </p:cNvSpPr>
+          <p:nvPr>
+            <p:ph type="sldImg"/>
+          </p:nvPr>
+        </p:nvSpPr>
+        <p:spPr/>
+      </p:sp>
+      <p:sp>
+        <p:nvSpPr>
+          <p:cNvPr id="3" name="Notes Placeholder 2"/>
+          <p:cNvSpPr>
+            <a:spLocks noGrp="1"/>
+          </p:cNvSpPr>
+          <p:nvPr>
+            <p:ph type="body" idx="1"/>
+          </p:nvPr>
+        </p:nvSpPr>
+        <p:spPr/>
+        <p:txBody>
+          <a:bodyPr/>
+          <a:lstStyle/>
+          <a:p>
+            <a:pPr marL="0" indent="0">
+              <a:buFontTx/>
+              <a:buNone/>
+            </a:pPr>
+            <a:endParaRPr lang="en-US" dirty="0"/>
+          </a:p>
+        </p:txBody>
+      </p:sp>
+    </p:spTree>
+    <p:extLst>
+      <p:ext uri="{BB962C8B-B14F-4D97-AF65-F5344CB8AC3E}">
         <p14:creationId xmlns:p14="http://schemas.microsoft.com/office/powerpoint/2010/main" val="1216995949"/>
       </p:ext>
     </p:extLst>
@@ -868,7 +981,7 @@
 </p:notes>
 </file>
 
-<file path=ppt/notesSlides/notesSlide12.xml><?xml version="1.0" encoding="utf-8"?>
+<file path=ppt/notesSlides/notesSlide13.xml><?xml version="1.0" encoding="utf-8"?>
 <p:notes xmlns:a="http://schemas.openxmlformats.org/drawingml/2006/main" xmlns:r="http://schemas.openxmlformats.org/officeDocument/2006/relationships" xmlns:p="http://schemas.openxmlformats.org/presentationml/2006/main">
   <p:cSld>
     <p:spTree>
@@ -980,7 +1093,7 @@
     </p:spTree>
     <p:extLst>
       <p:ext uri="{BB962C8B-B14F-4D97-AF65-F5344CB8AC3E}">
-        <p14:creationId xmlns:p14="http://schemas.microsoft.com/office/powerpoint/2010/main" val="2281397275"/>
+        <p14:creationId xmlns:p14="http://schemas.microsoft.com/office/powerpoint/2010/main" val="870098348"/>
       </p:ext>
     </p:extLst>
   </p:cSld>
@@ -1034,75 +1147,14 @@
           <a:bodyPr/>
           <a:lstStyle/>
           <a:p>
-            <a:r>
-              <a:rPr lang="en-US" dirty="0"/>
-              <a:t>YA = (p* EP) + (1-p)(1-EP)</a:t>
-            </a:r>
-          </a:p>
-          <a:p>
-            <a:r>
-              <a:rPr lang="en-US" dirty="0"/>
-              <a:t>NA = (1 – EP)p + EP(1-p)</a:t>
-            </a:r>
-          </a:p>
-          <a:p>
-            <a:pPr marL="171450" marR="0" lvl="0" indent="-171450" algn="l" defTabSz="914400" rtl="0" eaLnBrk="1" fontAlgn="auto" latinLnBrk="0" hangingPunct="1">
-              <a:lnSpc>
-                <a:spcPct val="100000"/>
-              </a:lnSpc>
-              <a:spcBef>
-                <a:spcPts val="0"/>
-              </a:spcBef>
-              <a:spcAft>
-                <a:spcPts val="0"/>
-              </a:spcAft>
-              <a:buClrTx/>
-              <a:buSzTx/>
-              <a:buFontTx/>
-              <a:buChar char="-"/>
-              <a:tabLst/>
-              <a:defRPr/>
-            </a:pPr>
-            <a:r>
-              <a:rPr lang="en-US" b="1" dirty="0"/>
-              <a:t>NOTE: Important for actual scenario to be conjugate. If you answer True to one question, it will negate the other, therefore keeping the mean.</a:t>
-            </a:r>
-          </a:p>
-          <a:p>
-            <a:pPr marL="0" marR="0" lvl="0" indent="0" algn="l" defTabSz="914400" rtl="0" eaLnBrk="1" fontAlgn="auto" latinLnBrk="0" hangingPunct="1">
-              <a:lnSpc>
-                <a:spcPct val="100000"/>
-              </a:lnSpc>
-              <a:spcBef>
-                <a:spcPts val="0"/>
-              </a:spcBef>
-              <a:spcAft>
-                <a:spcPts val="0"/>
-              </a:spcAft>
-              <a:buClrTx/>
-              <a:buSzTx/>
-              <a:buFontTx/>
-              <a:buNone/>
-              <a:tabLst/>
-              <a:defRPr/>
-            </a:pPr>
-            <a:r>
-              <a:rPr lang="en-US" dirty="0"/>
-              <a:t>- Don’t get too caught up in the math, just know the basic concept.</a:t>
-            </a:r>
-          </a:p>
-          <a:p>
-            <a:r>
-              <a:rPr lang="en-US" dirty="0"/>
-              <a:t>- Important that responder answers truthfully.</a:t>
-            </a:r>
+            <a:endParaRPr lang="en-US" dirty="0"/>
           </a:p>
         </p:txBody>
       </p:sp>
     </p:spTree>
     <p:extLst>
       <p:ext uri="{BB962C8B-B14F-4D97-AF65-F5344CB8AC3E}">
-        <p14:creationId xmlns:p14="http://schemas.microsoft.com/office/powerpoint/2010/main" val="4182804374"/>
+        <p14:creationId xmlns:p14="http://schemas.microsoft.com/office/powerpoint/2010/main" val="2281397275"/>
       </p:ext>
     </p:extLst>
   </p:cSld>
@@ -1158,27 +1210,65 @@
           <a:p>
             <a:r>
               <a:rPr lang="en-US" dirty="0"/>
-              <a:t>- Si is the set of KV pairs that user </a:t>
-            </a:r>
-            <a:r>
-              <a:rPr lang="en-US" dirty="0" err="1"/>
-              <a:t>ui</a:t>
-            </a:r>
+              <a:t>YA = (p* EP) + (1-p)(1-EP)</a:t>
+            </a:r>
+          </a:p>
+          <a:p>
             <a:r>
               <a:rPr lang="en-US" dirty="0"/>
-              <a:t> has.</a:t>
-            </a:r>
-          </a:p>
-          <a:p>
+              <a:t>NA = (1 – EP)p + EP(1-p)</a:t>
+            </a:r>
+          </a:p>
+          <a:p>
+            <a:pPr marL="171450" marR="0" lvl="0" indent="-171450" algn="l" defTabSz="914400" rtl="0" eaLnBrk="1" fontAlgn="auto" latinLnBrk="0" hangingPunct="1">
+              <a:lnSpc>
+                <a:spcPct val="100000"/>
+              </a:lnSpc>
+              <a:spcBef>
+                <a:spcPts val="0"/>
+              </a:spcBef>
+              <a:spcAft>
+                <a:spcPts val="0"/>
+              </a:spcAft>
+              <a:buClrTx/>
+              <a:buSzTx/>
+              <a:buFontTx/>
+              <a:buChar char="-"/>
+              <a:tabLst/>
+              <a:defRPr/>
+            </a:pPr>
+            <a:r>
+              <a:rPr lang="en-US" b="1" dirty="0"/>
+              <a:t>NOTE: Important for actual scenario to be conjugate. If you answer True to one question, it will negate the other, therefore keeping the mean.</a:t>
+            </a:r>
+          </a:p>
+          <a:p>
+            <a:pPr marL="0" marR="0" lvl="0" indent="0" algn="l" defTabSz="914400" rtl="0" eaLnBrk="1" fontAlgn="auto" latinLnBrk="0" hangingPunct="1">
+              <a:lnSpc>
+                <a:spcPct val="100000"/>
+              </a:lnSpc>
+              <a:spcBef>
+                <a:spcPts val="0"/>
+              </a:spcBef>
+              <a:spcAft>
+                <a:spcPts val="0"/>
+              </a:spcAft>
+              <a:buClrTx/>
+              <a:buSzTx/>
+              <a:buFontTx/>
+              <a:buNone/>
+              <a:tabLst/>
+              <a:defRPr/>
+            </a:pPr>
             <a:r>
               <a:rPr lang="en-US" dirty="0"/>
-              <a:t>- Frequency is for each user they have a key in Si divided by n number of users.</a:t>
+              <a:t>- Don’t get too caught up in the math, just know the basic concept.</a:t>
             </a:r>
           </a:p>
           <a:p>
             <a:r>
               <a:rPr lang="en-US" dirty="0"/>
-              <a:t>- Mean is the sum of all values that are all the same k that are owned by users n.</a:t>
+              <a:t>- Important that responder answers truthfully.</a:t>
             </a:r>
           </a:p>
         </p:txBody>
@@ -1186,7 +1276,7 @@
     </p:spTree>
     <p:extLst>
       <p:ext uri="{BB962C8B-B14F-4D97-AF65-F5344CB8AC3E}">
-        <p14:creationId xmlns:p14="http://schemas.microsoft.com/office/powerpoint/2010/main" val="254549089"/>
+        <p14:creationId xmlns:p14="http://schemas.microsoft.com/office/powerpoint/2010/main" val="4182804374"/>
       </p:ext>
     </p:extLst>
   </p:cSld>
@@ -1241,25 +1331,36 @@
           <a:lstStyle/>
           <a:p>
             <a:r>
-              <a:rPr lang="en-US" b="1" dirty="0"/>
-              <a:t>- NOTE: Be sure to point out the ids are sequential and sorted.</a:t>
-            </a:r>
-          </a:p>
-          <a:p>
-            <a:r>
               <a:rPr lang="en-US" dirty="0"/>
-              <a:t>- For &lt;0,0&gt; you basically add a value that DNE. Like here there is a skip between .5 and -.9 for id1 and id3 so we add a single &lt;0,0&gt; pair.</a:t>
-            </a:r>
-          </a:p>
-          <a:p>
-            <a:endParaRPr lang="en-US" dirty="0"/>
+              <a:t>- Si is the set of KV pairs that user </a:t>
+            </a:r>
+            <a:r>
+              <a:rPr lang="en-US" dirty="0" err="1"/>
+              <a:t>ui</a:t>
+            </a:r>
+            <a:r>
+              <a:rPr lang="en-US" dirty="0"/>
+              <a:t> has.</a:t>
+            </a:r>
+          </a:p>
+          <a:p>
+            <a:r>
+              <a:rPr lang="en-US" dirty="0"/>
+              <a:t>- Frequency is for each user they have a key in Si divided by n number of users.</a:t>
+            </a:r>
+          </a:p>
+          <a:p>
+            <a:r>
+              <a:rPr lang="en-US" dirty="0"/>
+              <a:t>- Mean is the sum of all values that are all the same k that are owned by users n.</a:t>
+            </a:r>
           </a:p>
         </p:txBody>
       </p:sp>
     </p:spTree>
     <p:extLst>
       <p:ext uri="{BB962C8B-B14F-4D97-AF65-F5344CB8AC3E}">
-        <p14:creationId xmlns:p14="http://schemas.microsoft.com/office/powerpoint/2010/main" val="716588273"/>
+        <p14:creationId xmlns:p14="http://schemas.microsoft.com/office/powerpoint/2010/main" val="254549089"/>
       </p:ext>
     </p:extLst>
   </p:cSld>
@@ -1315,27 +1416,24 @@
           <a:p>
             <a:r>
               <a:rPr lang="en-US" b="1" dirty="0"/>
-              <a:t>- NOTE: Last step isn’t shown in the picture.</a:t>
+              <a:t>- NOTE: Be sure to point out the ids are sequential and sorted.</a:t>
             </a:r>
           </a:p>
           <a:p>
             <a:r>
               <a:rPr lang="en-US" dirty="0"/>
-              <a:t>- True values like if we see .4 or 1.2323 and then the next value after conversion is &lt;1,.2&gt; like hmmm that might be false.</a:t>
-            </a:r>
-          </a:p>
-          <a:p>
-            <a:r>
-              <a:rPr lang="en-US" dirty="0"/>
-              <a:t>- If all true value mean = 0  or true mean = perturbed mean and all uniform perturbed keys are 0 or perturbed keys = - true mean then 0 mean. Total info loss.</a:t>
-            </a:r>
+              <a:t>- For &lt;0,0&gt; you basically add a value that DNE. Like here there is a skip between .5 and -.9 for id1 and id3 so we add a single &lt;0,0&gt; pair.</a:t>
+            </a:r>
+          </a:p>
+          <a:p>
+            <a:endParaRPr lang="en-US" dirty="0"/>
           </a:p>
         </p:txBody>
       </p:sp>
     </p:spTree>
     <p:extLst>
       <p:ext uri="{BB962C8B-B14F-4D97-AF65-F5344CB8AC3E}">
-        <p14:creationId xmlns:p14="http://schemas.microsoft.com/office/powerpoint/2010/main" val="230700625"/>
+        <p14:creationId xmlns:p14="http://schemas.microsoft.com/office/powerpoint/2010/main" val="716588273"/>
       </p:ext>
     </p:extLst>
   </p:cSld>
@@ -1391,50 +1489,27 @@
           <a:p>
             <a:r>
               <a:rPr lang="en-US" b="1" dirty="0"/>
-              <a:t>- NOTE: Values will be only 1 or -1, no .9 or anything. Also, this does nothing to key k.</a:t>
+              <a:t>- NOTE: Last step isn’t shown in the picture.</a:t>
             </a:r>
           </a:p>
           <a:p>
             <a:r>
               <a:rPr lang="en-US" dirty="0"/>
-              <a:t>- “</a:t>
-            </a:r>
-            <a:r>
-              <a:rPr lang="en-US" sz="1200" kern="1200" dirty="0">
-                <a:solidFill>
-                  <a:schemeClr val="tx1"/>
-                </a:solidFill>
-                <a:effectLst/>
-                <a:latin typeface="+mn-lt"/>
-                <a:ea typeface="+mn-ea"/>
-                <a:cs typeface="+mn-cs"/>
-              </a:rPr>
-              <a:t>Each perturbed value in Harmony is simply scaled d times to counterbalance the effect of sampling, which may</a:t>
-            </a:r>
-          </a:p>
-          <a:p>
-            <a:r>
-              <a:rPr lang="en-US" sz="1200" kern="1200" dirty="0">
-                <a:solidFill>
-                  <a:schemeClr val="tx1"/>
-                </a:solidFill>
-                <a:effectLst/>
-                <a:latin typeface="+mn-lt"/>
-                <a:ea typeface="+mn-ea"/>
-                <a:cs typeface="+mn-cs"/>
-              </a:rPr>
-              <a:t>also cause bias.”</a:t>
-            </a:r>
-          </a:p>
-          <a:p>
-            <a:endParaRPr lang="en-US" dirty="0"/>
+              <a:t>- True values like if we see .4 or 1.2323 and then the next value after conversion is &lt;1,.2&gt; like hmmm that might be false.</a:t>
+            </a:r>
+          </a:p>
+          <a:p>
+            <a:r>
+              <a:rPr lang="en-US" dirty="0"/>
+              <a:t>- If all true value mean = 0  or true mean = perturbed mean and all uniform perturbed keys are 0 or perturbed keys = - true mean then 0 mean. Total info loss.</a:t>
+            </a:r>
           </a:p>
         </p:txBody>
       </p:sp>
     </p:spTree>
     <p:extLst>
       <p:ext uri="{BB962C8B-B14F-4D97-AF65-F5344CB8AC3E}">
-        <p14:creationId xmlns:p14="http://schemas.microsoft.com/office/powerpoint/2010/main" val="2475620624"/>
+        <p14:creationId xmlns:p14="http://schemas.microsoft.com/office/powerpoint/2010/main" val="230700625"/>
       </p:ext>
     </p:extLst>
   </p:cSld>
@@ -1488,92 +1563,52 @@
           <a:bodyPr/>
           <a:lstStyle/>
           <a:p>
-            <a:pPr marL="171450" indent="-171450">
-              <a:buFontTx/>
-              <a:buChar char="-"/>
-            </a:pPr>
             <a:r>
               <a:rPr lang="en-US" b="1" dirty="0"/>
-              <a:t>NOTE: Calibration is moved to data collector side. Shown in complete </a:t>
-            </a:r>
-            <a:r>
-              <a:rPr lang="en-US" b="1" dirty="0" err="1"/>
-              <a:t>PrivKV</a:t>
-            </a:r>
-            <a:r>
-              <a:rPr lang="en-US" b="1" dirty="0"/>
-              <a:t>. Also, key k is not changed.</a:t>
-            </a:r>
-          </a:p>
-          <a:p>
-            <a:pPr marL="171450" indent="-171450">
-              <a:buFontTx/>
-              <a:buChar char="-"/>
-            </a:pPr>
-            <a:r>
-              <a:rPr lang="en-US" b="0" dirty="0"/>
-              <a:t>3 changes to calibration:</a:t>
-            </a:r>
-          </a:p>
-          <a:p>
-            <a:pPr marL="628650" lvl="1" indent="-171450">
-              <a:buFontTx/>
-              <a:buChar char="-"/>
-            </a:pPr>
-            <a:r>
-              <a:rPr lang="en-US" b="0" dirty="0"/>
-              <a:t>Moved to data collector.</a:t>
-            </a:r>
-          </a:p>
-          <a:p>
-            <a:pPr marL="628650" lvl="1" indent="-171450">
-              <a:buFontTx/>
-              <a:buChar char="-"/>
-            </a:pPr>
-            <a:r>
-              <a:rPr lang="en-US" b="0" dirty="0"/>
-              <a:t>Scaling by d is moved to complete </a:t>
-            </a:r>
-            <a:r>
-              <a:rPr lang="en-US" b="0" dirty="0" err="1"/>
-              <a:t>PrivKV</a:t>
-            </a:r>
-            <a:r>
-              <a:rPr lang="en-US" b="0" dirty="0"/>
-              <a:t> by summing the values of the sample keys to get the mean. (Complete </a:t>
-            </a:r>
-            <a:r>
-              <a:rPr lang="en-US" b="0" dirty="0" err="1"/>
-              <a:t>PrivKV</a:t>
-            </a:r>
-            <a:r>
-              <a:rPr lang="en-US" b="0" dirty="0"/>
-              <a:t>)</a:t>
-            </a:r>
-          </a:p>
-          <a:p>
-            <a:pPr marL="628650" lvl="1" indent="-171450">
-              <a:buFontTx/>
-              <a:buChar char="-"/>
-            </a:pPr>
-            <a:r>
-              <a:rPr lang="en-US" b="0" dirty="0"/>
-              <a:t>If N users have the same key, we can perturb values together data collector side. However, the mean estimation will maybe be biased, but will improve accuracy (especially with small privacy budget).</a:t>
-            </a:r>
-          </a:p>
-          <a:p>
-            <a:pPr marL="628650" lvl="1" indent="-171450">
-              <a:buFontTx/>
-              <a:buChar char="-"/>
-            </a:pPr>
-            <a:endParaRPr lang="en-US" b="0" dirty="0"/>
+              <a:t>- NOTE: Values will be only 1 or -1, no .9 or anything. Also, this does nothing to key k.</a:t>
+            </a:r>
+          </a:p>
+          <a:p>
+            <a:r>
+              <a:rPr lang="en-US" dirty="0"/>
+              <a:t>- “</a:t>
+            </a:r>
+            <a:r>
+              <a:rPr lang="en-US" sz="1200" kern="1200" dirty="0">
+                <a:solidFill>
+                  <a:schemeClr val="tx1"/>
+                </a:solidFill>
+                <a:effectLst/>
+                <a:latin typeface="+mn-lt"/>
+                <a:ea typeface="+mn-ea"/>
+                <a:cs typeface="+mn-cs"/>
+              </a:rPr>
+              <a:t>Each perturbed value in Harmony is simply scaled d times to counterbalance the effect of sampling, which may</a:t>
+            </a:r>
+          </a:p>
+          <a:p>
+            <a:r>
+              <a:rPr lang="en-US" sz="1200" kern="1200" dirty="0">
+                <a:solidFill>
+                  <a:schemeClr val="tx1"/>
+                </a:solidFill>
+                <a:effectLst/>
+                <a:latin typeface="+mn-lt"/>
+                <a:ea typeface="+mn-ea"/>
+                <a:cs typeface="+mn-cs"/>
+              </a:rPr>
+              <a:t>also cause bias.”</a:t>
+            </a:r>
+          </a:p>
+          <a:p>
+            <a:endParaRPr lang="en-US" dirty="0"/>
           </a:p>
         </p:txBody>
       </p:sp>
     </p:spTree>
     <p:extLst>
       <p:ext uri="{BB962C8B-B14F-4D97-AF65-F5344CB8AC3E}">
-        <p14:creationId xmlns:p14="http://schemas.microsoft.com/office/powerpoint/2010/main" val="2390019148"/>
+        <p14:creationId xmlns:p14="http://schemas.microsoft.com/office/powerpoint/2010/main" val="2475620624"/>
       </p:ext>
     </p:extLst>
   </p:cSld>
@@ -1632,8 +1667,16 @@
               <a:buChar char="-"/>
             </a:pPr>
             <a:r>
-              <a:rPr lang="en-US" dirty="0"/>
-              <a:t>To reduce communication cost to O(1), Line 2 does random sample of keys to report to data collector.</a:t>
+              <a:rPr lang="en-US" b="1" dirty="0"/>
+              <a:t>NOTE: Calibration is moved to data collector side. Shown in complete </a:t>
+            </a:r>
+            <a:r>
+              <a:rPr lang="en-US" b="1" dirty="0" err="1"/>
+              <a:t>PrivKV</a:t>
+            </a:r>
+            <a:r>
+              <a:rPr lang="en-US" b="1" dirty="0"/>
+              <a:t>. Also, key k is not changed.</a:t>
             </a:r>
           </a:p>
           <a:p>
@@ -1642,51 +1685,69 @@
               <a:buChar char="-"/>
             </a:pPr>
             <a:r>
-              <a:rPr lang="en-US" dirty="0"/>
-              <a:t>&lt;</a:t>
-            </a:r>
-            <a:r>
-              <a:rPr lang="en-US" dirty="0" err="1"/>
-              <a:t>k,v</a:t>
-            </a:r>
-            <a:r>
-              <a:rPr lang="en-US" dirty="0"/>
-              <a:t>&gt; to  (4)&lt;k, v*&gt; to (5)&lt;1,v*&gt; or &lt;0,0&gt; , remember doesn’t affect mean estimation because we calibrate the values</a:t>
-            </a:r>
-          </a:p>
-          <a:p>
-            <a:pPr marL="171450" indent="-171450">
+              <a:rPr lang="en-US" b="0" dirty="0"/>
+              <a:t>3 changes to calibration:</a:t>
+            </a:r>
+          </a:p>
+          <a:p>
+            <a:pPr marL="628650" lvl="1" indent="-171450">
               <a:buFontTx/>
               <a:buChar char="-"/>
             </a:pPr>
             <a:r>
-              <a:rPr lang="en-US" dirty="0"/>
-              <a:t>For the user DNE case, give the marijuana card example from the RR slide.</a:t>
-            </a:r>
-          </a:p>
-          <a:p>
-            <a:pPr marL="171450" indent="-171450">
+              <a:rPr lang="en-US" b="0" dirty="0"/>
+              <a:t>Moved to data collector.</a:t>
+            </a:r>
+          </a:p>
+          <a:p>
+            <a:pPr marL="628650" lvl="1" indent="-171450">
               <a:buFontTx/>
               <a:buChar char="-"/>
             </a:pPr>
             <a:r>
-              <a:rPr lang="en-US" dirty="0"/>
-              <a:t>For the user DNE case, we retain key-value relationship (Cancer to Fever) since we just randomly get a value that has no meaning to a key that DNE.</a:t>
-            </a:r>
-          </a:p>
-          <a:p>
-            <a:pPr marL="0" indent="0">
+              <a:rPr lang="en-US" b="0" dirty="0"/>
+              <a:t>Scaling by d is moved to complete </a:t>
+            </a:r>
+            <a:r>
+              <a:rPr lang="en-US" b="0" dirty="0" err="1"/>
+              <a:t>PrivKV</a:t>
+            </a:r>
+            <a:r>
+              <a:rPr lang="en-US" b="0" dirty="0"/>
+              <a:t> by summing the values of the sample keys to get the mean. (Complete </a:t>
+            </a:r>
+            <a:r>
+              <a:rPr lang="en-US" b="0" dirty="0" err="1"/>
+              <a:t>PrivKV</a:t>
+            </a:r>
+            <a:r>
+              <a:rPr lang="en-US" b="0" dirty="0"/>
+              <a:t>)</a:t>
+            </a:r>
+          </a:p>
+          <a:p>
+            <a:pPr marL="628650" lvl="1" indent="-171450">
               <a:buFontTx/>
-              <a:buNone/>
+              <a:buChar char="-"/>
             </a:pPr>
-            <a:endParaRPr lang="en-US" dirty="0"/>
+            <a:r>
+              <a:rPr lang="en-US" b="0" dirty="0"/>
+              <a:t>If N users have the same key, we can perturb values together data collector side. However, the mean estimation will maybe be biased, but will improve accuracy (especially with small privacy budget).</a:t>
+            </a:r>
+          </a:p>
+          <a:p>
+            <a:pPr marL="628650" lvl="1" indent="-171450">
+              <a:buFontTx/>
+              <a:buChar char="-"/>
+            </a:pPr>
+            <a:endParaRPr lang="en-US" b="0" dirty="0"/>
           </a:p>
         </p:txBody>
       </p:sp>
     </p:spTree>
     <p:extLst>
       <p:ext uri="{BB962C8B-B14F-4D97-AF65-F5344CB8AC3E}">
-        <p14:creationId xmlns:p14="http://schemas.microsoft.com/office/powerpoint/2010/main" val="1299161505"/>
+        <p14:creationId xmlns:p14="http://schemas.microsoft.com/office/powerpoint/2010/main" val="2390019148"/>
       </p:ext>
     </p:extLst>
   </p:cSld>
@@ -1699,6 +1760,14 @@
 <file path=ppt/slideLayouts/slideLayout1.xml><?xml version="1.0" encoding="utf-8"?>
 <p:sldLayout xmlns:a="http://schemas.openxmlformats.org/drawingml/2006/main" xmlns:r="http://schemas.openxmlformats.org/officeDocument/2006/relationships" xmlns:p="http://schemas.openxmlformats.org/presentationml/2006/main" type="title" preserve="1">
   <p:cSld name="Title Slide">
+    <p:bg>
+      <p:bgPr>
+        <a:solidFill>
+          <a:schemeClr val="accent1"/>
+        </a:solidFill>
+        <a:effectLst/>
+      </p:bgPr>
+    </p:bg>
     <p:spTree>
       <p:nvGrpSpPr>
         <p:cNvPr id="1" name=""/>
@@ -1715,52 +1784,83 @@
       </p:grpSpPr>
       <p:sp>
         <p:nvSpPr>
-          <p:cNvPr id="2" name="Title 1">
-            <a:extLst>
-              <a:ext uri="{FF2B5EF4-FFF2-40B4-BE49-F238E27FC236}">
-                <a16:creationId xmlns:a16="http://schemas.microsoft.com/office/drawing/2014/main" id="{DDBA8987-9447-43FB-97F7-82D616E56986}"/>
-              </a:ext>
-            </a:extLst>
-          </p:cNvPr>
-          <p:cNvSpPr>
-            <a:spLocks noGrp="1"/>
-          </p:cNvSpPr>
-          <p:nvPr>
-            <p:ph type="ctrTitle"/>
-          </p:nvPr>
+          <p:cNvPr id="4" name="Rectangle 3"/>
+          <p:cNvSpPr/>
+          <p:nvPr/>
         </p:nvSpPr>
         <p:spPr>
           <a:xfrm>
-            <a:off x="1524000" y="1122363"/>
-            <a:ext cx="9144000" cy="2387600"/>
+            <a:off x="0" y="0"/>
+            <a:ext cx="12192000" cy="6858000"/>
+          </a:xfrm>
+          <a:prstGeom prst="rect">
+            <a:avLst/>
+          </a:prstGeom>
+          <a:ln>
+            <a:noFill/>
+          </a:ln>
+        </p:spPr>
+        <p:style>
+          <a:lnRef idx="2">
+            <a:schemeClr val="accent1">
+              <a:shade val="50000"/>
+            </a:schemeClr>
+          </a:lnRef>
+          <a:fillRef idx="1">
+            <a:schemeClr val="accent1"/>
+          </a:fillRef>
+          <a:effectRef idx="0">
+            <a:schemeClr val="accent1"/>
+          </a:effectRef>
+          <a:fontRef idx="minor">
+            <a:schemeClr val="lt1"/>
+          </a:fontRef>
+        </p:style>
+      </p:sp>
+      <p:sp>
+        <p:nvSpPr>
+          <p:cNvPr id="2" name="Title 1"/>
+          <p:cNvSpPr>
+            <a:spLocks noGrp="1"/>
+          </p:cNvSpPr>
+          <p:nvPr>
+            <p:ph type="ctrTitle"/>
+          </p:nvPr>
+        </p:nvSpPr>
+        <p:spPr>
+          <a:xfrm>
+            <a:off x="603504" y="770467"/>
+            <a:ext cx="10782300" cy="3352800"/>
           </a:xfrm>
         </p:spPr>
         <p:txBody>
-          <a:bodyPr anchor="b"/>
+          <a:bodyPr anchor="b">
+            <a:noAutofit/>
+          </a:bodyPr>
           <a:lstStyle>
-            <a:lvl1pPr algn="ctr">
-              <a:defRPr sz="6000">
-                <a:latin typeface="Source Sans Pro" panose="020B0503030403020204" pitchFamily="34" charset="0"/>
+            <a:lvl1pPr algn="l">
+              <a:lnSpc>
+                <a:spcPct val="80000"/>
+              </a:lnSpc>
+              <a:defRPr sz="8800" spc="-120" baseline="0">
+                <a:solidFill>
+                  <a:srgbClr val="FFFFFF"/>
+                </a:solidFill>
               </a:defRPr>
             </a:lvl1pPr>
           </a:lstStyle>
           <a:p>
             <a:r>
-              <a:rPr lang="en-US" dirty="0"/>
+              <a:rPr lang="en-US"/>
               <a:t>Click to edit Master title style</a:t>
             </a:r>
-          </a:p>
-        </p:txBody>
-      </p:sp>
-      <p:sp>
-        <p:nvSpPr>
-          <p:cNvPr id="3" name="Subtitle 2">
-            <a:extLst>
-              <a:ext uri="{FF2B5EF4-FFF2-40B4-BE49-F238E27FC236}">
-                <a16:creationId xmlns:a16="http://schemas.microsoft.com/office/drawing/2014/main" id="{45217605-37FF-4D20-84EC-2F616F545049}"/>
-              </a:ext>
-            </a:extLst>
-          </p:cNvPr>
+            <a:endParaRPr lang="en-US" dirty="0"/>
+          </a:p>
+        </p:txBody>
+      </p:sp>
+      <p:sp>
+        <p:nvSpPr>
+          <p:cNvPr id="3" name="Subtitle 2"/>
           <p:cNvSpPr>
             <a:spLocks noGrp="1"/>
           </p:cNvSpPr>
@@ -1770,70 +1870,69 @@
         </p:nvSpPr>
         <p:spPr>
           <a:xfrm>
-            <a:off x="1524000" y="3602038"/>
-            <a:ext cx="9144000" cy="1655762"/>
+            <a:off x="667512" y="4206876"/>
+            <a:ext cx="9228201" cy="1645920"/>
           </a:xfrm>
         </p:spPr>
         <p:txBody>
-          <a:bodyPr/>
+          <a:bodyPr>
+            <a:normAutofit/>
+          </a:bodyPr>
           <a:lstStyle>
-            <a:lvl1pPr marL="0" indent="0" algn="ctr">
+            <a:lvl1pPr marL="0" indent="0" algn="l">
               <a:buNone/>
-              <a:defRPr sz="2400">
-                <a:latin typeface="Times New Roman" panose="02020603050405020304" pitchFamily="18" charset="0"/>
-                <a:cs typeface="Times New Roman" panose="02020603050405020304" pitchFamily="18" charset="0"/>
+              <a:defRPr sz="3200">
+                <a:solidFill>
+                  <a:schemeClr val="bg1"/>
+                </a:solidFill>
+                <a:latin typeface="+mj-lt"/>
               </a:defRPr>
             </a:lvl1pPr>
             <a:lvl2pPr marL="457200" indent="0" algn="ctr">
               <a:buNone/>
-              <a:defRPr sz="2000"/>
+              <a:defRPr sz="2800"/>
             </a:lvl2pPr>
             <a:lvl3pPr marL="914400" indent="0" algn="ctr">
               <a:buNone/>
-              <a:defRPr sz="1800"/>
+              <a:defRPr sz="2400"/>
             </a:lvl3pPr>
             <a:lvl4pPr marL="1371600" indent="0" algn="ctr">
               <a:buNone/>
-              <a:defRPr sz="1600"/>
+              <a:defRPr sz="2000"/>
             </a:lvl4pPr>
             <a:lvl5pPr marL="1828800" indent="0" algn="ctr">
               <a:buNone/>
-              <a:defRPr sz="1600"/>
+              <a:defRPr sz="2000"/>
             </a:lvl5pPr>
             <a:lvl6pPr marL="2286000" indent="0" algn="ctr">
               <a:buNone/>
-              <a:defRPr sz="1600"/>
+              <a:defRPr sz="2000"/>
             </a:lvl6pPr>
             <a:lvl7pPr marL="2743200" indent="0" algn="ctr">
               <a:buNone/>
-              <a:defRPr sz="1600"/>
+              <a:defRPr sz="2000"/>
             </a:lvl7pPr>
             <a:lvl8pPr marL="3200400" indent="0" algn="ctr">
               <a:buNone/>
-              <a:defRPr sz="1600"/>
+              <a:defRPr sz="2000"/>
             </a:lvl8pPr>
             <a:lvl9pPr marL="3657600" indent="0" algn="ctr">
               <a:buNone/>
-              <a:defRPr sz="1600"/>
+              <a:defRPr sz="2000"/>
             </a:lvl9pPr>
           </a:lstStyle>
           <a:p>
             <a:r>
-              <a:rPr lang="en-US" dirty="0"/>
+              <a:rPr lang="en-US"/>
               <a:t>Click to edit Master subtitle style</a:t>
             </a:r>
-          </a:p>
-        </p:txBody>
-      </p:sp>
-      <p:sp>
-        <p:nvSpPr>
-          <p:cNvPr id="4" name="Date Placeholder 3">
-            <a:extLst>
-              <a:ext uri="{FF2B5EF4-FFF2-40B4-BE49-F238E27FC236}">
-                <a16:creationId xmlns:a16="http://schemas.microsoft.com/office/drawing/2014/main" id="{9E6946CD-ED52-4FD2-AC51-25C56F41D37A}"/>
-              </a:ext>
-            </a:extLst>
-          </p:cNvPr>
+            <a:endParaRPr lang="en-US" dirty="0"/>
+          </a:p>
+        </p:txBody>
+      </p:sp>
+      <p:sp>
+        <p:nvSpPr>
+          <p:cNvPr id="7" name="Date Placeholder 6"/>
           <p:cNvSpPr>
             <a:spLocks noGrp="1"/>
           </p:cNvSpPr>
@@ -1844,7 +1943,17 @@
         <p:spPr/>
         <p:txBody>
           <a:bodyPr/>
-          <a:lstStyle/>
+          <a:lstStyle>
+            <a:lvl1pPr>
+              <a:defRPr>
+                <a:solidFill>
+                  <a:srgbClr val="FFFFFF">
+                    <a:alpha val="80000"/>
+                  </a:srgbClr>
+                </a:solidFill>
+              </a:defRPr>
+            </a:lvl1pPr>
+          </a:lstStyle>
           <a:p>
             <a:fld id="{69A9BE38-773C-48B5-BC1D-045D898531B3}" type="datetime1">
               <a:rPr lang="en-US" smtClean="0"/>
@@ -1856,13 +1965,7 @@
       </p:sp>
       <p:sp>
         <p:nvSpPr>
-          <p:cNvPr id="5" name="Footer Placeholder 4">
-            <a:extLst>
-              <a:ext uri="{FF2B5EF4-FFF2-40B4-BE49-F238E27FC236}">
-                <a16:creationId xmlns:a16="http://schemas.microsoft.com/office/drawing/2014/main" id="{EA6088DA-066A-4C96-9CB3-D3EB5F794392}"/>
-              </a:ext>
-            </a:extLst>
-          </p:cNvPr>
+          <p:cNvPr id="8" name="Footer Placeholder 7"/>
           <p:cNvSpPr>
             <a:spLocks noGrp="1"/>
           </p:cNvSpPr>
@@ -1873,7 +1976,17 @@
         <p:spPr/>
         <p:txBody>
           <a:bodyPr/>
-          <a:lstStyle/>
+          <a:lstStyle>
+            <a:lvl1pPr>
+              <a:defRPr>
+                <a:solidFill>
+                  <a:srgbClr val="FFFFFF">
+                    <a:alpha val="80000"/>
+                  </a:srgbClr>
+                </a:solidFill>
+              </a:defRPr>
+            </a:lvl1pPr>
+          </a:lstStyle>
           <a:p>
             <a:endParaRPr lang="en-US"/>
           </a:p>
@@ -1881,13 +1994,7 @@
       </p:sp>
       <p:sp>
         <p:nvSpPr>
-          <p:cNvPr id="6" name="Slide Number Placeholder 5">
-            <a:extLst>
-              <a:ext uri="{FF2B5EF4-FFF2-40B4-BE49-F238E27FC236}">
-                <a16:creationId xmlns:a16="http://schemas.microsoft.com/office/drawing/2014/main" id="{3172AD88-61F1-4463-A4A1-47D03F42DBF6}"/>
-              </a:ext>
-            </a:extLst>
-          </p:cNvPr>
+          <p:cNvPr id="9" name="Slide Number Placeholder 8"/>
           <p:cNvSpPr>
             <a:spLocks noGrp="1"/>
           </p:cNvSpPr>
@@ -1898,7 +2005,17 @@
         <p:spPr/>
         <p:txBody>
           <a:bodyPr/>
-          <a:lstStyle/>
+          <a:lstStyle>
+            <a:lvl1pPr>
+              <a:defRPr>
+                <a:solidFill>
+                  <a:srgbClr val="FFFFFF">
+                    <a:alpha val="25000"/>
+                  </a:srgbClr>
+                </a:solidFill>
+              </a:defRPr>
+            </a:lvl1pPr>
+          </a:lstStyle>
           <a:p>
             <a:fld id="{FA94DDC0-52DF-4E5B-BC15-BDFAED429345}" type="slidenum">
               <a:rPr lang="en-US" smtClean="0"/>
@@ -1911,7 +2028,7 @@
     </p:spTree>
     <p:extLst>
       <p:ext uri="{BB962C8B-B14F-4D97-AF65-F5344CB8AC3E}">
-        <p14:creationId xmlns:p14="http://schemas.microsoft.com/office/powerpoint/2010/main" val="3921072326"/>
+        <p14:creationId xmlns:p14="http://schemas.microsoft.com/office/powerpoint/2010/main" val="544241570"/>
       </p:ext>
     </p:extLst>
   </p:cSld>
@@ -1940,13 +2057,7 @@
       </p:grpSpPr>
       <p:sp>
         <p:nvSpPr>
-          <p:cNvPr id="2" name="Title 1">
-            <a:extLst>
-              <a:ext uri="{FF2B5EF4-FFF2-40B4-BE49-F238E27FC236}">
-                <a16:creationId xmlns:a16="http://schemas.microsoft.com/office/drawing/2014/main" id="{DECAC32E-37BE-472C-8F8E-DF6884E20059}"/>
-              </a:ext>
-            </a:extLst>
-          </p:cNvPr>
+          <p:cNvPr id="2" name="Title 1"/>
           <p:cNvSpPr>
             <a:spLocks noGrp="1"/>
           </p:cNvSpPr>
@@ -1956,31 +2067,20 @@
         </p:nvSpPr>
         <p:spPr/>
         <p:txBody>
-          <a:bodyPr>
-            <a:normAutofit/>
-          </a:bodyPr>
-          <a:lstStyle>
-            <a:lvl1pPr>
-              <a:defRPr sz="4000"/>
-            </a:lvl1pPr>
-          </a:lstStyle>
-          <a:p>
-            <a:r>
-              <a:rPr lang="en-US" dirty="0"/>
+          <a:bodyPr/>
+          <a:lstStyle/>
+          <a:p>
+            <a:r>
+              <a:rPr lang="en-US"/>
               <a:t>Click to edit Master title style</a:t>
             </a:r>
-          </a:p>
-        </p:txBody>
-      </p:sp>
-      <p:sp>
-        <p:nvSpPr>
-          <p:cNvPr id="3" name="Vertical Text Placeholder 2">
-            <a:extLst>
-              <a:ext uri="{FF2B5EF4-FFF2-40B4-BE49-F238E27FC236}">
-                <a16:creationId xmlns:a16="http://schemas.microsoft.com/office/drawing/2014/main" id="{B308396B-E154-466D-AED0-38146E56AE13}"/>
-              </a:ext>
-            </a:extLst>
-          </p:cNvPr>
+            <a:endParaRPr lang="en-US" dirty="0"/>
+          </a:p>
+        </p:txBody>
+      </p:sp>
+      <p:sp>
+        <p:nvSpPr>
+          <p:cNvPr id="3" name="Vertical Text Placeholder 2"/>
           <p:cNvSpPr>
             <a:spLocks noGrp="1"/>
           </p:cNvSpPr>
@@ -1995,49 +2095,44 @@
           <a:p>
             <a:pPr lvl="0"/>
             <a:r>
-              <a:rPr lang="en-US" dirty="0"/>
+              <a:rPr lang="en-US"/>
               <a:t>Edit Master text styles</a:t>
             </a:r>
           </a:p>
           <a:p>
             <a:pPr lvl="1"/>
             <a:r>
-              <a:rPr lang="en-US" dirty="0"/>
+              <a:rPr lang="en-US"/>
               <a:t>Second level</a:t>
             </a:r>
           </a:p>
           <a:p>
             <a:pPr lvl="2"/>
             <a:r>
-              <a:rPr lang="en-US" dirty="0"/>
+              <a:rPr lang="en-US"/>
               <a:t>Third level</a:t>
             </a:r>
           </a:p>
           <a:p>
             <a:pPr lvl="3"/>
             <a:r>
-              <a:rPr lang="en-US" dirty="0"/>
+              <a:rPr lang="en-US"/>
               <a:t>Fourth level</a:t>
             </a:r>
           </a:p>
           <a:p>
             <a:pPr lvl="4"/>
             <a:r>
-              <a:rPr lang="en-US" dirty="0"/>
+              <a:rPr lang="en-US"/>
               <a:t>Fifth level</a:t>
             </a:r>
-          </a:p>
-        </p:txBody>
-      </p:sp>
-      <p:sp>
-        <p:nvSpPr>
-          <p:cNvPr id="4" name="Date Placeholder 3">
-            <a:extLst>
-              <a:ext uri="{FF2B5EF4-FFF2-40B4-BE49-F238E27FC236}">
-                <a16:creationId xmlns:a16="http://schemas.microsoft.com/office/drawing/2014/main" id="{22B32985-7F30-49F1-BDED-ED7336B3CE09}"/>
-              </a:ext>
-            </a:extLst>
-          </p:cNvPr>
+            <a:endParaRPr lang="en-US" dirty="0"/>
+          </a:p>
+        </p:txBody>
+      </p:sp>
+      <p:sp>
+        <p:nvSpPr>
+          <p:cNvPr id="4" name="Date Placeholder 3"/>
           <p:cNvSpPr>
             <a:spLocks noGrp="1"/>
           </p:cNvSpPr>
@@ -2060,13 +2155,7 @@
       </p:sp>
       <p:sp>
         <p:nvSpPr>
-          <p:cNvPr id="5" name="Footer Placeholder 4">
-            <a:extLst>
-              <a:ext uri="{FF2B5EF4-FFF2-40B4-BE49-F238E27FC236}">
-                <a16:creationId xmlns:a16="http://schemas.microsoft.com/office/drawing/2014/main" id="{2F34BF39-E15E-4A8E-9B01-7238CB7FD6D4}"/>
-              </a:ext>
-            </a:extLst>
-          </p:cNvPr>
+          <p:cNvPr id="5" name="Footer Placeholder 4"/>
           <p:cNvSpPr>
             <a:spLocks noGrp="1"/>
           </p:cNvSpPr>
@@ -2085,13 +2174,7 @@
       </p:sp>
       <p:sp>
         <p:nvSpPr>
-          <p:cNvPr id="6" name="Slide Number Placeholder 5">
-            <a:extLst>
-              <a:ext uri="{FF2B5EF4-FFF2-40B4-BE49-F238E27FC236}">
-                <a16:creationId xmlns:a16="http://schemas.microsoft.com/office/drawing/2014/main" id="{71DCB90B-7DF7-4608-98BE-AEF61EF32472}"/>
-              </a:ext>
-            </a:extLst>
-          </p:cNvPr>
+          <p:cNvPr id="6" name="Slide Number Placeholder 5"/>
           <p:cNvSpPr>
             <a:spLocks noGrp="1"/>
           </p:cNvSpPr>
@@ -2115,7 +2198,7 @@
     </p:spTree>
     <p:extLst>
       <p:ext uri="{BB962C8B-B14F-4D97-AF65-F5344CB8AC3E}">
-        <p14:creationId xmlns:p14="http://schemas.microsoft.com/office/powerpoint/2010/main" val="1626117937"/>
+        <p14:creationId xmlns:p14="http://schemas.microsoft.com/office/powerpoint/2010/main" val="3968121893"/>
       </p:ext>
     </p:extLst>
   </p:cSld>
@@ -2144,13 +2227,7 @@
       </p:grpSpPr>
       <p:sp>
         <p:nvSpPr>
-          <p:cNvPr id="2" name="Vertical Title 1">
-            <a:extLst>
-              <a:ext uri="{FF2B5EF4-FFF2-40B4-BE49-F238E27FC236}">
-                <a16:creationId xmlns:a16="http://schemas.microsoft.com/office/drawing/2014/main" id="{FCF50FAF-C708-44F2-A2CC-EF0F49D937B8}"/>
-              </a:ext>
-            </a:extLst>
-          </p:cNvPr>
+          <p:cNvPr id="2" name="Vertical Title 1"/>
           <p:cNvSpPr>
             <a:spLocks noGrp="1"/>
           </p:cNvSpPr>
@@ -2160,36 +2237,25 @@
         </p:nvSpPr>
         <p:spPr>
           <a:xfrm>
-            <a:off x="8724900" y="365125"/>
-            <a:ext cx="2628900" cy="5811838"/>
+            <a:off x="8743950" y="695325"/>
+            <a:ext cx="2628900" cy="4800600"/>
           </a:xfrm>
         </p:spPr>
         <p:txBody>
-          <a:bodyPr vert="eaVert">
-            <a:normAutofit/>
-          </a:bodyPr>
-          <a:lstStyle>
-            <a:lvl1pPr>
-              <a:defRPr sz="4000"/>
-            </a:lvl1pPr>
-          </a:lstStyle>
-          <a:p>
-            <a:r>
-              <a:rPr lang="en-US" dirty="0"/>
+          <a:bodyPr vert="eaVert"/>
+          <a:lstStyle/>
+          <a:p>
+            <a:r>
+              <a:rPr lang="en-US"/>
               <a:t>Click to edit Master title style</a:t>
             </a:r>
-          </a:p>
-        </p:txBody>
-      </p:sp>
-      <p:sp>
-        <p:nvSpPr>
-          <p:cNvPr id="3" name="Vertical Text Placeholder 2">
-            <a:extLst>
-              <a:ext uri="{FF2B5EF4-FFF2-40B4-BE49-F238E27FC236}">
-                <a16:creationId xmlns:a16="http://schemas.microsoft.com/office/drawing/2014/main" id="{994B8A80-D2B9-4EE6-BBFA-8AFE68A1C1F6}"/>
-              </a:ext>
-            </a:extLst>
-          </p:cNvPr>
+            <a:endParaRPr lang="en-US" dirty="0"/>
+          </a:p>
+        </p:txBody>
+      </p:sp>
+      <p:sp>
+        <p:nvSpPr>
+          <p:cNvPr id="3" name="Vertical Text Placeholder 2"/>
           <p:cNvSpPr>
             <a:spLocks noGrp="1"/>
           </p:cNvSpPr>
@@ -2199,8 +2265,8 @@
         </p:nvSpPr>
         <p:spPr>
           <a:xfrm>
-            <a:off x="838200" y="365125"/>
-            <a:ext cx="7734300" cy="5811838"/>
+            <a:off x="771525" y="714375"/>
+            <a:ext cx="7734300" cy="5400675"/>
           </a:xfrm>
         </p:spPr>
         <p:txBody>
@@ -2209,49 +2275,44 @@
           <a:p>
             <a:pPr lvl="0"/>
             <a:r>
-              <a:rPr lang="en-US" dirty="0"/>
+              <a:rPr lang="en-US"/>
               <a:t>Edit Master text styles</a:t>
             </a:r>
           </a:p>
           <a:p>
             <a:pPr lvl="1"/>
             <a:r>
-              <a:rPr lang="en-US" dirty="0"/>
+              <a:rPr lang="en-US"/>
               <a:t>Second level</a:t>
             </a:r>
           </a:p>
           <a:p>
             <a:pPr lvl="2"/>
             <a:r>
-              <a:rPr lang="en-US" dirty="0"/>
+              <a:rPr lang="en-US"/>
               <a:t>Third level</a:t>
             </a:r>
           </a:p>
           <a:p>
             <a:pPr lvl="3"/>
             <a:r>
-              <a:rPr lang="en-US" dirty="0"/>
+              <a:rPr lang="en-US"/>
               <a:t>Fourth level</a:t>
             </a:r>
           </a:p>
           <a:p>
             <a:pPr lvl="4"/>
             <a:r>
-              <a:rPr lang="en-US" dirty="0"/>
+              <a:rPr lang="en-US"/>
               <a:t>Fifth level</a:t>
             </a:r>
-          </a:p>
-        </p:txBody>
-      </p:sp>
-      <p:sp>
-        <p:nvSpPr>
-          <p:cNvPr id="4" name="Date Placeholder 3">
-            <a:extLst>
-              <a:ext uri="{FF2B5EF4-FFF2-40B4-BE49-F238E27FC236}">
-                <a16:creationId xmlns:a16="http://schemas.microsoft.com/office/drawing/2014/main" id="{F1B8A9A7-76F7-41CF-81A5-C553F92A0034}"/>
-              </a:ext>
-            </a:extLst>
-          </p:cNvPr>
+            <a:endParaRPr lang="en-US" dirty="0"/>
+          </a:p>
+        </p:txBody>
+      </p:sp>
+      <p:sp>
+        <p:nvSpPr>
+          <p:cNvPr id="4" name="Date Placeholder 3"/>
           <p:cNvSpPr>
             <a:spLocks noGrp="1"/>
           </p:cNvSpPr>
@@ -2274,13 +2335,7 @@
       </p:sp>
       <p:sp>
         <p:nvSpPr>
-          <p:cNvPr id="5" name="Footer Placeholder 4">
-            <a:extLst>
-              <a:ext uri="{FF2B5EF4-FFF2-40B4-BE49-F238E27FC236}">
-                <a16:creationId xmlns:a16="http://schemas.microsoft.com/office/drawing/2014/main" id="{E56103B0-A5E0-4DAA-943B-A4EA7CBD3578}"/>
-              </a:ext>
-            </a:extLst>
-          </p:cNvPr>
+          <p:cNvPr id="5" name="Footer Placeholder 4"/>
           <p:cNvSpPr>
             <a:spLocks noGrp="1"/>
           </p:cNvSpPr>
@@ -2299,13 +2354,7 @@
       </p:sp>
       <p:sp>
         <p:nvSpPr>
-          <p:cNvPr id="6" name="Slide Number Placeholder 5">
-            <a:extLst>
-              <a:ext uri="{FF2B5EF4-FFF2-40B4-BE49-F238E27FC236}">
-                <a16:creationId xmlns:a16="http://schemas.microsoft.com/office/drawing/2014/main" id="{695F1E6D-A513-41CF-9FA9-88D7821A2AEB}"/>
-              </a:ext>
-            </a:extLst>
-          </p:cNvPr>
+          <p:cNvPr id="6" name="Slide Number Placeholder 5"/>
           <p:cNvSpPr>
             <a:spLocks noGrp="1"/>
           </p:cNvSpPr>
@@ -2329,7 +2378,7 @@
     </p:spTree>
     <p:extLst>
       <p:ext uri="{BB962C8B-B14F-4D97-AF65-F5344CB8AC3E}">
-        <p14:creationId xmlns:p14="http://schemas.microsoft.com/office/powerpoint/2010/main" val="1480173337"/>
+        <p14:creationId xmlns:p14="http://schemas.microsoft.com/office/powerpoint/2010/main" val="2930141798"/>
       </p:ext>
     </p:extLst>
   </p:cSld>
@@ -2358,13 +2407,7 @@
       </p:grpSpPr>
       <p:sp>
         <p:nvSpPr>
-          <p:cNvPr id="2" name="Title 1">
-            <a:extLst>
-              <a:ext uri="{FF2B5EF4-FFF2-40B4-BE49-F238E27FC236}">
-                <a16:creationId xmlns:a16="http://schemas.microsoft.com/office/drawing/2014/main" id="{48693ED9-6533-4808-867F-68A484BCE4A6}"/>
-              </a:ext>
-            </a:extLst>
-          </p:cNvPr>
+          <p:cNvPr id="2" name="Title 1"/>
           <p:cNvSpPr>
             <a:spLocks noGrp="1"/>
           </p:cNvSpPr>
@@ -2374,33 +2417,20 @@
         </p:nvSpPr>
         <p:spPr/>
         <p:txBody>
-          <a:bodyPr>
-            <a:normAutofit/>
-          </a:bodyPr>
-          <a:lstStyle>
-            <a:lvl1pPr>
-              <a:defRPr sz="4000">
-                <a:latin typeface="Source Sans Pro" panose="020B0503030403020204" pitchFamily="34" charset="0"/>
-              </a:defRPr>
-            </a:lvl1pPr>
-          </a:lstStyle>
-          <a:p>
-            <a:r>
-              <a:rPr lang="en-US" dirty="0"/>
+          <a:bodyPr/>
+          <a:lstStyle/>
+          <a:p>
+            <a:r>
+              <a:rPr lang="en-US"/>
               <a:t>Click to edit Master title style</a:t>
             </a:r>
-          </a:p>
-        </p:txBody>
-      </p:sp>
-      <p:sp>
-        <p:nvSpPr>
-          <p:cNvPr id="3" name="Content Placeholder 2">
-            <a:extLst>
-              <a:ext uri="{FF2B5EF4-FFF2-40B4-BE49-F238E27FC236}">
-                <a16:creationId xmlns:a16="http://schemas.microsoft.com/office/drawing/2014/main" id="{5FCD3CF0-1622-44FD-B3C5-31D254C6913B}"/>
-              </a:ext>
-            </a:extLst>
-          </p:cNvPr>
+            <a:endParaRPr lang="en-US" dirty="0"/>
+          </a:p>
+        </p:txBody>
+      </p:sp>
+      <p:sp>
+        <p:nvSpPr>
+          <p:cNvPr id="3" name="Content Placeholder 2"/>
           <p:cNvSpPr>
             <a:spLocks noGrp="1"/>
           </p:cNvSpPr>
@@ -2408,92 +2438,51 @@
             <p:ph idx="1"/>
           </p:nvPr>
         </p:nvSpPr>
-        <p:spPr>
-          <a:xfrm>
-            <a:off x="838200" y="1597025"/>
-            <a:ext cx="10515600" cy="4351338"/>
-          </a:xfrm>
-        </p:spPr>
+        <p:spPr/>
         <p:txBody>
           <a:bodyPr/>
-          <a:lstStyle>
-            <a:lvl1pPr>
-              <a:defRPr>
-                <a:latin typeface="Times New Roman" panose="02020603050405020304" pitchFamily="18" charset="0"/>
-                <a:cs typeface="Times New Roman" panose="02020603050405020304" pitchFamily="18" charset="0"/>
-              </a:defRPr>
-            </a:lvl1pPr>
-            <a:lvl2pPr>
-              <a:defRPr>
-                <a:latin typeface="Times New Roman" panose="02020603050405020304" pitchFamily="18" charset="0"/>
-                <a:cs typeface="Times New Roman" panose="02020603050405020304" pitchFamily="18" charset="0"/>
-              </a:defRPr>
-            </a:lvl2pPr>
-            <a:lvl3pPr>
-              <a:defRPr>
-                <a:latin typeface="Times New Roman" panose="02020603050405020304" pitchFamily="18" charset="0"/>
-                <a:cs typeface="Times New Roman" panose="02020603050405020304" pitchFamily="18" charset="0"/>
-              </a:defRPr>
-            </a:lvl3pPr>
-            <a:lvl4pPr>
-              <a:defRPr>
-                <a:latin typeface="Times New Roman" panose="02020603050405020304" pitchFamily="18" charset="0"/>
-                <a:cs typeface="Times New Roman" panose="02020603050405020304" pitchFamily="18" charset="0"/>
-              </a:defRPr>
-            </a:lvl4pPr>
-            <a:lvl5pPr>
-              <a:defRPr>
-                <a:latin typeface="Times New Roman" panose="02020603050405020304" pitchFamily="18" charset="0"/>
-                <a:cs typeface="Times New Roman" panose="02020603050405020304" pitchFamily="18" charset="0"/>
-              </a:defRPr>
-            </a:lvl5pPr>
-          </a:lstStyle>
+          <a:lstStyle/>
           <a:p>
             <a:pPr lvl="0"/>
             <a:r>
-              <a:rPr lang="en-US" dirty="0"/>
+              <a:rPr lang="en-US"/>
               <a:t>Edit Master text styles</a:t>
             </a:r>
           </a:p>
           <a:p>
             <a:pPr lvl="1"/>
             <a:r>
-              <a:rPr lang="en-US" dirty="0"/>
+              <a:rPr lang="en-US"/>
               <a:t>Second level</a:t>
             </a:r>
           </a:p>
           <a:p>
             <a:pPr lvl="2"/>
             <a:r>
-              <a:rPr lang="en-US" dirty="0"/>
+              <a:rPr lang="en-US"/>
               <a:t>Third level</a:t>
             </a:r>
           </a:p>
           <a:p>
             <a:pPr lvl="3"/>
             <a:r>
-              <a:rPr lang="en-US" dirty="0"/>
+              <a:rPr lang="en-US"/>
               <a:t>Fourth level</a:t>
             </a:r>
           </a:p>
           <a:p>
             <a:pPr lvl="4"/>
             <a:r>
-              <a:rPr lang="en-US" dirty="0"/>
+              <a:rPr lang="en-US"/>
               <a:t>Fifth level</a:t>
             </a:r>
-          </a:p>
-        </p:txBody>
-      </p:sp>
-      <p:sp>
-        <p:nvSpPr>
-          <p:cNvPr id="4" name="Date Placeholder 3">
-            <a:extLst>
-              <a:ext uri="{FF2B5EF4-FFF2-40B4-BE49-F238E27FC236}">
-                <a16:creationId xmlns:a16="http://schemas.microsoft.com/office/drawing/2014/main" id="{57085F7F-9884-41EB-8ED4-0FDE6469516E}"/>
-              </a:ext>
-            </a:extLst>
-          </p:cNvPr>
+            <a:endParaRPr lang="en-US" dirty="0"/>
+          </a:p>
+        </p:txBody>
+      </p:sp>
+      <p:sp>
+        <p:nvSpPr>
+          <p:cNvPr id="4" name="Date Placeholder 3"/>
           <p:cNvSpPr>
             <a:spLocks noGrp="1"/>
           </p:cNvSpPr>
@@ -2516,13 +2505,7 @@
       </p:sp>
       <p:sp>
         <p:nvSpPr>
-          <p:cNvPr id="5" name="Footer Placeholder 4">
-            <a:extLst>
-              <a:ext uri="{FF2B5EF4-FFF2-40B4-BE49-F238E27FC236}">
-                <a16:creationId xmlns:a16="http://schemas.microsoft.com/office/drawing/2014/main" id="{4A0CBDED-FEE4-4F50-92EC-3B30FE8C6204}"/>
-              </a:ext>
-            </a:extLst>
-          </p:cNvPr>
+          <p:cNvPr id="5" name="Footer Placeholder 4"/>
           <p:cNvSpPr>
             <a:spLocks noGrp="1"/>
           </p:cNvSpPr>
@@ -2530,12 +2513,7 @@
             <p:ph type="ftr" sz="quarter" idx="11"/>
           </p:nvPr>
         </p:nvSpPr>
-        <p:spPr>
-          <a:xfrm>
-            <a:off x="7239000" y="6356349"/>
-            <a:ext cx="4114800" cy="365125"/>
-          </a:xfrm>
-        </p:spPr>
+        <p:spPr/>
         <p:txBody>
           <a:bodyPr/>
           <a:lstStyle/>
@@ -2546,13 +2524,7 @@
       </p:sp>
       <p:sp>
         <p:nvSpPr>
-          <p:cNvPr id="6" name="Slide Number Placeholder 5">
-            <a:extLst>
-              <a:ext uri="{FF2B5EF4-FFF2-40B4-BE49-F238E27FC236}">
-                <a16:creationId xmlns:a16="http://schemas.microsoft.com/office/drawing/2014/main" id="{1328CD14-3593-4ECD-907A-C47DE69B2808}"/>
-              </a:ext>
-            </a:extLst>
-          </p:cNvPr>
+          <p:cNvPr id="6" name="Slide Number Placeholder 5"/>
           <p:cNvSpPr>
             <a:spLocks noGrp="1"/>
           </p:cNvSpPr>
@@ -2560,12 +2532,7 @@
             <p:ph type="sldNum" sz="quarter" idx="12"/>
           </p:nvPr>
         </p:nvSpPr>
-        <p:spPr>
-          <a:xfrm>
-            <a:off x="3985846" y="6356349"/>
-            <a:ext cx="2743200" cy="365125"/>
-          </a:xfrm>
-        </p:spPr>
+        <p:spPr/>
         <p:txBody>
           <a:bodyPr/>
           <a:lstStyle/>
@@ -2581,7 +2548,7 @@
     </p:spTree>
     <p:extLst>
       <p:ext uri="{BB962C8B-B14F-4D97-AF65-F5344CB8AC3E}">
-        <p14:creationId xmlns:p14="http://schemas.microsoft.com/office/powerpoint/2010/main" val="2485920038"/>
+        <p14:creationId xmlns:p14="http://schemas.microsoft.com/office/powerpoint/2010/main" val="1014412172"/>
       </p:ext>
     </p:extLst>
   </p:cSld>
@@ -2610,13 +2577,7 @@
       </p:grpSpPr>
       <p:sp>
         <p:nvSpPr>
-          <p:cNvPr id="2" name="Title 1">
-            <a:extLst>
-              <a:ext uri="{FF2B5EF4-FFF2-40B4-BE49-F238E27FC236}">
-                <a16:creationId xmlns:a16="http://schemas.microsoft.com/office/drawing/2014/main" id="{2104FA29-527C-4066-831A-CDA4CDFF3D45}"/>
-              </a:ext>
-            </a:extLst>
-          </p:cNvPr>
+          <p:cNvPr id="2" name="Title 1"/>
           <p:cNvSpPr>
             <a:spLocks noGrp="1"/>
           </p:cNvSpPr>
@@ -2626,36 +2587,38 @@
         </p:nvSpPr>
         <p:spPr>
           <a:xfrm>
-            <a:off x="831850" y="1709738"/>
-            <a:ext cx="10515600" cy="2852737"/>
+            <a:off x="603504" y="767419"/>
+            <a:ext cx="10780776" cy="3355848"/>
           </a:xfrm>
         </p:spPr>
         <p:txBody>
-          <a:bodyPr anchor="b"/>
+          <a:bodyPr anchor="b">
+            <a:normAutofit/>
+          </a:bodyPr>
           <a:lstStyle>
             <a:lvl1pPr>
-              <a:defRPr sz="6000">
-                <a:latin typeface="Source Sans Pro" panose="020B0503030403020204" pitchFamily="34" charset="0"/>
+              <a:lnSpc>
+                <a:spcPct val="80000"/>
+              </a:lnSpc>
+              <a:defRPr sz="8800" b="0" baseline="0">
+                <a:solidFill>
+                  <a:schemeClr val="accent1"/>
+                </a:solidFill>
               </a:defRPr>
             </a:lvl1pPr>
           </a:lstStyle>
           <a:p>
             <a:r>
-              <a:rPr lang="en-US" dirty="0"/>
+              <a:rPr lang="en-US"/>
               <a:t>Click to edit Master title style</a:t>
             </a:r>
-          </a:p>
-        </p:txBody>
-      </p:sp>
-      <p:sp>
-        <p:nvSpPr>
-          <p:cNvPr id="3" name="Text Placeholder 2">
-            <a:extLst>
-              <a:ext uri="{FF2B5EF4-FFF2-40B4-BE49-F238E27FC236}">
-                <a16:creationId xmlns:a16="http://schemas.microsoft.com/office/drawing/2014/main" id="{B7F5C19C-6009-4319-9E5D-3FB9596CC500}"/>
-              </a:ext>
-            </a:extLst>
-          </p:cNvPr>
+            <a:endParaRPr lang="en-US" dirty="0"/>
+          </a:p>
+        </p:txBody>
+      </p:sp>
+      <p:sp>
+        <p:nvSpPr>
+          <p:cNvPr id="3" name="Text Placeholder 2"/>
           <p:cNvSpPr>
             <a:spLocks noGrp="1"/>
           </p:cNvSpPr>
@@ -2665,28 +2628,27 @@
         </p:nvSpPr>
         <p:spPr>
           <a:xfrm>
-            <a:off x="831850" y="4589463"/>
-            <a:ext cx="10515600" cy="1500187"/>
+            <a:off x="667512" y="4204209"/>
+            <a:ext cx="9226296" cy="1645920"/>
           </a:xfrm>
         </p:spPr>
         <p:txBody>
-          <a:bodyPr/>
+          <a:bodyPr anchor="t">
+            <a:normAutofit/>
+          </a:bodyPr>
           <a:lstStyle>
             <a:lvl1pPr marL="0" indent="0">
               <a:buNone/>
-              <a:defRPr sz="2400">
+              <a:defRPr sz="3200">
                 <a:solidFill>
-                  <a:schemeClr val="tx1">
-                    <a:tint val="75000"/>
-                  </a:schemeClr>
+                  <a:schemeClr val="tx1"/>
                 </a:solidFill>
-                <a:latin typeface="Times New Roman" panose="02020603050405020304" pitchFamily="18" charset="0"/>
-                <a:cs typeface="Times New Roman" panose="02020603050405020304" pitchFamily="18" charset="0"/>
+                <a:latin typeface="+mj-lt"/>
               </a:defRPr>
             </a:lvl1pPr>
             <a:lvl2pPr marL="457200" indent="0">
               <a:buNone/>
-              <a:defRPr sz="2000">
+              <a:defRPr sz="1800">
                 <a:solidFill>
                   <a:schemeClr val="tx1">
                     <a:tint val="75000"/>
@@ -2696,7 +2658,7 @@
             </a:lvl2pPr>
             <a:lvl3pPr marL="914400" indent="0">
               <a:buNone/>
-              <a:defRPr sz="1800">
+              <a:defRPr sz="1600">
                 <a:solidFill>
                   <a:schemeClr val="tx1">
                     <a:tint val="75000"/>
@@ -2706,7 +2668,7 @@
             </a:lvl3pPr>
             <a:lvl4pPr marL="1371600" indent="0">
               <a:buNone/>
-              <a:defRPr sz="1600">
+              <a:defRPr sz="1400">
                 <a:solidFill>
                   <a:schemeClr val="tx1">
                     <a:tint val="75000"/>
@@ -2716,7 +2678,7 @@
             </a:lvl4pPr>
             <a:lvl5pPr marL="1828800" indent="0">
               <a:buNone/>
-              <a:defRPr sz="1600">
+              <a:defRPr sz="1400">
                 <a:solidFill>
                   <a:schemeClr val="tx1">
                     <a:tint val="75000"/>
@@ -2726,7 +2688,7 @@
             </a:lvl5pPr>
             <a:lvl6pPr marL="2286000" indent="0">
               <a:buNone/>
-              <a:defRPr sz="1600">
+              <a:defRPr sz="1400">
                 <a:solidFill>
                   <a:schemeClr val="tx1">
                     <a:tint val="75000"/>
@@ -2736,7 +2698,7 @@
             </a:lvl6pPr>
             <a:lvl7pPr marL="2743200" indent="0">
               <a:buNone/>
-              <a:defRPr sz="1600">
+              <a:defRPr sz="1400">
                 <a:solidFill>
                   <a:schemeClr val="tx1">
                     <a:tint val="75000"/>
@@ -2746,7 +2708,7 @@
             </a:lvl7pPr>
             <a:lvl8pPr marL="3200400" indent="0">
               <a:buNone/>
-              <a:defRPr sz="1600">
+              <a:defRPr sz="1400">
                 <a:solidFill>
                   <a:schemeClr val="tx1">
                     <a:tint val="75000"/>
@@ -2756,7 +2718,7 @@
             </a:lvl8pPr>
             <a:lvl9pPr marL="3657600" indent="0">
               <a:buNone/>
-              <a:defRPr sz="1600">
+              <a:defRPr sz="1400">
                 <a:solidFill>
                   <a:schemeClr val="tx1">
                     <a:tint val="75000"/>
@@ -2768,7 +2730,7 @@
           <a:p>
             <a:pPr lvl="0"/>
             <a:r>
-              <a:rPr lang="en-US" dirty="0"/>
+              <a:rPr lang="en-US"/>
               <a:t>Edit Master text styles</a:t>
             </a:r>
           </a:p>
@@ -2776,13 +2738,7 @@
       </p:sp>
       <p:sp>
         <p:nvSpPr>
-          <p:cNvPr id="4" name="Date Placeholder 3">
-            <a:extLst>
-              <a:ext uri="{FF2B5EF4-FFF2-40B4-BE49-F238E27FC236}">
-                <a16:creationId xmlns:a16="http://schemas.microsoft.com/office/drawing/2014/main" id="{3D138E6F-3F81-4E15-BA6D-2BD1974DBF53}"/>
-              </a:ext>
-            </a:extLst>
-          </p:cNvPr>
+          <p:cNvPr id="4" name="Date Placeholder 3"/>
           <p:cNvSpPr>
             <a:spLocks noGrp="1"/>
           </p:cNvSpPr>
@@ -2793,14 +2749,7 @@
         <p:spPr/>
         <p:txBody>
           <a:bodyPr/>
-          <a:lstStyle>
-            <a:lvl1pPr>
-              <a:defRPr>
-                <a:latin typeface="Times New Roman" panose="02020603050405020304" pitchFamily="18" charset="0"/>
-                <a:cs typeface="Times New Roman" panose="02020603050405020304" pitchFamily="18" charset="0"/>
-              </a:defRPr>
-            </a:lvl1pPr>
-          </a:lstStyle>
+          <a:lstStyle/>
           <a:p>
             <a:fld id="{EA9DAA4B-1450-4774-97A4-B88638E16613}" type="datetime1">
               <a:rPr lang="en-US" smtClean="0"/>
@@ -2812,13 +2761,7 @@
       </p:sp>
       <p:sp>
         <p:nvSpPr>
-          <p:cNvPr id="5" name="Footer Placeholder 4">
-            <a:extLst>
-              <a:ext uri="{FF2B5EF4-FFF2-40B4-BE49-F238E27FC236}">
-                <a16:creationId xmlns:a16="http://schemas.microsoft.com/office/drawing/2014/main" id="{C1A06C30-2676-4B9A-97C5-C301B3EBC15E}"/>
-              </a:ext>
-            </a:extLst>
-          </p:cNvPr>
+          <p:cNvPr id="5" name="Footer Placeholder 4"/>
           <p:cNvSpPr>
             <a:spLocks noGrp="1"/>
           </p:cNvSpPr>
@@ -2829,14 +2772,7 @@
         <p:spPr/>
         <p:txBody>
           <a:bodyPr/>
-          <a:lstStyle>
-            <a:lvl1pPr>
-              <a:defRPr>
-                <a:latin typeface="Times New Roman" panose="02020603050405020304" pitchFamily="18" charset="0"/>
-                <a:cs typeface="Times New Roman" panose="02020603050405020304" pitchFamily="18" charset="0"/>
-              </a:defRPr>
-            </a:lvl1pPr>
-          </a:lstStyle>
+          <a:lstStyle/>
           <a:p>
             <a:endParaRPr lang="en-US" dirty="0"/>
           </a:p>
@@ -2844,13 +2780,7 @@
       </p:sp>
       <p:sp>
         <p:nvSpPr>
-          <p:cNvPr id="6" name="Slide Number Placeholder 5">
-            <a:extLst>
-              <a:ext uri="{FF2B5EF4-FFF2-40B4-BE49-F238E27FC236}">
-                <a16:creationId xmlns:a16="http://schemas.microsoft.com/office/drawing/2014/main" id="{C9F9CC86-7B0F-483E-A69A-E23B176B74DD}"/>
-              </a:ext>
-            </a:extLst>
-          </p:cNvPr>
+          <p:cNvPr id="6" name="Slide Number Placeholder 5"/>
           <p:cNvSpPr>
             <a:spLocks noGrp="1"/>
           </p:cNvSpPr>
@@ -2861,14 +2791,7 @@
         <p:spPr/>
         <p:txBody>
           <a:bodyPr/>
-          <a:lstStyle>
-            <a:lvl1pPr>
-              <a:defRPr>
-                <a:latin typeface="Times New Roman" panose="02020603050405020304" pitchFamily="18" charset="0"/>
-                <a:cs typeface="Times New Roman" panose="02020603050405020304" pitchFamily="18" charset="0"/>
-              </a:defRPr>
-            </a:lvl1pPr>
-          </a:lstStyle>
+          <a:lstStyle/>
           <a:p>
             <a:fld id="{FA94DDC0-52DF-4E5B-BC15-BDFAED429345}" type="slidenum">
               <a:rPr lang="en-US" smtClean="0"/>
@@ -2882,7 +2805,7 @@
     </p:spTree>
     <p:extLst>
       <p:ext uri="{BB962C8B-B14F-4D97-AF65-F5344CB8AC3E}">
-        <p14:creationId xmlns:p14="http://schemas.microsoft.com/office/powerpoint/2010/main" val="3264782283"/>
+        <p14:creationId xmlns:p14="http://schemas.microsoft.com/office/powerpoint/2010/main" val="2852263839"/>
       </p:ext>
     </p:extLst>
   </p:cSld>
@@ -2911,13 +2834,7 @@
       </p:grpSpPr>
       <p:sp>
         <p:nvSpPr>
-          <p:cNvPr id="2" name="Title 1">
-            <a:extLst>
-              <a:ext uri="{FF2B5EF4-FFF2-40B4-BE49-F238E27FC236}">
-                <a16:creationId xmlns:a16="http://schemas.microsoft.com/office/drawing/2014/main" id="{8FB4BEAC-DD4C-4E68-834A-06837E309867}"/>
-              </a:ext>
-            </a:extLst>
-          </p:cNvPr>
+          <p:cNvPr id="2" name="Title 1"/>
           <p:cNvSpPr>
             <a:spLocks noGrp="1"/>
           </p:cNvSpPr>
@@ -2927,31 +2844,20 @@
         </p:nvSpPr>
         <p:spPr/>
         <p:txBody>
-          <a:bodyPr>
-            <a:normAutofit/>
-          </a:bodyPr>
-          <a:lstStyle>
-            <a:lvl1pPr>
-              <a:defRPr sz="4000"/>
-            </a:lvl1pPr>
-          </a:lstStyle>
-          <a:p>
-            <a:r>
-              <a:rPr lang="en-US" dirty="0"/>
+          <a:bodyPr/>
+          <a:lstStyle/>
+          <a:p>
+            <a:r>
+              <a:rPr lang="en-US"/>
               <a:t>Click to edit Master title style</a:t>
             </a:r>
-          </a:p>
-        </p:txBody>
-      </p:sp>
-      <p:sp>
-        <p:nvSpPr>
-          <p:cNvPr id="3" name="Content Placeholder 2">
-            <a:extLst>
-              <a:ext uri="{FF2B5EF4-FFF2-40B4-BE49-F238E27FC236}">
-                <a16:creationId xmlns:a16="http://schemas.microsoft.com/office/drawing/2014/main" id="{BBD08B83-6315-43AF-B0B1-632947ACFFDB}"/>
-              </a:ext>
-            </a:extLst>
-          </p:cNvPr>
+            <a:endParaRPr lang="en-US" dirty="0"/>
+          </a:p>
+        </p:txBody>
+      </p:sp>
+      <p:sp>
+        <p:nvSpPr>
+          <p:cNvPr id="3" name="Content Placeholder 2"/>
           <p:cNvSpPr>
             <a:spLocks noGrp="1"/>
           </p:cNvSpPr>
@@ -2961,139 +2867,178 @@
         </p:nvSpPr>
         <p:spPr>
           <a:xfrm>
-            <a:off x="838200" y="1825625"/>
-            <a:ext cx="5181600" cy="4351338"/>
+            <a:off x="676656" y="1998134"/>
+            <a:ext cx="4663440" cy="3767328"/>
           </a:xfrm>
         </p:spPr>
-        <p:txBody>
-          <a:bodyPr/>
-          <a:lstStyle/>
-          <a:p>
-            <a:pPr lvl="0"/>
-            <a:r>
-              <a:rPr lang="en-US" dirty="0"/>
-              <a:t>Edit Master text styles</a:t>
-            </a:r>
-          </a:p>
-          <a:p>
-            <a:pPr lvl="1"/>
-            <a:r>
-              <a:rPr lang="en-US" dirty="0"/>
-              <a:t>Second level</a:t>
-            </a:r>
-          </a:p>
-          <a:p>
-            <a:pPr lvl="2"/>
-            <a:r>
-              <a:rPr lang="en-US" dirty="0"/>
-              <a:t>Third level</a:t>
-            </a:r>
-          </a:p>
-          <a:p>
-            <a:pPr lvl="3"/>
-            <a:r>
-              <a:rPr lang="en-US" dirty="0"/>
-              <a:t>Fourth level</a:t>
-            </a:r>
-          </a:p>
-          <a:p>
-            <a:pPr lvl="4"/>
-            <a:r>
-              <a:rPr lang="en-US" dirty="0"/>
-              <a:t>Fifth level</a:t>
-            </a:r>
-          </a:p>
-        </p:txBody>
-      </p:sp>
-      <p:sp>
-        <p:nvSpPr>
-          <p:cNvPr id="4" name="Content Placeholder 3">
-            <a:extLst>
-              <a:ext uri="{FF2B5EF4-FFF2-40B4-BE49-F238E27FC236}">
-                <a16:creationId xmlns:a16="http://schemas.microsoft.com/office/drawing/2014/main" id="{9C4DE758-9F17-46BC-87EB-9DD556D1F61E}"/>
-              </a:ext>
-            </a:extLst>
-          </p:cNvPr>
-          <p:cNvSpPr>
-            <a:spLocks noGrp="1"/>
-          </p:cNvSpPr>
-          <p:nvPr>
-            <p:ph sz="half" idx="2"/>
-          </p:nvPr>
-        </p:nvSpPr>
-        <p:spPr>
-          <a:xfrm>
-            <a:off x="6172200" y="1825625"/>
-            <a:ext cx="5181600" cy="4351338"/>
-          </a:xfrm>
-        </p:spPr>
-        <p:txBody>
-          <a:bodyPr/>
-          <a:lstStyle/>
-          <a:p>
-            <a:pPr lvl="0"/>
-            <a:r>
-              <a:rPr lang="en-US" dirty="0"/>
-              <a:t>Edit Master text styles</a:t>
-            </a:r>
-          </a:p>
-          <a:p>
-            <a:pPr lvl="1"/>
-            <a:r>
-              <a:rPr lang="en-US" dirty="0"/>
-              <a:t>Second level</a:t>
-            </a:r>
-          </a:p>
-          <a:p>
-            <a:pPr lvl="2"/>
-            <a:r>
-              <a:rPr lang="en-US" dirty="0"/>
-              <a:t>Third level</a:t>
-            </a:r>
-          </a:p>
-          <a:p>
-            <a:pPr lvl="3"/>
-            <a:r>
-              <a:rPr lang="en-US" dirty="0"/>
-              <a:t>Fourth level</a:t>
-            </a:r>
-          </a:p>
-          <a:p>
-            <a:pPr lvl="4"/>
-            <a:r>
-              <a:rPr lang="en-US" dirty="0"/>
-              <a:t>Fifth level</a:t>
-            </a:r>
-          </a:p>
-        </p:txBody>
-      </p:sp>
-      <p:sp>
-        <p:nvSpPr>
-          <p:cNvPr id="5" name="Date Placeholder 4">
-            <a:extLst>
-              <a:ext uri="{FF2B5EF4-FFF2-40B4-BE49-F238E27FC236}">
-                <a16:creationId xmlns:a16="http://schemas.microsoft.com/office/drawing/2014/main" id="{426DDA83-8C6E-46B4-9C84-21F58E76F3B4}"/>
-              </a:ext>
-            </a:extLst>
-          </p:cNvPr>
-          <p:cNvSpPr>
-            <a:spLocks noGrp="1"/>
-          </p:cNvSpPr>
-          <p:nvPr>
-            <p:ph type="dt" sz="half" idx="10"/>
-          </p:nvPr>
-        </p:nvSpPr>
-        <p:spPr/>
         <p:txBody>
           <a:bodyPr/>
           <a:lstStyle>
             <a:lvl1pPr>
-              <a:defRPr>
-                <a:latin typeface="Times New Roman" panose="02020603050405020304" pitchFamily="18" charset="0"/>
-                <a:cs typeface="Times New Roman" panose="02020603050405020304" pitchFamily="18" charset="0"/>
-              </a:defRPr>
+              <a:defRPr sz="2400"/>
             </a:lvl1pPr>
+            <a:lvl2pPr>
+              <a:defRPr sz="2000"/>
+            </a:lvl2pPr>
+            <a:lvl3pPr>
+              <a:defRPr sz="1800"/>
+            </a:lvl3pPr>
+            <a:lvl4pPr>
+              <a:defRPr sz="1600"/>
+            </a:lvl4pPr>
+            <a:lvl5pPr>
+              <a:defRPr sz="1600"/>
+            </a:lvl5pPr>
+            <a:lvl6pPr>
+              <a:defRPr sz="1600"/>
+            </a:lvl6pPr>
+            <a:lvl7pPr>
+              <a:defRPr sz="1600"/>
+            </a:lvl7pPr>
+            <a:lvl8pPr>
+              <a:defRPr sz="1600"/>
+            </a:lvl8pPr>
+            <a:lvl9pPr>
+              <a:defRPr sz="1600"/>
+            </a:lvl9pPr>
           </a:lstStyle>
+          <a:p>
+            <a:pPr lvl="0"/>
+            <a:r>
+              <a:rPr lang="en-US"/>
+              <a:t>Edit Master text styles</a:t>
+            </a:r>
+          </a:p>
+          <a:p>
+            <a:pPr lvl="1"/>
+            <a:r>
+              <a:rPr lang="en-US"/>
+              <a:t>Second level</a:t>
+            </a:r>
+          </a:p>
+          <a:p>
+            <a:pPr lvl="2"/>
+            <a:r>
+              <a:rPr lang="en-US"/>
+              <a:t>Third level</a:t>
+            </a:r>
+          </a:p>
+          <a:p>
+            <a:pPr lvl="3"/>
+            <a:r>
+              <a:rPr lang="en-US"/>
+              <a:t>Fourth level</a:t>
+            </a:r>
+          </a:p>
+          <a:p>
+            <a:pPr lvl="4"/>
+            <a:r>
+              <a:rPr lang="en-US"/>
+              <a:t>Fifth level</a:t>
+            </a:r>
+            <a:endParaRPr lang="en-US" dirty="0"/>
+          </a:p>
+        </p:txBody>
+      </p:sp>
+      <p:sp>
+        <p:nvSpPr>
+          <p:cNvPr id="4" name="Content Placeholder 3"/>
+          <p:cNvSpPr>
+            <a:spLocks noGrp="1"/>
+          </p:cNvSpPr>
+          <p:nvPr>
+            <p:ph sz="half" idx="2"/>
+          </p:nvPr>
+        </p:nvSpPr>
+        <p:spPr>
+          <a:xfrm>
+            <a:off x="6011330" y="1998134"/>
+            <a:ext cx="4663440" cy="3767328"/>
+          </a:xfrm>
+        </p:spPr>
+        <p:txBody>
+          <a:bodyPr/>
+          <a:lstStyle>
+            <a:lvl1pPr>
+              <a:defRPr sz="2400"/>
+            </a:lvl1pPr>
+            <a:lvl2pPr>
+              <a:defRPr sz="2000"/>
+            </a:lvl2pPr>
+            <a:lvl3pPr>
+              <a:defRPr sz="1800"/>
+            </a:lvl3pPr>
+            <a:lvl4pPr>
+              <a:defRPr sz="1600"/>
+            </a:lvl4pPr>
+            <a:lvl5pPr>
+              <a:defRPr sz="1600"/>
+            </a:lvl5pPr>
+            <a:lvl6pPr>
+              <a:defRPr sz="1600"/>
+            </a:lvl6pPr>
+            <a:lvl7pPr>
+              <a:defRPr sz="1600"/>
+            </a:lvl7pPr>
+            <a:lvl8pPr>
+              <a:defRPr sz="1600"/>
+            </a:lvl8pPr>
+            <a:lvl9pPr>
+              <a:defRPr sz="1600"/>
+            </a:lvl9pPr>
+          </a:lstStyle>
+          <a:p>
+            <a:pPr lvl="0"/>
+            <a:r>
+              <a:rPr lang="en-US"/>
+              <a:t>Edit Master text styles</a:t>
+            </a:r>
+          </a:p>
+          <a:p>
+            <a:pPr lvl="1"/>
+            <a:r>
+              <a:rPr lang="en-US"/>
+              <a:t>Second level</a:t>
+            </a:r>
+          </a:p>
+          <a:p>
+            <a:pPr lvl="2"/>
+            <a:r>
+              <a:rPr lang="en-US"/>
+              <a:t>Third level</a:t>
+            </a:r>
+          </a:p>
+          <a:p>
+            <a:pPr lvl="3"/>
+            <a:r>
+              <a:rPr lang="en-US"/>
+              <a:t>Fourth level</a:t>
+            </a:r>
+          </a:p>
+          <a:p>
+            <a:pPr lvl="4"/>
+            <a:r>
+              <a:rPr lang="en-US"/>
+              <a:t>Fifth level</a:t>
+            </a:r>
+            <a:endParaRPr lang="en-US" dirty="0"/>
+          </a:p>
+        </p:txBody>
+      </p:sp>
+      <p:sp>
+        <p:nvSpPr>
+          <p:cNvPr id="5" name="Date Placeholder 4"/>
+          <p:cNvSpPr>
+            <a:spLocks noGrp="1"/>
+          </p:cNvSpPr>
+          <p:nvPr>
+            <p:ph type="dt" sz="half" idx="10"/>
+          </p:nvPr>
+        </p:nvSpPr>
+        <p:spPr/>
+        <p:txBody>
+          <a:bodyPr/>
+          <a:lstStyle/>
           <a:p>
             <a:fld id="{C7B4E5FE-3717-456E-94AF-8A177C4455CC}" type="datetime1">
               <a:rPr lang="en-US" smtClean="0"/>
@@ -3105,13 +3050,7 @@
       </p:sp>
       <p:sp>
         <p:nvSpPr>
-          <p:cNvPr id="6" name="Footer Placeholder 5">
-            <a:extLst>
-              <a:ext uri="{FF2B5EF4-FFF2-40B4-BE49-F238E27FC236}">
-                <a16:creationId xmlns:a16="http://schemas.microsoft.com/office/drawing/2014/main" id="{E30044C5-120D-40DD-8DB2-71B7921450ED}"/>
-              </a:ext>
-            </a:extLst>
-          </p:cNvPr>
+          <p:cNvPr id="6" name="Footer Placeholder 5"/>
           <p:cNvSpPr>
             <a:spLocks noGrp="1"/>
           </p:cNvSpPr>
@@ -3122,14 +3061,7 @@
         <p:spPr/>
         <p:txBody>
           <a:bodyPr/>
-          <a:lstStyle>
-            <a:lvl1pPr>
-              <a:defRPr>
-                <a:latin typeface="Times New Roman" panose="02020603050405020304" pitchFamily="18" charset="0"/>
-                <a:cs typeface="Times New Roman" panose="02020603050405020304" pitchFamily="18" charset="0"/>
-              </a:defRPr>
-            </a:lvl1pPr>
-          </a:lstStyle>
+          <a:lstStyle/>
           <a:p>
             <a:endParaRPr lang="en-US" dirty="0"/>
           </a:p>
@@ -3137,13 +3069,7 @@
       </p:sp>
       <p:sp>
         <p:nvSpPr>
-          <p:cNvPr id="7" name="Slide Number Placeholder 6">
-            <a:extLst>
-              <a:ext uri="{FF2B5EF4-FFF2-40B4-BE49-F238E27FC236}">
-                <a16:creationId xmlns:a16="http://schemas.microsoft.com/office/drawing/2014/main" id="{AC9C9DC8-8244-49AC-9EB6-11F35BCB5246}"/>
-              </a:ext>
-            </a:extLst>
-          </p:cNvPr>
+          <p:cNvPr id="7" name="Slide Number Placeholder 6"/>
           <p:cNvSpPr>
             <a:spLocks noGrp="1"/>
           </p:cNvSpPr>
@@ -3154,14 +3080,7 @@
         <p:spPr/>
         <p:txBody>
           <a:bodyPr/>
-          <a:lstStyle>
-            <a:lvl1pPr>
-              <a:defRPr>
-                <a:latin typeface="Times New Roman" panose="02020603050405020304" pitchFamily="18" charset="0"/>
-                <a:cs typeface="Times New Roman" panose="02020603050405020304" pitchFamily="18" charset="0"/>
-              </a:defRPr>
-            </a:lvl1pPr>
-          </a:lstStyle>
+          <a:lstStyle/>
           <a:p>
             <a:fld id="{FA94DDC0-52DF-4E5B-BC15-BDFAED429345}" type="slidenum">
               <a:rPr lang="en-US" smtClean="0"/>
@@ -3175,7 +3094,7 @@
     </p:spTree>
     <p:extLst>
       <p:ext uri="{BB962C8B-B14F-4D97-AF65-F5344CB8AC3E}">
-        <p14:creationId xmlns:p14="http://schemas.microsoft.com/office/powerpoint/2010/main" val="1709734104"/>
+        <p14:creationId xmlns:p14="http://schemas.microsoft.com/office/powerpoint/2010/main" val="1837183298"/>
       </p:ext>
     </p:extLst>
   </p:cSld>
@@ -3204,71 +3123,59 @@
       </p:grpSpPr>
       <p:sp>
         <p:nvSpPr>
-          <p:cNvPr id="2" name="Title 1">
-            <a:extLst>
-              <a:ext uri="{FF2B5EF4-FFF2-40B4-BE49-F238E27FC236}">
-                <a16:creationId xmlns:a16="http://schemas.microsoft.com/office/drawing/2014/main" id="{6FEBECAA-6B94-4231-B08B-640DB2C3A8A2}"/>
-              </a:ext>
-            </a:extLst>
-          </p:cNvPr>
+          <p:cNvPr id="10" name="Title 9"/>
           <p:cNvSpPr>
             <a:spLocks noGrp="1"/>
           </p:cNvSpPr>
           <p:nvPr>
             <p:ph type="title"/>
+          </p:nvPr>
+        </p:nvSpPr>
+        <p:spPr/>
+        <p:txBody>
+          <a:bodyPr/>
+          <a:lstStyle/>
+          <a:p>
+            <a:r>
+              <a:rPr lang="en-US"/>
+              <a:t>Click to edit Master title style</a:t>
+            </a:r>
+            <a:endParaRPr lang="en-US" dirty="0"/>
+          </a:p>
+        </p:txBody>
+      </p:sp>
+      <p:sp>
+        <p:nvSpPr>
+          <p:cNvPr id="3" name="Text Placeholder 2"/>
+          <p:cNvSpPr>
+            <a:spLocks noGrp="1"/>
+          </p:cNvSpPr>
+          <p:nvPr>
+            <p:ph type="body" idx="1"/>
           </p:nvPr>
         </p:nvSpPr>
         <p:spPr>
           <a:xfrm>
-            <a:off x="839788" y="365125"/>
-            <a:ext cx="10515600" cy="1325563"/>
+            <a:off x="676656" y="2040467"/>
+            <a:ext cx="4663440" cy="723400"/>
           </a:xfrm>
         </p:spPr>
         <p:txBody>
-          <a:bodyPr>
+          <a:bodyPr anchor="ctr">
             <a:normAutofit/>
           </a:bodyPr>
           <a:lstStyle>
-            <a:lvl1pPr>
-              <a:defRPr sz="4000"/>
-            </a:lvl1pPr>
-          </a:lstStyle>
-          <a:p>
-            <a:r>
-              <a:rPr lang="en-US" dirty="0"/>
-              <a:t>Click to edit Master title style</a:t>
-            </a:r>
-          </a:p>
-        </p:txBody>
-      </p:sp>
-      <p:sp>
-        <p:nvSpPr>
-          <p:cNvPr id="3" name="Text Placeholder 2">
-            <a:extLst>
-              <a:ext uri="{FF2B5EF4-FFF2-40B4-BE49-F238E27FC236}">
-                <a16:creationId xmlns:a16="http://schemas.microsoft.com/office/drawing/2014/main" id="{35765CCC-AFC1-4927-9E4E-E5B837F57D7F}"/>
-              </a:ext>
-            </a:extLst>
-          </p:cNvPr>
-          <p:cNvSpPr>
-            <a:spLocks noGrp="1"/>
-          </p:cNvSpPr>
-          <p:nvPr>
-            <p:ph type="body" idx="1"/>
-          </p:nvPr>
-        </p:nvSpPr>
-        <p:spPr>
-          <a:xfrm>
-            <a:off x="839788" y="1681163"/>
-            <a:ext cx="5157787" cy="823912"/>
-          </a:xfrm>
-        </p:spPr>
-        <p:txBody>
-          <a:bodyPr anchor="b"/>
-          <a:lstStyle>
             <a:lvl1pPr marL="0" indent="0">
               <a:buNone/>
-              <a:defRPr sz="2400" b="1"/>
+              <a:defRPr sz="2200" b="0" cap="all" baseline="0">
+                <a:solidFill>
+                  <a:schemeClr val="tx1">
+                    <a:lumMod val="85000"/>
+                    <a:lumOff val="15000"/>
+                  </a:schemeClr>
+                </a:solidFill>
+                <a:latin typeface="+mj-lt"/>
+              </a:defRPr>
             </a:lvl1pPr>
             <a:lvl2pPr marL="457200" indent="0">
               <a:buNone/>
@@ -3314,13 +3221,7 @@
       </p:sp>
       <p:sp>
         <p:nvSpPr>
-          <p:cNvPr id="4" name="Content Placeholder 3">
-            <a:extLst>
-              <a:ext uri="{FF2B5EF4-FFF2-40B4-BE49-F238E27FC236}">
-                <a16:creationId xmlns:a16="http://schemas.microsoft.com/office/drawing/2014/main" id="{099358EA-1DE6-4EA5-8A26-24457F21AEE4}"/>
-              </a:ext>
-            </a:extLst>
-          </p:cNvPr>
+          <p:cNvPr id="4" name="Content Placeholder 3"/>
           <p:cNvSpPr>
             <a:spLocks noGrp="1"/>
           </p:cNvSpPr>
@@ -3330,59 +3231,82 @@
         </p:nvSpPr>
         <p:spPr>
           <a:xfrm>
-            <a:off x="839788" y="2505075"/>
-            <a:ext cx="5157787" cy="3684588"/>
+            <a:off x="676656" y="2753084"/>
+            <a:ext cx="4663440" cy="3200400"/>
           </a:xfrm>
         </p:spPr>
         <p:txBody>
           <a:bodyPr/>
-          <a:lstStyle/>
+          <a:lstStyle>
+            <a:lvl1pPr>
+              <a:defRPr sz="2400"/>
+            </a:lvl1pPr>
+            <a:lvl2pPr>
+              <a:defRPr sz="2000"/>
+            </a:lvl2pPr>
+            <a:lvl3pPr>
+              <a:defRPr sz="1800"/>
+            </a:lvl3pPr>
+            <a:lvl4pPr>
+              <a:defRPr sz="1600"/>
+            </a:lvl4pPr>
+            <a:lvl5pPr>
+              <a:defRPr sz="1600"/>
+            </a:lvl5pPr>
+            <a:lvl6pPr>
+              <a:defRPr sz="1600"/>
+            </a:lvl6pPr>
+            <a:lvl7pPr>
+              <a:defRPr sz="1600"/>
+            </a:lvl7pPr>
+            <a:lvl8pPr>
+              <a:defRPr sz="1600"/>
+            </a:lvl8pPr>
+            <a:lvl9pPr>
+              <a:defRPr sz="1600"/>
+            </a:lvl9pPr>
+          </a:lstStyle>
           <a:p>
             <a:pPr lvl="0"/>
             <a:r>
-              <a:rPr lang="en-US" dirty="0"/>
+              <a:rPr lang="en-US"/>
               <a:t>Edit Master text styles</a:t>
             </a:r>
           </a:p>
           <a:p>
             <a:pPr lvl="1"/>
             <a:r>
-              <a:rPr lang="en-US" dirty="0"/>
+              <a:rPr lang="en-US"/>
               <a:t>Second level</a:t>
             </a:r>
           </a:p>
           <a:p>
             <a:pPr lvl="2"/>
             <a:r>
-              <a:rPr lang="en-US" dirty="0"/>
+              <a:rPr lang="en-US"/>
               <a:t>Third level</a:t>
             </a:r>
           </a:p>
           <a:p>
             <a:pPr lvl="3"/>
             <a:r>
-              <a:rPr lang="en-US" dirty="0"/>
+              <a:rPr lang="en-US"/>
               <a:t>Fourth level</a:t>
             </a:r>
           </a:p>
           <a:p>
             <a:pPr lvl="4"/>
             <a:r>
-              <a:rPr lang="en-US" dirty="0"/>
+              <a:rPr lang="en-US"/>
               <a:t>Fifth level</a:t>
             </a:r>
-          </a:p>
-        </p:txBody>
-      </p:sp>
-      <p:sp>
-        <p:nvSpPr>
-          <p:cNvPr id="5" name="Text Placeholder 4">
-            <a:extLst>
-              <a:ext uri="{FF2B5EF4-FFF2-40B4-BE49-F238E27FC236}">
-                <a16:creationId xmlns:a16="http://schemas.microsoft.com/office/drawing/2014/main" id="{944E4439-6CC0-4949-BE22-2EFC72D3AC3A}"/>
-              </a:ext>
-            </a:extLst>
-          </p:cNvPr>
+            <a:endParaRPr lang="en-US" dirty="0"/>
+          </a:p>
+        </p:txBody>
+      </p:sp>
+      <p:sp>
+        <p:nvSpPr>
+          <p:cNvPr id="5" name="Text Placeholder 4"/>
           <p:cNvSpPr>
             <a:spLocks noGrp="1"/>
           </p:cNvSpPr>
@@ -3392,16 +3316,26 @@
         </p:nvSpPr>
         <p:spPr>
           <a:xfrm>
-            <a:off x="6172200" y="1681163"/>
-            <a:ext cx="5183188" cy="823912"/>
+            <a:off x="6007608" y="2038435"/>
+            <a:ext cx="4663440" cy="722376"/>
           </a:xfrm>
         </p:spPr>
         <p:txBody>
-          <a:bodyPr anchor="b"/>
+          <a:bodyPr anchor="ctr">
+            <a:normAutofit/>
+          </a:bodyPr>
           <a:lstStyle>
             <a:lvl1pPr marL="0" indent="0">
               <a:buNone/>
-              <a:defRPr sz="2400" b="1"/>
+              <a:defRPr sz="2200" b="0" cap="all" baseline="0">
+                <a:solidFill>
+                  <a:schemeClr val="tx1">
+                    <a:lumMod val="85000"/>
+                    <a:lumOff val="15000"/>
+                  </a:schemeClr>
+                </a:solidFill>
+                <a:latin typeface="+mj-lt"/>
+              </a:defRPr>
             </a:lvl1pPr>
             <a:lvl2pPr marL="457200" indent="0">
               <a:buNone/>
@@ -3447,13 +3381,7 @@
       </p:sp>
       <p:sp>
         <p:nvSpPr>
-          <p:cNvPr id="6" name="Content Placeholder 5">
-            <a:extLst>
-              <a:ext uri="{FF2B5EF4-FFF2-40B4-BE49-F238E27FC236}">
-                <a16:creationId xmlns:a16="http://schemas.microsoft.com/office/drawing/2014/main" id="{189F57E1-157A-47BF-A28E-EF5DF1E10835}"/>
-              </a:ext>
-            </a:extLst>
-          </p:cNvPr>
+          <p:cNvPr id="6" name="Content Placeholder 5"/>
           <p:cNvSpPr>
             <a:spLocks noGrp="1"/>
           </p:cNvSpPr>
@@ -3463,59 +3391,82 @@
         </p:nvSpPr>
         <p:spPr>
           <a:xfrm>
-            <a:off x="6172200" y="2505075"/>
-            <a:ext cx="5183188" cy="3684588"/>
+            <a:off x="6007608" y="2750990"/>
+            <a:ext cx="4663440" cy="3200400"/>
           </a:xfrm>
         </p:spPr>
         <p:txBody>
           <a:bodyPr/>
-          <a:lstStyle/>
+          <a:lstStyle>
+            <a:lvl1pPr>
+              <a:defRPr sz="2400"/>
+            </a:lvl1pPr>
+            <a:lvl2pPr>
+              <a:defRPr sz="2000"/>
+            </a:lvl2pPr>
+            <a:lvl3pPr>
+              <a:defRPr sz="1800"/>
+            </a:lvl3pPr>
+            <a:lvl4pPr>
+              <a:defRPr sz="1600"/>
+            </a:lvl4pPr>
+            <a:lvl5pPr>
+              <a:defRPr sz="1600"/>
+            </a:lvl5pPr>
+            <a:lvl6pPr>
+              <a:defRPr sz="1600"/>
+            </a:lvl6pPr>
+            <a:lvl7pPr>
+              <a:defRPr sz="1600"/>
+            </a:lvl7pPr>
+            <a:lvl8pPr>
+              <a:defRPr sz="1600"/>
+            </a:lvl8pPr>
+            <a:lvl9pPr>
+              <a:defRPr sz="1600"/>
+            </a:lvl9pPr>
+          </a:lstStyle>
           <a:p>
             <a:pPr lvl="0"/>
             <a:r>
-              <a:rPr lang="en-US" dirty="0"/>
+              <a:rPr lang="en-US"/>
               <a:t>Edit Master text styles</a:t>
             </a:r>
           </a:p>
           <a:p>
             <a:pPr lvl="1"/>
             <a:r>
-              <a:rPr lang="en-US" dirty="0"/>
+              <a:rPr lang="en-US"/>
               <a:t>Second level</a:t>
             </a:r>
           </a:p>
           <a:p>
             <a:pPr lvl="2"/>
             <a:r>
-              <a:rPr lang="en-US" dirty="0"/>
+              <a:rPr lang="en-US"/>
               <a:t>Third level</a:t>
             </a:r>
           </a:p>
           <a:p>
             <a:pPr lvl="3"/>
             <a:r>
-              <a:rPr lang="en-US" dirty="0"/>
+              <a:rPr lang="en-US"/>
               <a:t>Fourth level</a:t>
             </a:r>
           </a:p>
           <a:p>
             <a:pPr lvl="4"/>
             <a:r>
-              <a:rPr lang="en-US" dirty="0"/>
+              <a:rPr lang="en-US"/>
               <a:t>Fifth level</a:t>
             </a:r>
-          </a:p>
-        </p:txBody>
-      </p:sp>
-      <p:sp>
-        <p:nvSpPr>
-          <p:cNvPr id="7" name="Date Placeholder 6">
-            <a:extLst>
-              <a:ext uri="{FF2B5EF4-FFF2-40B4-BE49-F238E27FC236}">
-                <a16:creationId xmlns:a16="http://schemas.microsoft.com/office/drawing/2014/main" id="{34580640-6D6D-4C5D-8748-67000B317323}"/>
-              </a:ext>
-            </a:extLst>
-          </p:cNvPr>
+            <a:endParaRPr lang="en-US" dirty="0"/>
+          </a:p>
+        </p:txBody>
+      </p:sp>
+      <p:sp>
+        <p:nvSpPr>
+          <p:cNvPr id="7" name="Date Placeholder 6"/>
           <p:cNvSpPr>
             <a:spLocks noGrp="1"/>
           </p:cNvSpPr>
@@ -3538,13 +3489,7 @@
       </p:sp>
       <p:sp>
         <p:nvSpPr>
-          <p:cNvPr id="8" name="Footer Placeholder 7">
-            <a:extLst>
-              <a:ext uri="{FF2B5EF4-FFF2-40B4-BE49-F238E27FC236}">
-                <a16:creationId xmlns:a16="http://schemas.microsoft.com/office/drawing/2014/main" id="{FF7DFDEA-CE84-44A8-8AD0-300713658CED}"/>
-              </a:ext>
-            </a:extLst>
-          </p:cNvPr>
+          <p:cNvPr id="8" name="Footer Placeholder 7"/>
           <p:cNvSpPr>
             <a:spLocks noGrp="1"/>
           </p:cNvSpPr>
@@ -3563,13 +3508,7 @@
       </p:sp>
       <p:sp>
         <p:nvSpPr>
-          <p:cNvPr id="9" name="Slide Number Placeholder 8">
-            <a:extLst>
-              <a:ext uri="{FF2B5EF4-FFF2-40B4-BE49-F238E27FC236}">
-                <a16:creationId xmlns:a16="http://schemas.microsoft.com/office/drawing/2014/main" id="{543EA27E-12B3-4033-B8E4-F67803C83C02}"/>
-              </a:ext>
-            </a:extLst>
-          </p:cNvPr>
+          <p:cNvPr id="9" name="Slide Number Placeholder 8"/>
           <p:cNvSpPr>
             <a:spLocks noGrp="1"/>
           </p:cNvSpPr>
@@ -3593,7 +3532,7 @@
     </p:spTree>
     <p:extLst>
       <p:ext uri="{BB962C8B-B14F-4D97-AF65-F5344CB8AC3E}">
-        <p14:creationId xmlns:p14="http://schemas.microsoft.com/office/powerpoint/2010/main" val="212191072"/>
+        <p14:creationId xmlns:p14="http://schemas.microsoft.com/office/powerpoint/2010/main" val="1903913595"/>
       </p:ext>
     </p:extLst>
   </p:cSld>
@@ -3622,13 +3561,7 @@
       </p:grpSpPr>
       <p:sp>
         <p:nvSpPr>
-          <p:cNvPr id="2" name="Title 1">
-            <a:extLst>
-              <a:ext uri="{FF2B5EF4-FFF2-40B4-BE49-F238E27FC236}">
-                <a16:creationId xmlns:a16="http://schemas.microsoft.com/office/drawing/2014/main" id="{733B488C-2613-4C1A-ADBC-B9CD08CECCF3}"/>
-              </a:ext>
-            </a:extLst>
-          </p:cNvPr>
+          <p:cNvPr id="6" name="Title 5"/>
           <p:cNvSpPr>
             <a:spLocks noGrp="1"/>
           </p:cNvSpPr>
@@ -3638,31 +3571,20 @@
         </p:nvSpPr>
         <p:spPr/>
         <p:txBody>
-          <a:bodyPr>
-            <a:normAutofit/>
-          </a:bodyPr>
-          <a:lstStyle>
-            <a:lvl1pPr>
-              <a:defRPr sz="4000"/>
-            </a:lvl1pPr>
-          </a:lstStyle>
-          <a:p>
-            <a:r>
-              <a:rPr lang="en-US" dirty="0"/>
+          <a:bodyPr/>
+          <a:lstStyle/>
+          <a:p>
+            <a:r>
+              <a:rPr lang="en-US"/>
               <a:t>Click to edit Master title style</a:t>
             </a:r>
-          </a:p>
-        </p:txBody>
-      </p:sp>
-      <p:sp>
-        <p:nvSpPr>
-          <p:cNvPr id="6" name="Date Placeholder 5">
-            <a:extLst>
-              <a:ext uri="{FF2B5EF4-FFF2-40B4-BE49-F238E27FC236}">
-                <a16:creationId xmlns:a16="http://schemas.microsoft.com/office/drawing/2014/main" id="{C0E71632-9529-44B7-AB3C-FA14B4408135}"/>
-              </a:ext>
-            </a:extLst>
-          </p:cNvPr>
+            <a:endParaRPr lang="en-US" dirty="0"/>
+          </a:p>
+        </p:txBody>
+      </p:sp>
+      <p:sp>
+        <p:nvSpPr>
+          <p:cNvPr id="3" name="Date Placeholder 2"/>
           <p:cNvSpPr>
             <a:spLocks noGrp="1"/>
           </p:cNvSpPr>
@@ -3685,13 +3607,7 @@
       </p:sp>
       <p:sp>
         <p:nvSpPr>
-          <p:cNvPr id="7" name="Footer Placeholder 6">
-            <a:extLst>
-              <a:ext uri="{FF2B5EF4-FFF2-40B4-BE49-F238E27FC236}">
-                <a16:creationId xmlns:a16="http://schemas.microsoft.com/office/drawing/2014/main" id="{8C3E14CB-2A83-4C53-805C-F408D99D0446}"/>
-              </a:ext>
-            </a:extLst>
-          </p:cNvPr>
+          <p:cNvPr id="4" name="Footer Placeholder 3"/>
           <p:cNvSpPr>
             <a:spLocks noGrp="1"/>
           </p:cNvSpPr>
@@ -3710,13 +3626,7 @@
       </p:sp>
       <p:sp>
         <p:nvSpPr>
-          <p:cNvPr id="8" name="Slide Number Placeholder 7">
-            <a:extLst>
-              <a:ext uri="{FF2B5EF4-FFF2-40B4-BE49-F238E27FC236}">
-                <a16:creationId xmlns:a16="http://schemas.microsoft.com/office/drawing/2014/main" id="{531650A7-CAE4-40FE-9E13-E1649D12A3B2}"/>
-              </a:ext>
-            </a:extLst>
-          </p:cNvPr>
+          <p:cNvPr id="5" name="Slide Number Placeholder 4"/>
           <p:cNvSpPr>
             <a:spLocks noGrp="1"/>
           </p:cNvSpPr>
@@ -3740,7 +3650,7 @@
     </p:spTree>
     <p:extLst>
       <p:ext uri="{BB962C8B-B14F-4D97-AF65-F5344CB8AC3E}">
-        <p14:creationId xmlns:p14="http://schemas.microsoft.com/office/powerpoint/2010/main" val="1404193566"/>
+        <p14:creationId xmlns:p14="http://schemas.microsoft.com/office/powerpoint/2010/main" val="3029622147"/>
       </p:ext>
     </p:extLst>
   </p:cSld>
@@ -3769,13 +3679,7 @@
       </p:grpSpPr>
       <p:sp>
         <p:nvSpPr>
-          <p:cNvPr id="2" name="Date Placeholder 1">
-            <a:extLst>
-              <a:ext uri="{FF2B5EF4-FFF2-40B4-BE49-F238E27FC236}">
-                <a16:creationId xmlns:a16="http://schemas.microsoft.com/office/drawing/2014/main" id="{C2934454-806F-4B78-A7C1-9174AAC427EA}"/>
-              </a:ext>
-            </a:extLst>
-          </p:cNvPr>
+          <p:cNvPr id="2" name="Date Placeholder 1"/>
           <p:cNvSpPr>
             <a:spLocks noGrp="1"/>
           </p:cNvSpPr>
@@ -3786,14 +3690,7 @@
         <p:spPr/>
         <p:txBody>
           <a:bodyPr/>
-          <a:lstStyle>
-            <a:lvl1pPr>
-              <a:defRPr>
-                <a:latin typeface="Times New Roman" panose="02020603050405020304" pitchFamily="18" charset="0"/>
-                <a:cs typeface="Times New Roman" panose="02020603050405020304" pitchFamily="18" charset="0"/>
-              </a:defRPr>
-            </a:lvl1pPr>
-          </a:lstStyle>
+          <a:lstStyle/>
           <a:p>
             <a:fld id="{9CDD4C95-4CEB-4426-862B-56866AE26054}" type="datetime1">
               <a:rPr lang="en-US" smtClean="0"/>
@@ -3805,13 +3702,7 @@
       </p:sp>
       <p:sp>
         <p:nvSpPr>
-          <p:cNvPr id="3" name="Footer Placeholder 2">
-            <a:extLst>
-              <a:ext uri="{FF2B5EF4-FFF2-40B4-BE49-F238E27FC236}">
-                <a16:creationId xmlns:a16="http://schemas.microsoft.com/office/drawing/2014/main" id="{941650AA-91C4-4B4E-BC53-F83BF536FAE8}"/>
-              </a:ext>
-            </a:extLst>
-          </p:cNvPr>
+          <p:cNvPr id="3" name="Footer Placeholder 2"/>
           <p:cNvSpPr>
             <a:spLocks noGrp="1"/>
           </p:cNvSpPr>
@@ -3822,14 +3713,7 @@
         <p:spPr/>
         <p:txBody>
           <a:bodyPr/>
-          <a:lstStyle>
-            <a:lvl1pPr>
-              <a:defRPr>
-                <a:latin typeface="Times New Roman" panose="02020603050405020304" pitchFamily="18" charset="0"/>
-                <a:cs typeface="Times New Roman" panose="02020603050405020304" pitchFamily="18" charset="0"/>
-              </a:defRPr>
-            </a:lvl1pPr>
-          </a:lstStyle>
+          <a:lstStyle/>
           <a:p>
             <a:endParaRPr lang="en-US"/>
           </a:p>
@@ -3837,13 +3721,7 @@
       </p:sp>
       <p:sp>
         <p:nvSpPr>
-          <p:cNvPr id="4" name="Slide Number Placeholder 3">
-            <a:extLst>
-              <a:ext uri="{FF2B5EF4-FFF2-40B4-BE49-F238E27FC236}">
-                <a16:creationId xmlns:a16="http://schemas.microsoft.com/office/drawing/2014/main" id="{6AF78F3C-607D-4A66-88AE-EF389DD17BAD}"/>
-              </a:ext>
-            </a:extLst>
-          </p:cNvPr>
+          <p:cNvPr id="4" name="Slide Number Placeholder 3"/>
           <p:cNvSpPr>
             <a:spLocks noGrp="1"/>
           </p:cNvSpPr>
@@ -3854,14 +3732,7 @@
         <p:spPr/>
         <p:txBody>
           <a:bodyPr/>
-          <a:lstStyle>
-            <a:lvl1pPr>
-              <a:defRPr>
-                <a:latin typeface="Times New Roman" panose="02020603050405020304" pitchFamily="18" charset="0"/>
-                <a:cs typeface="Times New Roman" panose="02020603050405020304" pitchFamily="18" charset="0"/>
-              </a:defRPr>
-            </a:lvl1pPr>
-          </a:lstStyle>
+          <a:lstStyle/>
           <a:p>
             <a:fld id="{FA94DDC0-52DF-4E5B-BC15-BDFAED429345}" type="slidenum">
               <a:rPr lang="en-US" smtClean="0"/>
@@ -3875,7 +3746,7 @@
     </p:spTree>
     <p:extLst>
       <p:ext uri="{BB962C8B-B14F-4D97-AF65-F5344CB8AC3E}">
-        <p14:creationId xmlns:p14="http://schemas.microsoft.com/office/powerpoint/2010/main" val="3711060117"/>
+        <p14:creationId xmlns:p14="http://schemas.microsoft.com/office/powerpoint/2010/main" val="1060267318"/>
       </p:ext>
     </p:extLst>
   </p:cSld>
@@ -3904,50 +3775,83 @@
       </p:grpSpPr>
       <p:sp>
         <p:nvSpPr>
-          <p:cNvPr id="2" name="Title 1">
-            <a:extLst>
-              <a:ext uri="{FF2B5EF4-FFF2-40B4-BE49-F238E27FC236}">
-                <a16:creationId xmlns:a16="http://schemas.microsoft.com/office/drawing/2014/main" id="{329A6DCD-A735-48D0-8D54-E6303B7124E7}"/>
-              </a:ext>
-            </a:extLst>
-          </p:cNvPr>
-          <p:cNvSpPr>
-            <a:spLocks noGrp="1"/>
-          </p:cNvSpPr>
-          <p:nvPr>
-            <p:ph type="title"/>
-          </p:nvPr>
+          <p:cNvPr id="2" name="Rectangle 1"/>
+          <p:cNvSpPr/>
+          <p:nvPr/>
         </p:nvSpPr>
         <p:spPr>
           <a:xfrm>
-            <a:off x="839788" y="457200"/>
-            <a:ext cx="3932237" cy="1600200"/>
+            <a:off x="7620000" y="0"/>
+            <a:ext cx="4572000" cy="6858000"/>
+          </a:xfrm>
+          <a:prstGeom prst="rect">
+            <a:avLst/>
+          </a:prstGeom>
+          <a:ln>
+            <a:noFill/>
+          </a:ln>
+        </p:spPr>
+        <p:style>
+          <a:lnRef idx="2">
+            <a:schemeClr val="accent1">
+              <a:shade val="50000"/>
+            </a:schemeClr>
+          </a:lnRef>
+          <a:fillRef idx="1">
+            <a:schemeClr val="accent1"/>
+          </a:fillRef>
+          <a:effectRef idx="0">
+            <a:schemeClr val="accent1"/>
+          </a:effectRef>
+          <a:fontRef idx="minor">
+            <a:schemeClr val="lt1"/>
+          </a:fontRef>
+        </p:style>
+      </p:sp>
+      <p:sp>
+        <p:nvSpPr>
+          <p:cNvPr id="9" name="Title 8"/>
+          <p:cNvSpPr>
+            <a:spLocks noGrp="1"/>
+          </p:cNvSpPr>
+          <p:nvPr>
+            <p:ph type="title"/>
+          </p:nvPr>
+        </p:nvSpPr>
+        <p:spPr>
+          <a:xfrm>
+            <a:off x="8261404" y="542282"/>
+            <a:ext cx="3383280" cy="1920240"/>
           </a:xfrm>
         </p:spPr>
         <p:txBody>
-          <a:bodyPr anchor="b"/>
+          <a:bodyPr anchor="b">
+            <a:noAutofit/>
+          </a:bodyPr>
           <a:lstStyle>
             <a:lvl1pPr>
-              <a:defRPr sz="3200"/>
+              <a:lnSpc>
+                <a:spcPct val="85000"/>
+              </a:lnSpc>
+              <a:defRPr sz="4000">
+                <a:solidFill>
+                  <a:srgbClr val="FFFFFF"/>
+                </a:solidFill>
+              </a:defRPr>
             </a:lvl1pPr>
           </a:lstStyle>
           <a:p>
             <a:r>
-              <a:rPr lang="en-US" dirty="0"/>
+              <a:rPr lang="en-US"/>
               <a:t>Click to edit Master title style</a:t>
             </a:r>
-          </a:p>
-        </p:txBody>
-      </p:sp>
-      <p:sp>
-        <p:nvSpPr>
-          <p:cNvPr id="3" name="Content Placeholder 2">
-            <a:extLst>
-              <a:ext uri="{FF2B5EF4-FFF2-40B4-BE49-F238E27FC236}">
-                <a16:creationId xmlns:a16="http://schemas.microsoft.com/office/drawing/2014/main" id="{2CE3E744-8DA1-45BF-BD7A-E7C158963EF8}"/>
-              </a:ext>
-            </a:extLst>
-          </p:cNvPr>
+            <a:endParaRPr lang="en-US" dirty="0"/>
+          </a:p>
+        </p:txBody>
+      </p:sp>
+      <p:sp>
+        <p:nvSpPr>
+          <p:cNvPr id="3" name="Content Placeholder 2"/>
           <p:cNvSpPr>
             <a:spLocks noGrp="1"/>
           </p:cNvSpPr>
@@ -3957,8 +3861,8 @@
         </p:nvSpPr>
         <p:spPr>
           <a:xfrm>
-            <a:off x="5183188" y="987425"/>
-            <a:ext cx="6172200" cy="4873625"/>
+            <a:off x="762000" y="762000"/>
+            <a:ext cx="6096000" cy="4572000"/>
           </a:xfrm>
         </p:spPr>
         <p:txBody>
@@ -3995,49 +3899,44 @@
           <a:p>
             <a:pPr lvl="0"/>
             <a:r>
-              <a:rPr lang="en-US" dirty="0"/>
+              <a:rPr lang="en-US"/>
               <a:t>Edit Master text styles</a:t>
             </a:r>
           </a:p>
           <a:p>
             <a:pPr lvl="1"/>
             <a:r>
-              <a:rPr lang="en-US" dirty="0"/>
+              <a:rPr lang="en-US"/>
               <a:t>Second level</a:t>
             </a:r>
           </a:p>
           <a:p>
             <a:pPr lvl="2"/>
             <a:r>
-              <a:rPr lang="en-US" dirty="0"/>
+              <a:rPr lang="en-US"/>
               <a:t>Third level</a:t>
             </a:r>
           </a:p>
           <a:p>
             <a:pPr lvl="3"/>
             <a:r>
-              <a:rPr lang="en-US" dirty="0"/>
+              <a:rPr lang="en-US"/>
               <a:t>Fourth level</a:t>
             </a:r>
           </a:p>
           <a:p>
             <a:pPr lvl="4"/>
             <a:r>
-              <a:rPr lang="en-US" dirty="0"/>
+              <a:rPr lang="en-US"/>
               <a:t>Fifth level</a:t>
             </a:r>
-          </a:p>
-        </p:txBody>
-      </p:sp>
-      <p:sp>
-        <p:nvSpPr>
-          <p:cNvPr id="4" name="Text Placeholder 3">
-            <a:extLst>
-              <a:ext uri="{FF2B5EF4-FFF2-40B4-BE49-F238E27FC236}">
-                <a16:creationId xmlns:a16="http://schemas.microsoft.com/office/drawing/2014/main" id="{DF210484-58AA-4E4E-BDD6-187438EE18F1}"/>
-              </a:ext>
-            </a:extLst>
-          </p:cNvPr>
+            <a:endParaRPr lang="en-US" dirty="0"/>
+          </a:p>
+        </p:txBody>
+      </p:sp>
+      <p:sp>
+        <p:nvSpPr>
+          <p:cNvPr id="4" name="Text Placeholder 3"/>
           <p:cNvSpPr>
             <a:spLocks noGrp="1"/>
           </p:cNvSpPr>
@@ -4047,54 +3946,89 @@
         </p:nvSpPr>
         <p:spPr>
           <a:xfrm>
-            <a:off x="839788" y="2057400"/>
-            <a:ext cx="3932237" cy="3811588"/>
+            <a:off x="8275982" y="2511813"/>
+            <a:ext cx="3398520" cy="3126987"/>
           </a:xfrm>
         </p:spPr>
         <p:txBody>
-          <a:bodyPr/>
+          <a:bodyPr>
+            <a:normAutofit/>
+          </a:bodyPr>
           <a:lstStyle>
-            <a:lvl1pPr marL="0" indent="0">
+            <a:lvl1pPr marL="0" marR="0" indent="0" algn="l" defTabSz="914400" rtl="0" eaLnBrk="1" fontAlgn="auto" latinLnBrk="0" hangingPunct="1">
+              <a:lnSpc>
+                <a:spcPct val="100000"/>
+              </a:lnSpc>
+              <a:spcBef>
+                <a:spcPts val="1200"/>
+              </a:spcBef>
+              <a:spcAft>
+                <a:spcPts val="0"/>
+              </a:spcAft>
+              <a:buClrTx/>
+              <a:buSzTx/>
+              <a:buFontTx/>
               <a:buNone/>
-              <a:defRPr sz="1600"/>
+              <a:tabLst/>
+              <a:defRPr sz="1800">
+                <a:solidFill>
+                  <a:srgbClr val="262626"/>
+                </a:solidFill>
+              </a:defRPr>
             </a:lvl1pPr>
             <a:lvl2pPr marL="457200" indent="0">
               <a:buNone/>
-              <a:defRPr sz="1400"/>
+              <a:defRPr sz="1200"/>
             </a:lvl2pPr>
             <a:lvl3pPr marL="914400" indent="0">
               <a:buNone/>
-              <a:defRPr sz="1200"/>
+              <a:defRPr sz="1000"/>
             </a:lvl3pPr>
             <a:lvl4pPr marL="1371600" indent="0">
               <a:buNone/>
-              <a:defRPr sz="1000"/>
+              <a:defRPr sz="900"/>
             </a:lvl4pPr>
             <a:lvl5pPr marL="1828800" indent="0">
               <a:buNone/>
-              <a:defRPr sz="1000"/>
+              <a:defRPr sz="900"/>
             </a:lvl5pPr>
             <a:lvl6pPr marL="2286000" indent="0">
               <a:buNone/>
-              <a:defRPr sz="1000"/>
+              <a:defRPr sz="900"/>
             </a:lvl6pPr>
             <a:lvl7pPr marL="2743200" indent="0">
               <a:buNone/>
-              <a:defRPr sz="1000"/>
+              <a:defRPr sz="900"/>
             </a:lvl7pPr>
             <a:lvl8pPr marL="3200400" indent="0">
               <a:buNone/>
-              <a:defRPr sz="1000"/>
+              <a:defRPr sz="900"/>
             </a:lvl8pPr>
             <a:lvl9pPr marL="3657600" indent="0">
               <a:buNone/>
-              <a:defRPr sz="1000"/>
+              <a:defRPr sz="900"/>
             </a:lvl9pPr>
           </a:lstStyle>
           <a:p>
-            <a:pPr lvl="0"/>
-            <a:r>
-              <a:rPr lang="en-US" dirty="0"/>
+            <a:pPr marL="0" marR="0" lvl="0" indent="0" algn="l" defTabSz="914400" rtl="0" eaLnBrk="1" fontAlgn="auto" latinLnBrk="0" hangingPunct="1">
+              <a:lnSpc>
+                <a:spcPct val="100000"/>
+              </a:lnSpc>
+              <a:spcBef>
+                <a:spcPts val="1400"/>
+              </a:spcBef>
+              <a:spcAft>
+                <a:spcPts val="0"/>
+              </a:spcAft>
+              <a:buClrTx/>
+              <a:buSzTx/>
+              <a:buFontTx/>
+              <a:buNone/>
+              <a:tabLst/>
+              <a:defRPr/>
+            </a:pPr>
+            <a:r>
+              <a:rPr lang="en-US"/>
               <a:t>Edit Master text styles</a:t>
             </a:r>
           </a:p>
@@ -4102,13 +4036,7 @@
       </p:sp>
       <p:sp>
         <p:nvSpPr>
-          <p:cNvPr id="5" name="Date Placeholder 4">
-            <a:extLst>
-              <a:ext uri="{FF2B5EF4-FFF2-40B4-BE49-F238E27FC236}">
-                <a16:creationId xmlns:a16="http://schemas.microsoft.com/office/drawing/2014/main" id="{B0D2C1F3-C03B-402B-AC4A-CF9D29BBE2A1}"/>
-              </a:ext>
-            </a:extLst>
-          </p:cNvPr>
+          <p:cNvPr id="5" name="Date Placeholder 4"/>
           <p:cNvSpPr>
             <a:spLocks noGrp="1"/>
           </p:cNvSpPr>
@@ -4131,13 +4059,7 @@
       </p:sp>
       <p:sp>
         <p:nvSpPr>
-          <p:cNvPr id="6" name="Footer Placeholder 5">
-            <a:extLst>
-              <a:ext uri="{FF2B5EF4-FFF2-40B4-BE49-F238E27FC236}">
-                <a16:creationId xmlns:a16="http://schemas.microsoft.com/office/drawing/2014/main" id="{B8AE2A20-40DB-4CD1-835B-FEC7E30AF3D3}"/>
-              </a:ext>
-            </a:extLst>
-          </p:cNvPr>
+          <p:cNvPr id="6" name="Footer Placeholder 5"/>
           <p:cNvSpPr>
             <a:spLocks noGrp="1"/>
           </p:cNvSpPr>
@@ -4156,13 +4078,7 @@
       </p:sp>
       <p:sp>
         <p:nvSpPr>
-          <p:cNvPr id="7" name="Slide Number Placeholder 6">
-            <a:extLst>
-              <a:ext uri="{FF2B5EF4-FFF2-40B4-BE49-F238E27FC236}">
-                <a16:creationId xmlns:a16="http://schemas.microsoft.com/office/drawing/2014/main" id="{F50115BE-9142-49D7-B48A-BC660FD49D7B}"/>
-              </a:ext>
-            </a:extLst>
-          </p:cNvPr>
+          <p:cNvPr id="7" name="Slide Number Placeholder 6"/>
           <p:cNvSpPr>
             <a:spLocks noGrp="1"/>
           </p:cNvSpPr>
@@ -4173,7 +4089,17 @@
         <p:spPr/>
         <p:txBody>
           <a:bodyPr/>
-          <a:lstStyle/>
+          <a:lstStyle>
+            <a:lvl1pPr>
+              <a:defRPr>
+                <a:solidFill>
+                  <a:srgbClr val="FFFFFF">
+                    <a:alpha val="20000"/>
+                  </a:srgbClr>
+                </a:solidFill>
+              </a:defRPr>
+            </a:lvl1pPr>
+          </a:lstStyle>
           <a:p>
             <a:fld id="{FA94DDC0-52DF-4E5B-BC15-BDFAED429345}" type="slidenum">
               <a:rPr lang="en-US" smtClean="0"/>
@@ -4186,7 +4112,7 @@
     </p:spTree>
     <p:extLst>
       <p:ext uri="{BB962C8B-B14F-4D97-AF65-F5344CB8AC3E}">
-        <p14:creationId xmlns:p14="http://schemas.microsoft.com/office/powerpoint/2010/main" val="592591781"/>
+        <p14:creationId xmlns:p14="http://schemas.microsoft.com/office/powerpoint/2010/main" val="4204947718"/>
       </p:ext>
     </p:extLst>
   </p:cSld>
@@ -4199,6 +4125,14 @@
 <file path=ppt/slideLayouts/slideLayout9.xml><?xml version="1.0" encoding="utf-8"?>
 <p:sldLayout xmlns:a="http://schemas.openxmlformats.org/drawingml/2006/main" xmlns:r="http://schemas.openxmlformats.org/officeDocument/2006/relationships" xmlns:p="http://schemas.openxmlformats.org/presentationml/2006/main" type="picTx" preserve="1">
   <p:cSld name="Picture with Caption">
+    <p:bg>
+      <p:bgPr>
+        <a:solidFill>
+          <a:schemeClr val="accent1"/>
+        </a:solidFill>
+        <a:effectLst/>
+      </p:bgPr>
+    </p:bg>
     <p:spTree>
       <p:nvGrpSpPr>
         <p:cNvPr id="1" name=""/>
@@ -4215,13 +4149,7 @@
       </p:grpSpPr>
       <p:sp>
         <p:nvSpPr>
-          <p:cNvPr id="2" name="Title 1">
-            <a:extLst>
-              <a:ext uri="{FF2B5EF4-FFF2-40B4-BE49-F238E27FC236}">
-                <a16:creationId xmlns:a16="http://schemas.microsoft.com/office/drawing/2014/main" id="{CDA77E7F-632A-4883-BCA4-32075E4DA1BB}"/>
-              </a:ext>
-            </a:extLst>
-          </p:cNvPr>
+          <p:cNvPr id="2" name="Title 1"/>
           <p:cNvSpPr>
             <a:spLocks noGrp="1"/>
           </p:cNvSpPr>
@@ -4231,15 +4159,21 @@
         </p:nvSpPr>
         <p:spPr>
           <a:xfrm>
-            <a:off x="839788" y="457200"/>
-            <a:ext cx="3932237" cy="1600200"/>
+            <a:off x="649224" y="5418667"/>
+            <a:ext cx="10780776" cy="613283"/>
           </a:xfrm>
         </p:spPr>
         <p:txBody>
-          <a:bodyPr anchor="b"/>
+          <a:bodyPr anchor="b">
+            <a:normAutofit/>
+          </a:bodyPr>
           <a:lstStyle>
             <a:lvl1pPr>
-              <a:defRPr sz="3200"/>
+              <a:defRPr sz="3200" b="0">
+                <a:solidFill>
+                  <a:srgbClr val="FFFFFF"/>
+                </a:solidFill>
+              </a:defRPr>
             </a:lvl1pPr>
           </a:lstStyle>
           <a:p>
@@ -4247,20 +4181,15 @@
               <a:rPr lang="en-US"/>
               <a:t>Click to edit Master title style</a:t>
             </a:r>
-          </a:p>
-        </p:txBody>
-      </p:sp>
-      <p:sp>
-        <p:nvSpPr>
-          <p:cNvPr id="3" name="Picture Placeholder 2">
-            <a:extLst>
-              <a:ext uri="{FF2B5EF4-FFF2-40B4-BE49-F238E27FC236}">
-                <a16:creationId xmlns:a16="http://schemas.microsoft.com/office/drawing/2014/main" id="{4F3494B3-5635-44CA-B0F7-365AA355A1F3}"/>
-              </a:ext>
-            </a:extLst>
-          </p:cNvPr>
-          <p:cNvSpPr>
-            <a:spLocks noGrp="1"/>
+            <a:endParaRPr lang="en-US" dirty="0"/>
+          </a:p>
+        </p:txBody>
+      </p:sp>
+      <p:sp>
+        <p:nvSpPr>
+          <p:cNvPr id="3" name="Picture Placeholder 2"/>
+          <p:cNvSpPr>
+            <a:spLocks noGrp="1" noChangeAspect="1"/>
           </p:cNvSpPr>
           <p:nvPr>
             <p:ph type="pic" idx="1"/>
@@ -4268,16 +4197,32 @@
         </p:nvSpPr>
         <p:spPr>
           <a:xfrm>
-            <a:off x="5183188" y="987425"/>
-            <a:ext cx="6172200" cy="4873625"/>
+            <a:off x="0" y="0"/>
+            <a:ext cx="12192000" cy="5330952"/>
           </a:xfrm>
+          <a:solidFill>
+            <a:schemeClr val="accent1">
+              <a:lumMod val="40000"/>
+              <a:lumOff val="60000"/>
+            </a:schemeClr>
+          </a:solidFill>
         </p:spPr>
         <p:txBody>
-          <a:bodyPr/>
+          <a:bodyPr anchor="t"/>
           <a:lstStyle>
-            <a:lvl1pPr marL="0" indent="0">
+            <a:lvl1pPr marL="0" indent="0" algn="ctr">
+              <a:spcBef>
+                <a:spcPts val="800"/>
+              </a:spcBef>
               <a:buNone/>
-              <a:defRPr sz="3200"/>
+              <a:defRPr sz="3200">
+                <a:solidFill>
+                  <a:schemeClr val="tx1">
+                    <a:lumMod val="75000"/>
+                    <a:lumOff val="25000"/>
+                  </a:schemeClr>
+                </a:solidFill>
+              </a:defRPr>
             </a:lvl1pPr>
             <a:lvl2pPr marL="457200" indent="0">
               <a:buNone/>
@@ -4313,19 +4258,17 @@
             </a:lvl9pPr>
           </a:lstStyle>
           <a:p>
-            <a:endParaRPr lang="en-US"/>
-          </a:p>
-        </p:txBody>
-      </p:sp>
-      <p:sp>
-        <p:nvSpPr>
-          <p:cNvPr id="4" name="Text Placeholder 3">
-            <a:extLst>
-              <a:ext uri="{FF2B5EF4-FFF2-40B4-BE49-F238E27FC236}">
-                <a16:creationId xmlns:a16="http://schemas.microsoft.com/office/drawing/2014/main" id="{764103F6-A3EA-451A-BCE1-39F4A2A7BDCE}"/>
-              </a:ext>
-            </a:extLst>
-          </p:cNvPr>
+            <a:r>
+              <a:rPr lang="en-US"/>
+              <a:t>Click icon to add picture</a:t>
+            </a:r>
+            <a:endParaRPr lang="en-US" dirty="0"/>
+          </a:p>
+        </p:txBody>
+      </p:sp>
+      <p:sp>
+        <p:nvSpPr>
+          <p:cNvPr id="4" name="Text Placeholder 3"/>
           <p:cNvSpPr>
             <a:spLocks noGrp="1"/>
           </p:cNvSpPr>
@@ -4335,48 +4278,57 @@
         </p:nvSpPr>
         <p:spPr>
           <a:xfrm>
-            <a:off x="839788" y="2057400"/>
-            <a:ext cx="3932237" cy="3811588"/>
+            <a:off x="676656" y="5909735"/>
+            <a:ext cx="9229344" cy="533400"/>
           </a:xfrm>
         </p:spPr>
         <p:txBody>
-          <a:bodyPr/>
+          <a:bodyPr>
+            <a:normAutofit/>
+          </a:bodyPr>
           <a:lstStyle>
             <a:lvl1pPr marL="0" indent="0">
+              <a:lnSpc>
+                <a:spcPct val="90000"/>
+              </a:lnSpc>
               <a:buNone/>
-              <a:defRPr sz="1600"/>
+              <a:defRPr sz="1400">
+                <a:solidFill>
+                  <a:srgbClr val="262626"/>
+                </a:solidFill>
+              </a:defRPr>
             </a:lvl1pPr>
             <a:lvl2pPr marL="457200" indent="0">
               <a:buNone/>
-              <a:defRPr sz="1400"/>
+              <a:defRPr sz="1200"/>
             </a:lvl2pPr>
             <a:lvl3pPr marL="914400" indent="0">
               <a:buNone/>
-              <a:defRPr sz="1200"/>
+              <a:defRPr sz="1000"/>
             </a:lvl3pPr>
             <a:lvl4pPr marL="1371600" indent="0">
               <a:buNone/>
-              <a:defRPr sz="1000"/>
+              <a:defRPr sz="900"/>
             </a:lvl4pPr>
             <a:lvl5pPr marL="1828800" indent="0">
               <a:buNone/>
-              <a:defRPr sz="1000"/>
+              <a:defRPr sz="900"/>
             </a:lvl5pPr>
             <a:lvl6pPr marL="2286000" indent="0">
               <a:buNone/>
-              <a:defRPr sz="1000"/>
+              <a:defRPr sz="900"/>
             </a:lvl6pPr>
             <a:lvl7pPr marL="2743200" indent="0">
               <a:buNone/>
-              <a:defRPr sz="1000"/>
+              <a:defRPr sz="900"/>
             </a:lvl7pPr>
             <a:lvl8pPr marL="3200400" indent="0">
               <a:buNone/>
-              <a:defRPr sz="1000"/>
+              <a:defRPr sz="900"/>
             </a:lvl8pPr>
             <a:lvl9pPr marL="3657600" indent="0">
               <a:buNone/>
-              <a:defRPr sz="1000"/>
+              <a:defRPr sz="900"/>
             </a:lvl9pPr>
           </a:lstStyle>
           <a:p>
@@ -4390,13 +4342,7 @@
       </p:sp>
       <p:sp>
         <p:nvSpPr>
-          <p:cNvPr id="5" name="Date Placeholder 4">
-            <a:extLst>
-              <a:ext uri="{FF2B5EF4-FFF2-40B4-BE49-F238E27FC236}">
-                <a16:creationId xmlns:a16="http://schemas.microsoft.com/office/drawing/2014/main" id="{EEB8BB10-F64B-47D2-8877-78ED6AD5021E}"/>
-              </a:ext>
-            </a:extLst>
-          </p:cNvPr>
+          <p:cNvPr id="12" name="Date Placeholder 11"/>
           <p:cNvSpPr>
             <a:spLocks noGrp="1"/>
           </p:cNvSpPr>
@@ -4407,7 +4353,17 @@
         <p:spPr/>
         <p:txBody>
           <a:bodyPr/>
-          <a:lstStyle/>
+          <a:lstStyle>
+            <a:lvl1pPr>
+              <a:defRPr>
+                <a:solidFill>
+                  <a:srgbClr val="FFFFFF">
+                    <a:alpha val="80000"/>
+                  </a:srgbClr>
+                </a:solidFill>
+              </a:defRPr>
+            </a:lvl1pPr>
+          </a:lstStyle>
           <a:p>
             <a:fld id="{36DECB35-346B-462D-8462-D2D246E8B9E0}" type="datetime1">
               <a:rPr lang="en-US" smtClean="0"/>
@@ -4419,13 +4375,7 @@
       </p:sp>
       <p:sp>
         <p:nvSpPr>
-          <p:cNvPr id="6" name="Footer Placeholder 5">
-            <a:extLst>
-              <a:ext uri="{FF2B5EF4-FFF2-40B4-BE49-F238E27FC236}">
-                <a16:creationId xmlns:a16="http://schemas.microsoft.com/office/drawing/2014/main" id="{E45D054E-DEAB-452F-99B6-6EF127E2B6D6}"/>
-              </a:ext>
-            </a:extLst>
-          </p:cNvPr>
+          <p:cNvPr id="13" name="Footer Placeholder 12"/>
           <p:cNvSpPr>
             <a:spLocks noGrp="1"/>
           </p:cNvSpPr>
@@ -4436,7 +4386,17 @@
         <p:spPr/>
         <p:txBody>
           <a:bodyPr/>
-          <a:lstStyle/>
+          <a:lstStyle>
+            <a:lvl1pPr>
+              <a:defRPr>
+                <a:solidFill>
+                  <a:srgbClr val="FFFFFF">
+                    <a:alpha val="80000"/>
+                  </a:srgbClr>
+                </a:solidFill>
+              </a:defRPr>
+            </a:lvl1pPr>
+          </a:lstStyle>
           <a:p>
             <a:endParaRPr lang="en-US"/>
           </a:p>
@@ -4444,13 +4404,7 @@
       </p:sp>
       <p:sp>
         <p:nvSpPr>
-          <p:cNvPr id="7" name="Slide Number Placeholder 6">
-            <a:extLst>
-              <a:ext uri="{FF2B5EF4-FFF2-40B4-BE49-F238E27FC236}">
-                <a16:creationId xmlns:a16="http://schemas.microsoft.com/office/drawing/2014/main" id="{DF304AE3-9155-4F83-A7AE-140C45966029}"/>
-              </a:ext>
-            </a:extLst>
-          </p:cNvPr>
+          <p:cNvPr id="14" name="Slide Number Placeholder 13"/>
           <p:cNvSpPr>
             <a:spLocks noGrp="1"/>
           </p:cNvSpPr>
@@ -4461,7 +4415,17 @@
         <p:spPr/>
         <p:txBody>
           <a:bodyPr/>
-          <a:lstStyle/>
+          <a:lstStyle>
+            <a:lvl1pPr>
+              <a:defRPr>
+                <a:solidFill>
+                  <a:srgbClr val="FFFFFF">
+                    <a:alpha val="25000"/>
+                  </a:srgbClr>
+                </a:solidFill>
+              </a:defRPr>
+            </a:lvl1pPr>
+          </a:lstStyle>
           <a:p>
             <a:fld id="{FA94DDC0-52DF-4E5B-BC15-BDFAED429345}" type="slidenum">
               <a:rPr lang="en-US" smtClean="0"/>
@@ -4474,12 +4438,12 @@
     </p:spTree>
     <p:extLst>
       <p:ext uri="{BB962C8B-B14F-4D97-AF65-F5344CB8AC3E}">
-        <p14:creationId xmlns:p14="http://schemas.microsoft.com/office/powerpoint/2010/main" val="4021362006"/>
+        <p14:creationId xmlns:p14="http://schemas.microsoft.com/office/powerpoint/2010/main" val="2768702912"/>
       </p:ext>
     </p:extLst>
   </p:cSld>
   <p:clrMapOvr>
-    <a:masterClrMapping/>
+    <a:overrideClrMapping bg1="lt1" tx1="dk1" bg2="lt2" tx2="dk2" accent1="accent1" accent2="accent2" accent3="accent3" accent4="accent4" accent5="accent5" accent6="accent6" hlink="hlink" folHlink="folHlink"/>
   </p:clrMapOvr>
 </p:sldLayout>
 </file>
@@ -4508,13 +4472,7 @@
       </p:grpSpPr>
       <p:sp>
         <p:nvSpPr>
-          <p:cNvPr id="2" name="Title Placeholder 1">
-            <a:extLst>
-              <a:ext uri="{FF2B5EF4-FFF2-40B4-BE49-F238E27FC236}">
-                <a16:creationId xmlns:a16="http://schemas.microsoft.com/office/drawing/2014/main" id="{5E8400F4-17AA-4A11-A24A-098BB07D415D}"/>
-              </a:ext>
-            </a:extLst>
-          </p:cNvPr>
+          <p:cNvPr id="2" name="Title Placeholder 1"/>
           <p:cNvSpPr>
             <a:spLocks noGrp="1"/>
           </p:cNvSpPr>
@@ -4524,8 +4482,8 @@
         </p:nvSpPr>
         <p:spPr>
           <a:xfrm>
-            <a:off x="838200" y="365126"/>
-            <a:ext cx="10515600" cy="1032852"/>
+            <a:off x="657224" y="499533"/>
+            <a:ext cx="10772775" cy="1658198"/>
           </a:xfrm>
           <a:prstGeom prst="rect">
             <a:avLst/>
@@ -4538,21 +4496,16 @@
           <a:lstStyle/>
           <a:p>
             <a:r>
-              <a:rPr lang="en-US" dirty="0"/>
+              <a:rPr lang="en-US"/>
               <a:t>Click to edit Master title style</a:t>
             </a:r>
-          </a:p>
-        </p:txBody>
-      </p:sp>
-      <p:sp>
-        <p:nvSpPr>
-          <p:cNvPr id="3" name="Text Placeholder 2">
-            <a:extLst>
-              <a:ext uri="{FF2B5EF4-FFF2-40B4-BE49-F238E27FC236}">
-                <a16:creationId xmlns:a16="http://schemas.microsoft.com/office/drawing/2014/main" id="{8C43B09E-D11E-4F79-A939-39E955A68361}"/>
-              </a:ext>
-            </a:extLst>
-          </p:cNvPr>
+            <a:endParaRPr lang="en-US" dirty="0"/>
+          </a:p>
+        </p:txBody>
+      </p:sp>
+      <p:sp>
+        <p:nvSpPr>
+          <p:cNvPr id="3" name="Text Placeholder 2"/>
           <p:cNvSpPr>
             <a:spLocks noGrp="1"/>
           </p:cNvSpPr>
@@ -4562,8 +4515,8 @@
         </p:nvSpPr>
         <p:spPr>
           <a:xfrm>
-            <a:off x="838200" y="1825625"/>
-            <a:ext cx="10515600" cy="4351338"/>
+            <a:off x="676656" y="2011680"/>
+            <a:ext cx="10753725" cy="3766185"/>
           </a:xfrm>
           <a:prstGeom prst="rect">
             <a:avLst/>
@@ -4577,49 +4530,44 @@
           <a:p>
             <a:pPr lvl="0"/>
             <a:r>
-              <a:rPr lang="en-US" dirty="0"/>
+              <a:rPr lang="en-US"/>
               <a:t>Edit Master text styles</a:t>
             </a:r>
           </a:p>
           <a:p>
             <a:pPr lvl="1"/>
             <a:r>
-              <a:rPr lang="en-US" dirty="0"/>
+              <a:rPr lang="en-US"/>
               <a:t>Second level</a:t>
             </a:r>
           </a:p>
           <a:p>
             <a:pPr lvl="2"/>
             <a:r>
-              <a:rPr lang="en-US" dirty="0"/>
+              <a:rPr lang="en-US"/>
               <a:t>Third level</a:t>
             </a:r>
           </a:p>
           <a:p>
             <a:pPr lvl="3"/>
             <a:r>
-              <a:rPr lang="en-US" dirty="0"/>
+              <a:rPr lang="en-US"/>
               <a:t>Fourth level</a:t>
             </a:r>
           </a:p>
           <a:p>
             <a:pPr lvl="4"/>
             <a:r>
-              <a:rPr lang="en-US" dirty="0"/>
+              <a:rPr lang="en-US"/>
               <a:t>Fifth level</a:t>
             </a:r>
-          </a:p>
-        </p:txBody>
-      </p:sp>
-      <p:sp>
-        <p:nvSpPr>
-          <p:cNvPr id="4" name="Date Placeholder 3">
-            <a:extLst>
-              <a:ext uri="{FF2B5EF4-FFF2-40B4-BE49-F238E27FC236}">
-                <a16:creationId xmlns:a16="http://schemas.microsoft.com/office/drawing/2014/main" id="{6B1504E4-C5F9-4247-B423-35164ECDD69D}"/>
-              </a:ext>
-            </a:extLst>
-          </p:cNvPr>
+            <a:endParaRPr lang="en-US" dirty="0"/>
+          </a:p>
+        </p:txBody>
+      </p:sp>
+      <p:sp>
+        <p:nvSpPr>
+          <p:cNvPr id="4" name="Date Placeholder 3"/>
           <p:cNvSpPr>
             <a:spLocks noGrp="1"/>
           </p:cNvSpPr>
@@ -4629,8 +4577,8 @@
         </p:nvSpPr>
         <p:spPr>
           <a:xfrm>
-            <a:off x="838200" y="6356350"/>
-            <a:ext cx="2743200" cy="365125"/>
+            <a:off x="685800" y="6412447"/>
+            <a:ext cx="4114800" cy="228600"/>
           </a:xfrm>
           <a:prstGeom prst="rect">
             <a:avLst/>
@@ -4640,10 +4588,10 @@
           <a:bodyPr vert="horz" lIns="91440" tIns="45720" rIns="91440" bIns="45720" rtlCol="0" anchor="ctr"/>
           <a:lstStyle>
             <a:lvl1pPr algn="l">
-              <a:defRPr sz="1200">
+              <a:defRPr sz="950">
                 <a:solidFill>
                   <a:schemeClr val="tx1">
-                    <a:tint val="75000"/>
+                    <a:alpha val="80000"/>
                   </a:schemeClr>
                 </a:solidFill>
               </a:defRPr>
@@ -4660,13 +4608,7 @@
       </p:sp>
       <p:sp>
         <p:nvSpPr>
-          <p:cNvPr id="5" name="Footer Placeholder 4">
-            <a:extLst>
-              <a:ext uri="{FF2B5EF4-FFF2-40B4-BE49-F238E27FC236}">
-                <a16:creationId xmlns:a16="http://schemas.microsoft.com/office/drawing/2014/main" id="{116BFBA1-C4B2-441F-ACD5-9A5C9310DD8F}"/>
-              </a:ext>
-            </a:extLst>
-          </p:cNvPr>
+          <p:cNvPr id="5" name="Footer Placeholder 4"/>
           <p:cNvSpPr>
             <a:spLocks noGrp="1"/>
           </p:cNvSpPr>
@@ -4676,8 +4618,8 @@
         </p:nvSpPr>
         <p:spPr>
           <a:xfrm>
-            <a:off x="4038600" y="6356350"/>
-            <a:ext cx="4114800" cy="365125"/>
+            <a:off x="685800" y="6554697"/>
+            <a:ext cx="5029200" cy="228600"/>
           </a:xfrm>
           <a:prstGeom prst="rect">
             <a:avLst/>
@@ -4686,11 +4628,11 @@
         <p:txBody>
           <a:bodyPr vert="horz" lIns="91440" tIns="45720" rIns="91440" bIns="45720" rtlCol="0" anchor="ctr"/>
           <a:lstStyle>
-            <a:lvl1pPr algn="ctr">
-              <a:defRPr sz="1200">
+            <a:lvl1pPr algn="l">
+              <a:defRPr sz="950" cap="all" baseline="0">
                 <a:solidFill>
                   <a:schemeClr val="tx1">
-                    <a:tint val="75000"/>
+                    <a:alpha val="80000"/>
                   </a:schemeClr>
                 </a:solidFill>
               </a:defRPr>
@@ -4703,13 +4645,7 @@
       </p:sp>
       <p:sp>
         <p:nvSpPr>
-          <p:cNvPr id="6" name="Slide Number Placeholder 5">
-            <a:extLst>
-              <a:ext uri="{FF2B5EF4-FFF2-40B4-BE49-F238E27FC236}">
-                <a16:creationId xmlns:a16="http://schemas.microsoft.com/office/drawing/2014/main" id="{7E7F8721-F65A-408D-B726-650C0C54864E}"/>
-              </a:ext>
-            </a:extLst>
-          </p:cNvPr>
+          <p:cNvPr id="6" name="Slide Number Placeholder 5"/>
           <p:cNvSpPr>
             <a:spLocks noGrp="1"/>
           </p:cNvSpPr>
@@ -4719,23 +4655,27 @@
         </p:nvSpPr>
         <p:spPr>
           <a:xfrm>
-            <a:off x="8610600" y="6356350"/>
-            <a:ext cx="2743200" cy="365125"/>
+            <a:off x="8763926" y="5876412"/>
+            <a:ext cx="2926080" cy="1397039"/>
           </a:xfrm>
           <a:prstGeom prst="rect">
             <a:avLst/>
           </a:prstGeom>
         </p:spPr>
         <p:txBody>
-          <a:bodyPr vert="horz" lIns="91440" tIns="45720" rIns="91440" bIns="45720" rtlCol="0" anchor="ctr"/>
+          <a:bodyPr vert="horz" lIns="91440" tIns="45720" rIns="91440" bIns="45720" rtlCol="0" anchor="b"/>
           <a:lstStyle>
             <a:lvl1pPr algn="r">
-              <a:defRPr sz="1200">
+              <a:defRPr sz="10300" b="0">
+                <a:ln>
+                  <a:noFill/>
+                </a:ln>
                 <a:solidFill>
-                  <a:schemeClr val="tx1">
-                    <a:tint val="75000"/>
+                  <a:schemeClr val="accent1">
+                    <a:alpha val="25000"/>
                   </a:schemeClr>
                 </a:solidFill>
+                <a:latin typeface="+mj-lt"/>
               </a:defRPr>
             </a:lvl1pPr>
           </a:lstStyle>
@@ -4751,202 +4691,229 @@
     </p:spTree>
     <p:extLst>
       <p:ext uri="{BB962C8B-B14F-4D97-AF65-F5344CB8AC3E}">
-        <p14:creationId xmlns:p14="http://schemas.microsoft.com/office/powerpoint/2010/main" val="3167694380"/>
+        <p14:creationId xmlns:p14="http://schemas.microsoft.com/office/powerpoint/2010/main" val="4157469726"/>
       </p:ext>
     </p:extLst>
   </p:cSld>
   <p:clrMap bg1="lt1" tx1="dk1" bg2="lt2" tx2="dk2" accent1="accent1" accent2="accent2" accent3="accent3" accent4="accent4" accent5="accent5" accent6="accent6" hlink="hlink" folHlink="folHlink"/>
   <p:sldLayoutIdLst>
-    <p:sldLayoutId id="2147483697" r:id="rId1"/>
-    <p:sldLayoutId id="2147483698" r:id="rId2"/>
-    <p:sldLayoutId id="2147483699" r:id="rId3"/>
-    <p:sldLayoutId id="2147483700" r:id="rId4"/>
-    <p:sldLayoutId id="2147483701" r:id="rId5"/>
-    <p:sldLayoutId id="2147483702" r:id="rId6"/>
-    <p:sldLayoutId id="2147483703" r:id="rId7"/>
-    <p:sldLayoutId id="2147483704" r:id="rId8"/>
-    <p:sldLayoutId id="2147483705" r:id="rId9"/>
-    <p:sldLayoutId id="2147483706" r:id="rId10"/>
-    <p:sldLayoutId id="2147483707" r:id="rId11"/>
+    <p:sldLayoutId id="2147483709" r:id="rId1"/>
+    <p:sldLayoutId id="2147483710" r:id="rId2"/>
+    <p:sldLayoutId id="2147483711" r:id="rId3"/>
+    <p:sldLayoutId id="2147483712" r:id="rId4"/>
+    <p:sldLayoutId id="2147483713" r:id="rId5"/>
+    <p:sldLayoutId id="2147483714" r:id="rId6"/>
+    <p:sldLayoutId id="2147483715" r:id="rId7"/>
+    <p:sldLayoutId id="2147483716" r:id="rId8"/>
+    <p:sldLayoutId id="2147483717" r:id="rId9"/>
+    <p:sldLayoutId id="2147483718" r:id="rId10"/>
+    <p:sldLayoutId id="2147483719" r:id="rId11"/>
   </p:sldLayoutIdLst>
   <p:hf sldNum="0" hdr="0" dt="0"/>
   <p:txStyles>
     <p:titleStyle>
       <a:lvl1pPr algn="l" defTabSz="914400" rtl="0" eaLnBrk="1" latinLnBrk="0" hangingPunct="1">
         <a:lnSpc>
-          <a:spcPct val="90000"/>
+          <a:spcPct val="85000"/>
         </a:lnSpc>
         <a:spcBef>
           <a:spcPct val="0"/>
         </a:spcBef>
         <a:buNone/>
-        <a:defRPr sz="4000" kern="1200">
+        <a:defRPr sz="5400" kern="1200" spc="-120" baseline="0">
           <a:solidFill>
-            <a:schemeClr val="tx1"/>
+            <a:schemeClr val="accent1"/>
           </a:solidFill>
-          <a:latin typeface="Source Sans Pro" panose="020B0503030403020204" pitchFamily="34" charset="0"/>
+          <a:latin typeface="+mj-lt"/>
           <a:ea typeface="+mj-ea"/>
           <a:cs typeface="+mj-cs"/>
         </a:defRPr>
       </a:lvl1pPr>
     </p:titleStyle>
     <p:bodyStyle>
-      <a:lvl1pPr marL="228600" indent="-228600" algn="l" defTabSz="914400" rtl="0" eaLnBrk="1" latinLnBrk="0" hangingPunct="1">
+      <a:lvl1pPr marL="91440" indent="-91440" algn="l" defTabSz="914400" rtl="0" eaLnBrk="1" latinLnBrk="0" hangingPunct="1">
         <a:lnSpc>
-          <a:spcPct val="90000"/>
+          <a:spcPct val="85000"/>
         </a:lnSpc>
         <a:spcBef>
-          <a:spcPts val="1000"/>
+          <a:spcPts val="1300"/>
         </a:spcBef>
-        <a:buFont typeface="Arial" panose="020B0604020202020204" pitchFamily="34" charset="0"/>
-        <a:buChar char="•"/>
-        <a:defRPr sz="2800" kern="1200">
+        <a:buFont typeface="Arial" pitchFamily="34" charset="0"/>
+        <a:buChar char=" "/>
+        <a:defRPr sz="2400" kern="1200">
           <a:solidFill>
-            <a:schemeClr val="tx1"/>
+            <a:schemeClr val="tx1">
+              <a:lumMod val="85000"/>
+              <a:lumOff val="15000"/>
+            </a:schemeClr>
           </a:solidFill>
-          <a:latin typeface="Times New Roman" panose="02020603050405020304" pitchFamily="18" charset="0"/>
+          <a:latin typeface="+mn-lt"/>
           <a:ea typeface="+mn-ea"/>
-          <a:cs typeface="Times New Roman" panose="02020603050405020304" pitchFamily="18" charset="0"/>
+          <a:cs typeface="+mn-cs"/>
         </a:defRPr>
       </a:lvl1pPr>
-      <a:lvl2pPr marL="685800" indent="-228600" algn="l" defTabSz="914400" rtl="0" eaLnBrk="1" latinLnBrk="0" hangingPunct="1">
+      <a:lvl2pPr marL="347472" indent="-342900" algn="l" defTabSz="914400" rtl="0" eaLnBrk="1" latinLnBrk="0" hangingPunct="1">
         <a:lnSpc>
-          <a:spcPct val="90000"/>
+          <a:spcPct val="85000"/>
         </a:lnSpc>
         <a:spcBef>
-          <a:spcPts val="500"/>
+          <a:spcPts val="600"/>
         </a:spcBef>
-        <a:buFont typeface="Arial" panose="020B0604020202020204" pitchFamily="34" charset="0"/>
-        <a:buChar char="•"/>
+        <a:buFont typeface="Arial" pitchFamily="34" charset="0"/>
+        <a:buChar char=" "/>
         <a:defRPr sz="2400" kern="1200">
           <a:solidFill>
-            <a:schemeClr val="tx1"/>
+            <a:schemeClr val="tx1">
+              <a:lumMod val="85000"/>
+              <a:lumOff val="15000"/>
+            </a:schemeClr>
           </a:solidFill>
-          <a:latin typeface="Times New Roman" panose="02020603050405020304" pitchFamily="18" charset="0"/>
+          <a:latin typeface="+mn-lt"/>
           <a:ea typeface="+mn-ea"/>
-          <a:cs typeface="Times New Roman" panose="02020603050405020304" pitchFamily="18" charset="0"/>
+          <a:cs typeface="+mn-cs"/>
         </a:defRPr>
       </a:lvl2pPr>
-      <a:lvl3pPr marL="1143000" indent="-228600" algn="l" defTabSz="914400" rtl="0" eaLnBrk="1" latinLnBrk="0" hangingPunct="1">
+      <a:lvl3pPr marL="548640" indent="-548640" algn="l" defTabSz="914400" rtl="0" eaLnBrk="1" latinLnBrk="0" hangingPunct="1">
         <a:lnSpc>
-          <a:spcPct val="90000"/>
+          <a:spcPct val="85000"/>
         </a:lnSpc>
         <a:spcBef>
-          <a:spcPts val="500"/>
+          <a:spcPts val="600"/>
         </a:spcBef>
-        <a:buFont typeface="Arial" panose="020B0604020202020204" pitchFamily="34" charset="0"/>
-        <a:buChar char="•"/>
-        <a:defRPr sz="2000" kern="1200">
+        <a:buFont typeface="Arial" pitchFamily="34" charset="0"/>
+        <a:buChar char=" "/>
+        <a:defRPr sz="2000" i="1" kern="1200">
           <a:solidFill>
-            <a:schemeClr val="tx1"/>
+            <a:schemeClr val="tx1">
+              <a:lumMod val="85000"/>
+              <a:lumOff val="15000"/>
+            </a:schemeClr>
           </a:solidFill>
-          <a:latin typeface="Times New Roman" panose="02020603050405020304" pitchFamily="18" charset="0"/>
+          <a:latin typeface="+mn-lt"/>
           <a:ea typeface="+mn-ea"/>
-          <a:cs typeface="Times New Roman" panose="02020603050405020304" pitchFamily="18" charset="0"/>
+          <a:cs typeface="+mn-cs"/>
         </a:defRPr>
       </a:lvl3pPr>
-      <a:lvl4pPr marL="1600200" indent="-228600" algn="l" defTabSz="914400" rtl="0" eaLnBrk="1" latinLnBrk="0" hangingPunct="1">
+      <a:lvl4pPr marL="822960" indent="-822960" algn="l" defTabSz="914400" rtl="0" eaLnBrk="1" latinLnBrk="0" hangingPunct="1">
         <a:lnSpc>
-          <a:spcPct val="90000"/>
+          <a:spcPct val="85000"/>
         </a:lnSpc>
         <a:spcBef>
-          <a:spcPts val="500"/>
+          <a:spcPts val="600"/>
         </a:spcBef>
-        <a:buFont typeface="Arial" panose="020B0604020202020204" pitchFamily="34" charset="0"/>
-        <a:buChar char="•"/>
+        <a:buFont typeface="Arial" pitchFamily="34" charset="0"/>
+        <a:buChar char=" "/>
         <a:defRPr sz="1800" kern="1200">
           <a:solidFill>
-            <a:schemeClr val="tx1"/>
+            <a:schemeClr val="tx1">
+              <a:lumMod val="85000"/>
+              <a:lumOff val="15000"/>
+            </a:schemeClr>
           </a:solidFill>
-          <a:latin typeface="Times New Roman" panose="02020603050405020304" pitchFamily="18" charset="0"/>
+          <a:latin typeface="+mn-lt"/>
           <a:ea typeface="+mn-ea"/>
-          <a:cs typeface="Times New Roman" panose="02020603050405020304" pitchFamily="18" charset="0"/>
+          <a:cs typeface="+mn-cs"/>
         </a:defRPr>
       </a:lvl4pPr>
-      <a:lvl5pPr marL="2057400" indent="-228600" algn="l" defTabSz="914400" rtl="0" eaLnBrk="1" latinLnBrk="0" hangingPunct="1">
+      <a:lvl5pPr marL="1097280" indent="-1097280" algn="l" defTabSz="914400" rtl="0" eaLnBrk="1" latinLnBrk="0" hangingPunct="1">
         <a:lnSpc>
-          <a:spcPct val="90000"/>
+          <a:spcPct val="85000"/>
         </a:lnSpc>
         <a:spcBef>
-          <a:spcPts val="500"/>
+          <a:spcPts val="600"/>
         </a:spcBef>
-        <a:buFont typeface="Arial" panose="020B0604020202020204" pitchFamily="34" charset="0"/>
-        <a:buChar char="•"/>
+        <a:buFont typeface="Arial" pitchFamily="34" charset="0"/>
+        <a:buChar char=" "/>
         <a:defRPr sz="1800" kern="1200">
           <a:solidFill>
-            <a:schemeClr val="tx1"/>
+            <a:schemeClr val="tx1">
+              <a:lumMod val="85000"/>
+              <a:lumOff val="15000"/>
+            </a:schemeClr>
           </a:solidFill>
-          <a:latin typeface="Times New Roman" panose="02020603050405020304" pitchFamily="18" charset="0"/>
+          <a:latin typeface="+mn-lt"/>
           <a:ea typeface="+mn-ea"/>
-          <a:cs typeface="Times New Roman" panose="02020603050405020304" pitchFamily="18" charset="0"/>
+          <a:cs typeface="+mn-cs"/>
         </a:defRPr>
       </a:lvl5pPr>
-      <a:lvl6pPr marL="2514600" indent="-228600" algn="l" defTabSz="914400" rtl="0" eaLnBrk="1" latinLnBrk="0" hangingPunct="1">
+      <a:lvl6pPr marL="1200000" indent="-228600" algn="l" defTabSz="914400" rtl="0" eaLnBrk="1" latinLnBrk="0" hangingPunct="1">
         <a:lnSpc>
-          <a:spcPct val="90000"/>
+          <a:spcPct val="85000"/>
         </a:lnSpc>
         <a:spcBef>
-          <a:spcPts val="500"/>
+          <a:spcPts val="600"/>
         </a:spcBef>
-        <a:buFont typeface="Arial" panose="020B0604020202020204" pitchFamily="34" charset="0"/>
-        <a:buChar char="•"/>
+        <a:buFont typeface="Arial" pitchFamily="34" charset="0"/>
+        <a:buChar char=" "/>
         <a:defRPr sz="1800" kern="1200">
           <a:solidFill>
-            <a:schemeClr val="tx1"/>
+            <a:schemeClr val="tx1">
+              <a:lumMod val="85000"/>
+              <a:lumOff val="15000"/>
+            </a:schemeClr>
           </a:solidFill>
           <a:latin typeface="+mn-lt"/>
           <a:ea typeface="+mn-ea"/>
           <a:cs typeface="+mn-cs"/>
         </a:defRPr>
       </a:lvl6pPr>
-      <a:lvl7pPr marL="2971800" indent="-228600" algn="l" defTabSz="914400" rtl="0" eaLnBrk="1" latinLnBrk="0" hangingPunct="1">
+      <a:lvl7pPr marL="1400000" indent="-228600" algn="l" defTabSz="914400" rtl="0" eaLnBrk="1" latinLnBrk="0" hangingPunct="1">
         <a:lnSpc>
-          <a:spcPct val="90000"/>
+          <a:spcPct val="85000"/>
         </a:lnSpc>
         <a:spcBef>
-          <a:spcPts val="500"/>
+          <a:spcPts val="600"/>
         </a:spcBef>
-        <a:buFont typeface="Arial" panose="020B0604020202020204" pitchFamily="34" charset="0"/>
-        <a:buChar char="•"/>
+        <a:buFont typeface="Arial" pitchFamily="34" charset="0"/>
+        <a:buChar char=" "/>
         <a:defRPr sz="1800" kern="1200">
           <a:solidFill>
-            <a:schemeClr val="tx1"/>
+            <a:schemeClr val="tx1">
+              <a:lumMod val="85000"/>
+              <a:lumOff val="15000"/>
+            </a:schemeClr>
           </a:solidFill>
           <a:latin typeface="+mn-lt"/>
           <a:ea typeface="+mn-ea"/>
           <a:cs typeface="+mn-cs"/>
         </a:defRPr>
       </a:lvl7pPr>
-      <a:lvl8pPr marL="3429000" indent="-228600" algn="l" defTabSz="914400" rtl="0" eaLnBrk="1" latinLnBrk="0" hangingPunct="1">
+      <a:lvl8pPr marL="1600000" indent="-228600" algn="l" defTabSz="914400" rtl="0" eaLnBrk="1" latinLnBrk="0" hangingPunct="1">
         <a:lnSpc>
-          <a:spcPct val="90000"/>
+          <a:spcPct val="85000"/>
         </a:lnSpc>
         <a:spcBef>
-          <a:spcPts val="500"/>
+          <a:spcPts val="600"/>
         </a:spcBef>
-        <a:buFont typeface="Arial" panose="020B0604020202020204" pitchFamily="34" charset="0"/>
-        <a:buChar char="•"/>
+        <a:buFont typeface="Arial" pitchFamily="34" charset="0"/>
+        <a:buChar char=" "/>
         <a:defRPr sz="1800" kern="1200">
           <a:solidFill>
-            <a:schemeClr val="tx1"/>
+            <a:schemeClr val="tx1">
+              <a:lumMod val="85000"/>
+              <a:lumOff val="15000"/>
+            </a:schemeClr>
           </a:solidFill>
           <a:latin typeface="+mn-lt"/>
           <a:ea typeface="+mn-ea"/>
           <a:cs typeface="+mn-cs"/>
         </a:defRPr>
       </a:lvl8pPr>
-      <a:lvl9pPr marL="3886200" indent="-228600" algn="l" defTabSz="914400" rtl="0" eaLnBrk="1" latinLnBrk="0" hangingPunct="1">
+      <a:lvl9pPr marL="1800000" indent="-228600" algn="l" defTabSz="914400" rtl="0" eaLnBrk="1" latinLnBrk="0" hangingPunct="1">
         <a:lnSpc>
-          <a:spcPct val="90000"/>
+          <a:spcPct val="85000"/>
         </a:lnSpc>
         <a:spcBef>
-          <a:spcPts val="500"/>
+          <a:spcPts val="600"/>
         </a:spcBef>
-        <a:buFont typeface="Arial" panose="020B0604020202020204" pitchFamily="34" charset="0"/>
-        <a:buChar char="•"/>
+        <a:buFont typeface="Arial" pitchFamily="34" charset="0"/>
+        <a:buChar char=" "/>
         <a:defRPr sz="1800" kern="1200">
           <a:solidFill>
-            <a:schemeClr val="tx1"/>
+            <a:schemeClr val="tx1">
+              <a:lumMod val="85000"/>
+              <a:lumOff val="15000"/>
+            </a:schemeClr>
           </a:solidFill>
           <a:latin typeface="+mn-lt"/>
           <a:ea typeface="+mn-ea"/>
@@ -5059,7 +5026,7 @@
     <p:bg>
       <p:bgPr>
         <a:solidFill>
-          <a:schemeClr val="bg1"/>
+          <a:schemeClr val="accent1"/>
         </a:solidFill>
         <a:effectLst/>
       </p:bgPr>
@@ -5080,6 +5047,66 @@
       </p:grpSpPr>
       <p:sp>
         <p:nvSpPr>
+          <p:cNvPr id="34" name="Rectangle 33">
+            <a:extLst>
+              <a:ext uri="{FF2B5EF4-FFF2-40B4-BE49-F238E27FC236}">
+                <a16:creationId xmlns:a16="http://schemas.microsoft.com/office/drawing/2014/main" id="{CF4BD144-08AF-41A3-ADB3-8AADCACA0605}"/>
+              </a:ext>
+              <a:ext uri="{C183D7F6-B498-43B3-948B-1728B52AA6E4}">
+                <adec:decorative xmlns:adec="http://schemas.microsoft.com/office/drawing/2017/decorative" val="1"/>
+              </a:ext>
+            </a:extLst>
+          </p:cNvPr>
+          <p:cNvSpPr>
+            <a:spLocks noGrp="1" noRot="1" noChangeAspect="1" noMove="1" noResize="1" noEditPoints="1" noAdjustHandles="1" noChangeArrowheads="1" noChangeShapeType="1" noTextEdit="1"/>
+          </p:cNvSpPr>
+          <p:nvPr>
+            <p:extLst>
+              <p:ext uri="{386F3935-93C4-4BCD-93E2-E3B085C9AB24}">
+                <p16:designElem xmlns:p16="http://schemas.microsoft.com/office/powerpoint/2015/main" val="1"/>
+              </p:ext>
+            </p:extLst>
+          </p:nvPr>
+        </p:nvSpPr>
+        <p:spPr>
+          <a:xfrm>
+            <a:off x="0" y="0"/>
+            <a:ext cx="12192000" cy="6858000"/>
+          </a:xfrm>
+          <a:prstGeom prst="rect">
+            <a:avLst/>
+          </a:prstGeom>
+          <a:ln>
+            <a:noFill/>
+          </a:ln>
+        </p:spPr>
+        <p:style>
+          <a:lnRef idx="2">
+            <a:schemeClr val="accent1">
+              <a:shade val="50000"/>
+            </a:schemeClr>
+          </a:lnRef>
+          <a:fillRef idx="1">
+            <a:schemeClr val="accent1"/>
+          </a:fillRef>
+          <a:effectRef idx="0">
+            <a:schemeClr val="accent1"/>
+          </a:effectRef>
+          <a:fontRef idx="minor">
+            <a:schemeClr val="lt1"/>
+          </a:fontRef>
+        </p:style>
+        <p:txBody>
+          <a:bodyPr rtlCol="0" anchor="ctr"/>
+          <a:lstStyle/>
+          <a:p>
+            <a:pPr algn="ctr"/>
+            <a:endParaRPr lang="en-US"/>
+          </a:p>
+        </p:txBody>
+      </p:sp>
+      <p:sp>
+        <p:nvSpPr>
           <p:cNvPr id="2" name="Title 1">
             <a:extLst>
               <a:ext uri="{FF2B5EF4-FFF2-40B4-BE49-F238E27FC236}">
@@ -5096,24 +5123,34 @@
         </p:nvSpPr>
         <p:spPr>
           <a:xfrm>
-            <a:off x="2370667" y="1788350"/>
-            <a:ext cx="5293449" cy="2482515"/>
+            <a:off x="603504" y="770467"/>
+            <a:ext cx="6608963" cy="3352800"/>
           </a:xfrm>
         </p:spPr>
         <p:txBody>
-          <a:bodyPr anchor="ctr">
+          <a:bodyPr>
             <a:normAutofit/>
           </a:bodyPr>
           <a:lstStyle/>
           <a:p>
-            <a:pPr algn="l"/>
-            <a:r>
-              <a:rPr lang="en-US" sz="4000" dirty="0" err="1"/>
-              <a:t>PrivKV</a:t>
-            </a:r>
-            <a:r>
-              <a:rPr lang="en-US" sz="4000" dirty="0"/>
-              <a:t>: Local Differential Privacy for Key-Value Structured Data</a:t>
+            <a:r>
+              <a:rPr lang="en-US" sz="5500"/>
+              <a:t>Smart Grid </a:t>
+            </a:r>
+            <a:r>
+              <a:rPr lang="en-US" sz="5500" err="1"/>
+              <a:t>CyberSecurity</a:t>
+            </a:r>
+            <a:r>
+              <a:rPr lang="en-US" sz="5500"/>
+              <a:t>: </a:t>
+            </a:r>
+            <a:br>
+              <a:rPr lang="en-US" sz="5500"/>
+            </a:br>
+            <a:r>
+              <a:rPr lang="en-US" sz="5500"/>
+              <a:t>Defense Stratagems for the Connected City </a:t>
             </a:r>
           </a:p>
         </p:txBody>
@@ -5136,8 +5173,8 @@
         </p:nvSpPr>
         <p:spPr>
           <a:xfrm>
-            <a:off x="2370667" y="4470562"/>
-            <a:ext cx="5293449" cy="1371405"/>
+            <a:off x="667513" y="4206876"/>
+            <a:ext cx="6544954" cy="1645920"/>
           </a:xfrm>
         </p:spPr>
         <p:txBody>
@@ -5146,57 +5183,127 @@
           </a:bodyPr>
           <a:lstStyle/>
           <a:p>
-            <a:pPr algn="l">
-              <a:lnSpc>
-                <a:spcPct val="110000"/>
-              </a:lnSpc>
+            <a:pPr>
               <a:spcBef>
                 <a:spcPts val="0"/>
               </a:spcBef>
+              <a:spcAft>
+                <a:spcPts val="600"/>
+              </a:spcAft>
             </a:pPr>
             <a:r>
-              <a:rPr lang="en-US" sz="2000" dirty="0"/>
-              <a:t>CSC 6223</a:t>
-            </a:r>
-          </a:p>
-          <a:p>
-            <a:pPr algn="l">
-              <a:lnSpc>
-                <a:spcPct val="110000"/>
-              </a:lnSpc>
+              <a:rPr lang="en-US">
+                <a:solidFill>
+                  <a:srgbClr val="FFFFFF"/>
+                </a:solidFill>
+              </a:rPr>
+              <a:t>CSC 6222</a:t>
+            </a:r>
+          </a:p>
+          <a:p>
+            <a:pPr>
               <a:spcBef>
                 <a:spcPts val="0"/>
               </a:spcBef>
+              <a:spcAft>
+                <a:spcPts val="600"/>
+              </a:spcAft>
             </a:pPr>
             <a:r>
-              <a:rPr lang="en-US" sz="2000" dirty="0"/>
-              <a:t>Wasfi </a:t>
-            </a:r>
-            <a:r>
-              <a:rPr lang="en-US" sz="2000" dirty="0" err="1"/>
-              <a:t>Momen</a:t>
-            </a:r>
-            <a:endParaRPr lang="en-US" sz="2000" dirty="0"/>
-          </a:p>
-          <a:p>
-            <a:pPr algn="l">
-              <a:lnSpc>
-                <a:spcPct val="110000"/>
-              </a:lnSpc>
+              <a:rPr lang="en-US">
+                <a:solidFill>
+                  <a:srgbClr val="FFFFFF"/>
+                </a:solidFill>
+              </a:rPr>
+              <a:t>Wasfi Momen</a:t>
+            </a:r>
+          </a:p>
+          <a:p>
+            <a:pPr>
               <a:spcBef>
                 <a:spcPts val="0"/>
               </a:spcBef>
+              <a:spcAft>
+                <a:spcPts val="600"/>
+              </a:spcAft>
             </a:pPr>
             <a:r>
-              <a:rPr lang="en-US" sz="2000" dirty="0"/>
-              <a:t>11/16/18</a:t>
-            </a:r>
+              <a:rPr lang="en-US">
+                <a:solidFill>
+                  <a:srgbClr val="FFFFFF"/>
+                </a:solidFill>
+              </a:rPr>
+              <a:t>11/28/18</a:t>
+            </a:r>
+          </a:p>
+        </p:txBody>
+      </p:sp>
+      <p:sp>
+        <p:nvSpPr>
+          <p:cNvPr id="36" name="Rectangle 35">
+            <a:extLst>
+              <a:ext uri="{FF2B5EF4-FFF2-40B4-BE49-F238E27FC236}">
+                <a16:creationId xmlns:a16="http://schemas.microsoft.com/office/drawing/2014/main" id="{CA3F59CE-D0DB-4EB7-91C0-63DB110309E1}"/>
+              </a:ext>
+              <a:ext uri="{C183D7F6-B498-43B3-948B-1728B52AA6E4}">
+                <adec:decorative xmlns:adec="http://schemas.microsoft.com/office/drawing/2017/decorative" val="1"/>
+              </a:ext>
+            </a:extLst>
+          </p:cNvPr>
+          <p:cNvSpPr>
+            <a:spLocks noGrp="1" noRot="1" noChangeAspect="1" noMove="1" noResize="1" noEditPoints="1" noAdjustHandles="1" noChangeArrowheads="1" noChangeShapeType="1" noTextEdit="1"/>
+          </p:cNvSpPr>
+          <p:nvPr>
+            <p:extLst>
+              <p:ext uri="{386F3935-93C4-4BCD-93E2-E3B085C9AB24}">
+                <p16:designElem xmlns:p16="http://schemas.microsoft.com/office/powerpoint/2015/main" val="1"/>
+              </p:ext>
+            </p:extLst>
+          </p:nvPr>
+        </p:nvSpPr>
+        <p:spPr>
+          <a:xfrm>
+            <a:off x="7552944" y="0"/>
+            <a:ext cx="4639056" cy="6858000"/>
+          </a:xfrm>
+          <a:prstGeom prst="rect">
+            <a:avLst/>
+          </a:prstGeom>
+          <a:solidFill>
+            <a:schemeClr val="bg1"/>
+          </a:solidFill>
+          <a:ln>
+            <a:noFill/>
+          </a:ln>
+        </p:spPr>
+        <p:style>
+          <a:lnRef idx="2">
+            <a:schemeClr val="accent1">
+              <a:shade val="50000"/>
+            </a:schemeClr>
+          </a:lnRef>
+          <a:fillRef idx="1">
+            <a:schemeClr val="accent1"/>
+          </a:fillRef>
+          <a:effectRef idx="0">
+            <a:schemeClr val="accent1"/>
+          </a:effectRef>
+          <a:fontRef idx="minor">
+            <a:schemeClr val="lt1"/>
+          </a:fontRef>
+        </p:style>
+        <p:txBody>
+          <a:bodyPr rtlCol="0" anchor="ctr"/>
+          <a:lstStyle/>
+          <a:p>
+            <a:pPr algn="ctr"/>
+            <a:endParaRPr lang="en-US"/>
           </a:p>
         </p:txBody>
       </p:sp>
       <p:pic>
         <p:nvPicPr>
-          <p:cNvPr id="7" name="Graphic 6" descr="Lock">
+          <p:cNvPr id="7" name="Graphic 6" descr="City">
             <a:extLst>
               <a:ext uri="{FF2B5EF4-FFF2-40B4-BE49-F238E27FC236}">
                 <a16:creationId xmlns:a16="http://schemas.microsoft.com/office/drawing/2014/main" id="{63BDE0C1-5FEF-4385-B56E-3933616DA383}"/>
@@ -5209,13 +5316,13 @@
           <p:nvPr/>
         </p:nvPicPr>
         <p:blipFill>
-          <a:blip r:embed="rId2">
+          <a:blip r:embed="rId3">
             <a:extLst>
               <a:ext uri="{28A0092B-C50C-407E-A947-70E740481C1C}">
                 <a14:useLocalDpi xmlns:a14="http://schemas.microsoft.com/office/drawing/2010/main" val="0"/>
               </a:ext>
               <a:ext uri="{96DAC541-7B7A-43D3-8B79-37D633B846F1}">
-                <asvg:svgBlip xmlns:asvg="http://schemas.microsoft.com/office/drawing/2016/SVG/main" r:embed="rId3"/>
+                <asvg:svgBlip xmlns:asvg="http://schemas.microsoft.com/office/drawing/2016/SVG/main" r:embed="rId4"/>
               </a:ext>
             </a:extLst>
           </a:blip>
@@ -5225,57 +5332,8 @@
         </p:blipFill>
         <p:spPr>
           <a:xfrm>
-            <a:off x="838201" y="2743201"/>
-            <a:ext cx="1371600" cy="1371600"/>
-          </a:xfrm>
-          <a:prstGeom prst="rect">
-            <a:avLst/>
-          </a:prstGeom>
-        </p:spPr>
-      </p:pic>
-      <p:pic>
-        <p:nvPicPr>
-          <p:cNvPr id="9" name="Graphic 8">
-            <a:extLst>
-              <a:ext uri="{FF2B5EF4-FFF2-40B4-BE49-F238E27FC236}">
-                <a16:creationId xmlns:a16="http://schemas.microsoft.com/office/drawing/2014/main" id="{CF650A82-4CA9-440D-9DA2-8CEEC5A25B6A}"/>
-              </a:ext>
-              <a:ext uri="{C183D7F6-B498-43B3-948B-1728B52AA6E4}">
-                <adec:decorative xmlns:adec="http://schemas.microsoft.com/office/drawing/2017/decorative" val="1"/>
-              </a:ext>
-            </a:extLst>
-          </p:cNvPr>
-          <p:cNvPicPr>
-            <a:picLocks noGrp="1" noRot="1" noChangeAspect="1" noMove="1" noResize="1" noEditPoints="1" noAdjustHandles="1" noChangeArrowheads="1" noChangeShapeType="1" noCrop="1"/>
-          </p:cNvPicPr>
-          <p:nvPr>
-            <p:extLst>
-              <p:ext uri="{386F3935-93C4-4BCD-93E2-E3B085C9AB24}">
-                <p16:designElem xmlns:p16="http://schemas.microsoft.com/office/powerpoint/2015/main" val="1"/>
-              </p:ext>
-            </p:extLst>
-          </p:nvPr>
-        </p:nvPicPr>
-        <p:blipFill>
-          <a:blip r:embed="rId2">
-            <a:alphaModFix amt="15000"/>
-            <a:extLst>
-              <a:ext uri="{28A0092B-C50C-407E-A947-70E740481C1C}">
-                <a14:useLocalDpi xmlns:a14="http://schemas.microsoft.com/office/drawing/2010/main" val="0"/>
-              </a:ext>
-              <a:ext uri="{96DAC541-7B7A-43D3-8B79-37D633B846F1}">
-                <asvg:svgBlip xmlns:asvg="http://schemas.microsoft.com/office/drawing/2016/SVG/main" r:embed="rId3"/>
-              </a:ext>
-            </a:extLst>
-          </a:blip>
-          <a:stretch>
-            <a:fillRect/>
-          </a:stretch>
-        </p:blipFill>
-        <p:spPr>
-          <a:xfrm>
-            <a:off x="6641431" y="816337"/>
-            <a:ext cx="5225327" cy="5225327"/>
+            <a:off x="8196408" y="1573639"/>
+            <a:ext cx="3352128" cy="3352128"/>
           </a:xfrm>
           <a:prstGeom prst="rect">
             <a:avLst/>
@@ -5361,12 +5419,7 @@
             <p:ph type="ftr" sz="quarter" idx="11"/>
           </p:nvPr>
         </p:nvSpPr>
-        <p:spPr>
-          <a:xfrm>
-            <a:off x="7239000" y="6356349"/>
-            <a:ext cx="4114800" cy="365125"/>
-          </a:xfrm>
-        </p:spPr>
+        <p:spPr/>
         <p:txBody>
           <a:bodyPr/>
           <a:lstStyle/>
@@ -5817,12 +5870,7 @@
             <p:ph type="ftr" sz="quarter" idx="11"/>
           </p:nvPr>
         </p:nvSpPr>
-        <p:spPr>
-          <a:xfrm>
-            <a:off x="7239000" y="6356349"/>
-            <a:ext cx="4114800" cy="365125"/>
-          </a:xfrm>
-        </p:spPr>
+        <p:spPr/>
         <p:txBody>
           <a:bodyPr/>
           <a:lstStyle/>
@@ -6106,12 +6154,7 @@
             <p:ph type="ftr" sz="quarter" idx="11"/>
           </p:nvPr>
         </p:nvSpPr>
-        <p:spPr>
-          <a:xfrm>
-            <a:off x="7239000" y="6356349"/>
-            <a:ext cx="4114800" cy="365125"/>
-          </a:xfrm>
-        </p:spPr>
+        <p:spPr/>
         <p:txBody>
           <a:bodyPr/>
           <a:lstStyle/>
@@ -6311,7 +6354,7 @@
         </p:spPr>
         <p:txBody>
           <a:bodyPr vert="horz" lIns="91440" tIns="45720" rIns="91440" bIns="45720" rtlCol="0">
-            <a:normAutofit lnSpcReduction="10000"/>
+            <a:normAutofit/>
           </a:bodyPr>
           <a:lstStyle/>
           <a:p>
@@ -6424,15 +6467,10 @@
             <p:ph type="ftr" sz="quarter" idx="11"/>
           </p:nvPr>
         </p:nvSpPr>
-        <p:spPr>
-          <a:xfrm>
-            <a:off x="4038600" y="6356350"/>
-            <a:ext cx="4114800" cy="365125"/>
-          </a:xfrm>
-        </p:spPr>
+        <p:spPr/>
         <p:txBody>
           <a:bodyPr vert="horz" lIns="91440" tIns="45720" rIns="91440" bIns="45720" rtlCol="0" anchor="ctr">
-            <a:normAutofit/>
+            <a:normAutofit fontScale="85000" lnSpcReduction="10000"/>
           </a:bodyPr>
           <a:lstStyle/>
           <a:p>
@@ -6498,12 +6536,7 @@
             <p:ph type="title"/>
           </p:nvPr>
         </p:nvSpPr>
-        <p:spPr>
-          <a:xfrm>
-            <a:off x="838200" y="365126"/>
-            <a:ext cx="10515600" cy="1032852"/>
-          </a:xfrm>
-        </p:spPr>
+        <p:spPr/>
         <p:txBody>
           <a:bodyPr/>
           <a:lstStyle/>
@@ -6532,12 +6565,7 @@
             <p:ph type="ftr" sz="quarter" idx="11"/>
           </p:nvPr>
         </p:nvSpPr>
-        <p:spPr>
-          <a:xfrm>
-            <a:off x="4038600" y="6356350"/>
-            <a:ext cx="4114800" cy="365125"/>
-          </a:xfrm>
-        </p:spPr>
+        <p:spPr/>
         <p:txBody>
           <a:bodyPr/>
           <a:lstStyle/>
@@ -6709,8 +6737,8 @@
           </a:p>
         </p:txBody>
       </p:sp>
-      <mc:AlternateContent xmlns:mc="http://schemas.openxmlformats.org/markup-compatibility/2006">
-        <mc:Choice xmlns:a14="http://schemas.microsoft.com/office/drawing/2010/main" Requires="a14">
+      <mc:AlternateContent xmlns:mc="http://schemas.openxmlformats.org/markup-compatibility/2006" xmlns:a14="http://schemas.microsoft.com/office/drawing/2010/main">
+        <mc:Choice Requires="a14">
           <p:sp>
             <p:nvSpPr>
               <p:cNvPr id="3" name="Content Placeholder 2">
@@ -6796,7 +6824,7 @@
             </p:txBody>
           </p:sp>
         </mc:Choice>
-        <mc:Fallback>
+        <mc:Fallback xmlns="">
           <p:sp>
             <p:nvSpPr>
               <p:cNvPr id="3" name="Content Placeholder 2">
@@ -6899,15 +6927,10 @@
             <p:ph type="ftr" sz="quarter" idx="11"/>
           </p:nvPr>
         </p:nvSpPr>
-        <p:spPr>
-          <a:xfrm>
-            <a:off x="4038600" y="6356350"/>
-            <a:ext cx="4114800" cy="365125"/>
-          </a:xfrm>
-        </p:spPr>
+        <p:spPr/>
         <p:txBody>
           <a:bodyPr vert="horz" lIns="91440" tIns="45720" rIns="91440" bIns="45720" rtlCol="0" anchor="ctr">
-            <a:normAutofit/>
+            <a:normAutofit fontScale="85000" lnSpcReduction="10000"/>
           </a:bodyPr>
           <a:lstStyle/>
           <a:p>
@@ -7056,50 +7079,6 @@
           </a:p>
         </p:txBody>
       </p:sp>
-      <p:sp>
-        <p:nvSpPr>
-          <p:cNvPr id="5" name="Footer Placeholder 4">
-            <a:extLst>
-              <a:ext uri="{FF2B5EF4-FFF2-40B4-BE49-F238E27FC236}">
-                <a16:creationId xmlns:a16="http://schemas.microsoft.com/office/drawing/2014/main" id="{54583668-0A51-48C1-9384-EAE168D34E5E}"/>
-              </a:ext>
-            </a:extLst>
-          </p:cNvPr>
-          <p:cNvSpPr>
-            <a:spLocks noGrp="1"/>
-          </p:cNvSpPr>
-          <p:nvPr>
-            <p:ph type="ftr" sz="quarter" idx="11"/>
-          </p:nvPr>
-        </p:nvSpPr>
-        <p:spPr>
-          <a:xfrm>
-            <a:off x="4038600" y="6356350"/>
-            <a:ext cx="4114800" cy="365125"/>
-          </a:xfrm>
-        </p:spPr>
-        <p:txBody>
-          <a:bodyPr vert="horz" lIns="91440" tIns="45720" rIns="91440" bIns="45720" rtlCol="0" anchor="ctr">
-            <a:normAutofit/>
-          </a:bodyPr>
-          <a:lstStyle/>
-          <a:p>
-            <a:pPr>
-              <a:defRPr/>
-            </a:pPr>
-            <a:endParaRPr lang="en-US" sz="1200" kern="1200">
-              <a:solidFill>
-                <a:prstClr val="black">
-                  <a:tint val="75000"/>
-                </a:prstClr>
-              </a:solidFill>
-              <a:latin typeface="Calibri" panose="020F0502020204030204"/>
-              <a:ea typeface="+mn-ea"/>
-              <a:cs typeface="+mn-cs"/>
-            </a:endParaRPr>
-          </a:p>
-        </p:txBody>
-      </p:sp>
       <p:pic>
         <p:nvPicPr>
           <p:cNvPr id="14" name="Content Placeholder 13" descr="A screenshot of a cell phone&#10;&#10;Description automatically generated">
@@ -7140,6 +7119,45 @@
           </a:ln>
         </p:spPr>
       </p:pic>
+      <p:sp>
+        <p:nvSpPr>
+          <p:cNvPr id="5" name="Footer Placeholder 4">
+            <a:extLst>
+              <a:ext uri="{FF2B5EF4-FFF2-40B4-BE49-F238E27FC236}">
+                <a16:creationId xmlns:a16="http://schemas.microsoft.com/office/drawing/2014/main" id="{54583668-0A51-48C1-9384-EAE168D34E5E}"/>
+              </a:ext>
+            </a:extLst>
+          </p:cNvPr>
+          <p:cNvSpPr>
+            <a:spLocks noGrp="1"/>
+          </p:cNvSpPr>
+          <p:nvPr>
+            <p:ph type="ftr" sz="quarter" idx="11"/>
+          </p:nvPr>
+        </p:nvSpPr>
+        <p:spPr/>
+        <p:txBody>
+          <a:bodyPr vert="horz" lIns="91440" tIns="45720" rIns="91440" bIns="45720" rtlCol="0" anchor="ctr">
+            <a:normAutofit fontScale="85000" lnSpcReduction="10000"/>
+          </a:bodyPr>
+          <a:lstStyle/>
+          <a:p>
+            <a:pPr>
+              <a:defRPr/>
+            </a:pPr>
+            <a:endParaRPr lang="en-US" sz="1200" kern="1200">
+              <a:solidFill>
+                <a:prstClr val="black">
+                  <a:tint val="75000"/>
+                </a:prstClr>
+              </a:solidFill>
+              <a:latin typeface="Calibri" panose="020F0502020204030204"/>
+              <a:ea typeface="+mn-ea"/>
+              <a:cs typeface="+mn-cs"/>
+            </a:endParaRPr>
+          </a:p>
+        </p:txBody>
+      </p:sp>
     </p:spTree>
     <p:extLst>
       <p:ext uri="{BB962C8B-B14F-4D97-AF65-F5344CB8AC3E}">
@@ -7345,15 +7363,10 @@
             <p:ph type="ftr" sz="quarter" idx="11"/>
           </p:nvPr>
         </p:nvSpPr>
-        <p:spPr>
-          <a:xfrm>
-            <a:off x="4038600" y="6356350"/>
-            <a:ext cx="4114800" cy="365125"/>
-          </a:xfrm>
-        </p:spPr>
+        <p:spPr/>
         <p:txBody>
           <a:bodyPr vert="horz" lIns="91440" tIns="45720" rIns="91440" bIns="45720" rtlCol="0" anchor="ctr">
-            <a:normAutofit/>
+            <a:normAutofit fontScale="85000" lnSpcReduction="10000"/>
           </a:bodyPr>
           <a:lstStyle/>
           <a:p>
@@ -7606,132 +7619,6 @@
           <a:chExt cx="0" cy="0"/>
         </a:xfrm>
       </p:grpSpPr>
-      <p:sp>
-        <p:nvSpPr>
-          <p:cNvPr id="9" name="Rectangle 8">
-            <a:extLst>
-              <a:ext uri="{FF2B5EF4-FFF2-40B4-BE49-F238E27FC236}">
-                <a16:creationId xmlns:a16="http://schemas.microsoft.com/office/drawing/2014/main" id="{32BC26D8-82FB-445E-AA49-62A77D7C1EE0}"/>
-              </a:ext>
-              <a:ext uri="{C183D7F6-B498-43B3-948B-1728B52AA6E4}">
-                <adec:decorative xmlns:adec="http://schemas.microsoft.com/office/drawing/2017/decorative" val="1"/>
-              </a:ext>
-            </a:extLst>
-          </p:cNvPr>
-          <p:cNvSpPr>
-            <a:spLocks noGrp="1" noRot="1" noChangeAspect="1" noMove="1" noResize="1" noEditPoints="1" noAdjustHandles="1" noChangeArrowheads="1" noChangeShapeType="1" noTextEdit="1"/>
-          </p:cNvSpPr>
-          <p:nvPr>
-            <p:extLst>
-              <p:ext uri="{386F3935-93C4-4BCD-93E2-E3B085C9AB24}">
-                <p16:designElem xmlns:p16="http://schemas.microsoft.com/office/powerpoint/2015/main" val="1"/>
-              </p:ext>
-            </p:extLst>
-          </p:nvPr>
-        </p:nvSpPr>
-        <p:spPr>
-          <a:xfrm>
-            <a:off x="0" y="0"/>
-            <a:ext cx="12192000" cy="6858000"/>
-          </a:xfrm>
-          <a:prstGeom prst="rect">
-            <a:avLst/>
-          </a:prstGeom>
-          <a:solidFill>
-            <a:srgbClr val="584556"/>
-          </a:solidFill>
-          <a:ln>
-            <a:noFill/>
-          </a:ln>
-        </p:spPr>
-        <p:style>
-          <a:lnRef idx="2">
-            <a:schemeClr val="accent1">
-              <a:shade val="50000"/>
-            </a:schemeClr>
-          </a:lnRef>
-          <a:fillRef idx="1">
-            <a:schemeClr val="accent1"/>
-          </a:fillRef>
-          <a:effectRef idx="0">
-            <a:schemeClr val="accent1"/>
-          </a:effectRef>
-          <a:fontRef idx="minor">
-            <a:schemeClr val="lt1"/>
-          </a:fontRef>
-        </p:style>
-        <p:txBody>
-          <a:bodyPr rtlCol="0" anchor="ctr"/>
-          <a:lstStyle/>
-          <a:p>
-            <a:pPr algn="ctr"/>
-            <a:endParaRPr lang="en-US"/>
-          </a:p>
-        </p:txBody>
-      </p:sp>
-      <p:sp>
-        <p:nvSpPr>
-          <p:cNvPr id="11" name="Rectangle 10">
-            <a:extLst>
-              <a:ext uri="{FF2B5EF4-FFF2-40B4-BE49-F238E27FC236}">
-                <a16:creationId xmlns:a16="http://schemas.microsoft.com/office/drawing/2014/main" id="{CB44330D-EA18-4254-AA95-EB49948539B8}"/>
-              </a:ext>
-              <a:ext uri="{C183D7F6-B498-43B3-948B-1728B52AA6E4}">
-                <adec:decorative xmlns:adec="http://schemas.microsoft.com/office/drawing/2017/decorative" val="1"/>
-              </a:ext>
-            </a:extLst>
-          </p:cNvPr>
-          <p:cNvSpPr>
-            <a:spLocks noGrp="1" noRot="1" noChangeAspect="1" noMove="1" noResize="1" noEditPoints="1" noAdjustHandles="1" noChangeArrowheads="1" noChangeShapeType="1" noTextEdit="1"/>
-          </p:cNvSpPr>
-          <p:nvPr>
-            <p:extLst>
-              <p:ext uri="{386F3935-93C4-4BCD-93E2-E3B085C9AB24}">
-                <p16:designElem xmlns:p16="http://schemas.microsoft.com/office/powerpoint/2015/main" val="1"/>
-              </p:ext>
-            </p:extLst>
-          </p:nvPr>
-        </p:nvSpPr>
-        <p:spPr>
-          <a:xfrm>
-            <a:off x="477012" y="480060"/>
-            <a:ext cx="11237976" cy="5897880"/>
-          </a:xfrm>
-          <a:prstGeom prst="rect">
-            <a:avLst/>
-          </a:prstGeom>
-          <a:solidFill>
-            <a:srgbClr val="FFFFFF"/>
-          </a:solidFill>
-          <a:ln>
-            <a:noFill/>
-          </a:ln>
-        </p:spPr>
-        <p:style>
-          <a:lnRef idx="2">
-            <a:schemeClr val="accent1">
-              <a:shade val="50000"/>
-            </a:schemeClr>
-          </a:lnRef>
-          <a:fillRef idx="1">
-            <a:schemeClr val="accent1"/>
-          </a:fillRef>
-          <a:effectRef idx="0">
-            <a:schemeClr val="accent1"/>
-          </a:effectRef>
-          <a:fontRef idx="minor">
-            <a:schemeClr val="lt1"/>
-          </a:fontRef>
-        </p:style>
-        <p:txBody>
-          <a:bodyPr rtlCol="0" anchor="ctr"/>
-          <a:lstStyle/>
-          <a:p>
-            <a:pPr algn="ctr"/>
-            <a:endParaRPr lang="en-US"/>
-          </a:p>
-        </p:txBody>
-      </p:sp>
       <p:pic>
         <p:nvPicPr>
           <p:cNvPr id="4" name="Picture 3" descr="A picture containing writing implement, stationary&#10;&#10;Description automatically generated">
@@ -7784,15 +7671,10 @@
             <p:ph type="ftr" sz="quarter" idx="11"/>
           </p:nvPr>
         </p:nvSpPr>
-        <p:spPr>
-          <a:xfrm>
-            <a:off x="4038600" y="6356350"/>
-            <a:ext cx="4114800" cy="365125"/>
-          </a:xfrm>
-        </p:spPr>
+        <p:spPr/>
         <p:txBody>
           <a:bodyPr>
-            <a:normAutofit/>
+            <a:normAutofit lnSpcReduction="10000"/>
           </a:bodyPr>
           <a:lstStyle/>
           <a:p>
@@ -7994,132 +7876,6 @@
           <a:chExt cx="0" cy="0"/>
         </a:xfrm>
       </p:grpSpPr>
-      <p:sp>
-        <p:nvSpPr>
-          <p:cNvPr id="6" name="Rectangle 8">
-            <a:extLst>
-              <a:ext uri="{FF2B5EF4-FFF2-40B4-BE49-F238E27FC236}">
-                <a16:creationId xmlns:a16="http://schemas.microsoft.com/office/drawing/2014/main" id="{32BC26D8-82FB-445E-AA49-62A77D7C1EE0}"/>
-              </a:ext>
-              <a:ext uri="{C183D7F6-B498-43B3-948B-1728B52AA6E4}">
-                <adec:decorative xmlns:adec="http://schemas.microsoft.com/office/drawing/2017/decorative" val="1"/>
-              </a:ext>
-            </a:extLst>
-          </p:cNvPr>
-          <p:cNvSpPr>
-            <a:spLocks noGrp="1" noRot="1" noChangeAspect="1" noMove="1" noResize="1" noEditPoints="1" noAdjustHandles="1" noChangeArrowheads="1" noChangeShapeType="1" noTextEdit="1"/>
-          </p:cNvSpPr>
-          <p:nvPr>
-            <p:extLst>
-              <p:ext uri="{386F3935-93C4-4BCD-93E2-E3B085C9AB24}">
-                <p16:designElem xmlns:p16="http://schemas.microsoft.com/office/powerpoint/2015/main" val="1"/>
-              </p:ext>
-            </p:extLst>
-          </p:nvPr>
-        </p:nvSpPr>
-        <p:spPr>
-          <a:xfrm>
-            <a:off x="0" y="0"/>
-            <a:ext cx="12192000" cy="6858000"/>
-          </a:xfrm>
-          <a:prstGeom prst="rect">
-            <a:avLst/>
-          </a:prstGeom>
-          <a:solidFill>
-            <a:srgbClr val="623A2F"/>
-          </a:solidFill>
-          <a:ln>
-            <a:noFill/>
-          </a:ln>
-        </p:spPr>
-        <p:style>
-          <a:lnRef idx="2">
-            <a:schemeClr val="accent1">
-              <a:shade val="50000"/>
-            </a:schemeClr>
-          </a:lnRef>
-          <a:fillRef idx="1">
-            <a:schemeClr val="accent1"/>
-          </a:fillRef>
-          <a:effectRef idx="0">
-            <a:schemeClr val="accent1"/>
-          </a:effectRef>
-          <a:fontRef idx="minor">
-            <a:schemeClr val="lt1"/>
-          </a:fontRef>
-        </p:style>
-        <p:txBody>
-          <a:bodyPr rtlCol="0" anchor="ctr"/>
-          <a:lstStyle/>
-          <a:p>
-            <a:pPr algn="ctr"/>
-            <a:endParaRPr lang="en-US"/>
-          </a:p>
-        </p:txBody>
-      </p:sp>
-      <p:sp>
-        <p:nvSpPr>
-          <p:cNvPr id="7" name="Rectangle 10">
-            <a:extLst>
-              <a:ext uri="{FF2B5EF4-FFF2-40B4-BE49-F238E27FC236}">
-                <a16:creationId xmlns:a16="http://schemas.microsoft.com/office/drawing/2014/main" id="{CB44330D-EA18-4254-AA95-EB49948539B8}"/>
-              </a:ext>
-              <a:ext uri="{C183D7F6-B498-43B3-948B-1728B52AA6E4}">
-                <adec:decorative xmlns:adec="http://schemas.microsoft.com/office/drawing/2017/decorative" val="1"/>
-              </a:ext>
-            </a:extLst>
-          </p:cNvPr>
-          <p:cNvSpPr>
-            <a:spLocks noGrp="1" noRot="1" noChangeAspect="1" noMove="1" noResize="1" noEditPoints="1" noAdjustHandles="1" noChangeArrowheads="1" noChangeShapeType="1" noTextEdit="1"/>
-          </p:cNvSpPr>
-          <p:nvPr>
-            <p:extLst>
-              <p:ext uri="{386F3935-93C4-4BCD-93E2-E3B085C9AB24}">
-                <p16:designElem xmlns:p16="http://schemas.microsoft.com/office/powerpoint/2015/main" val="1"/>
-              </p:ext>
-            </p:extLst>
-          </p:nvPr>
-        </p:nvSpPr>
-        <p:spPr>
-          <a:xfrm>
-            <a:off x="477012" y="480060"/>
-            <a:ext cx="11237976" cy="5897880"/>
-          </a:xfrm>
-          <a:prstGeom prst="rect">
-            <a:avLst/>
-          </a:prstGeom>
-          <a:solidFill>
-            <a:srgbClr val="FFFFFF"/>
-          </a:solidFill>
-          <a:ln>
-            <a:noFill/>
-          </a:ln>
-        </p:spPr>
-        <p:style>
-          <a:lnRef idx="2">
-            <a:schemeClr val="accent1">
-              <a:shade val="50000"/>
-            </a:schemeClr>
-          </a:lnRef>
-          <a:fillRef idx="1">
-            <a:schemeClr val="accent1"/>
-          </a:fillRef>
-          <a:effectRef idx="0">
-            <a:schemeClr val="accent1"/>
-          </a:effectRef>
-          <a:fontRef idx="minor">
-            <a:schemeClr val="lt1"/>
-          </a:fontRef>
-        </p:style>
-        <p:txBody>
-          <a:bodyPr rtlCol="0" anchor="ctr"/>
-          <a:lstStyle/>
-          <a:p>
-            <a:pPr algn="ctr"/>
-            <a:endParaRPr lang="en-US"/>
-          </a:p>
-        </p:txBody>
-      </p:sp>
       <p:pic>
         <p:nvPicPr>
           <p:cNvPr id="4" name="Picture 3" descr="A picture containing text, map&#10;&#10;Description automatically generated">
@@ -8172,15 +7928,10 @@
             <p:ph type="ftr" sz="quarter" idx="11"/>
           </p:nvPr>
         </p:nvSpPr>
-        <p:spPr>
-          <a:xfrm>
-            <a:off x="4038600" y="6356350"/>
-            <a:ext cx="4114800" cy="365125"/>
-          </a:xfrm>
-        </p:spPr>
+        <p:spPr/>
         <p:txBody>
           <a:bodyPr>
-            <a:normAutofit/>
+            <a:normAutofit lnSpcReduction="10000"/>
           </a:bodyPr>
           <a:lstStyle/>
           <a:p>
@@ -8329,12 +8080,7 @@
             <p:ph type="ftr" sz="quarter" idx="11"/>
           </p:nvPr>
         </p:nvSpPr>
-        <p:spPr>
-          <a:xfrm>
-            <a:off x="7239000" y="6356350"/>
-            <a:ext cx="4114800" cy="365125"/>
-          </a:xfrm>
-        </p:spPr>
+        <p:spPr/>
         <p:txBody>
           <a:bodyPr/>
           <a:lstStyle/>
@@ -8474,12 +8220,7 @@
             <p:ph type="ftr" sz="quarter" idx="11"/>
           </p:nvPr>
         </p:nvSpPr>
-        <p:spPr>
-          <a:xfrm>
-            <a:off x="7239000" y="6356350"/>
-            <a:ext cx="4114800" cy="365125"/>
-          </a:xfrm>
-        </p:spPr>
+        <p:spPr/>
         <p:txBody>
           <a:bodyPr/>
           <a:lstStyle/>
@@ -8912,7 +8653,7 @@
         <p:spPr/>
         <p:txBody>
           <a:bodyPr>
-            <a:normAutofit/>
+            <a:normAutofit lnSpcReduction="10000"/>
           </a:bodyPr>
           <a:lstStyle/>
           <a:p>
@@ -12571,9 +12312,9 @@
 </file>
 
 <file path=ppt/theme/theme1.xml><?xml version="1.0" encoding="utf-8"?>
-<a:theme xmlns:a="http://schemas.openxmlformats.org/drawingml/2006/main" name="Office Theme">
+<a:theme xmlns:a="http://schemas.openxmlformats.org/drawingml/2006/main" name="Metropolitan">
   <a:themeElements>
-    <a:clrScheme name="Office">
+    <a:clrScheme name="Metropolitan">
       <a:dk1>
         <a:sysClr val="windowText" lastClr="000000"/>
       </a:dk1>
@@ -12581,44 +12322,44 @@
         <a:sysClr val="window" lastClr="FFFFFF"/>
       </a:lt1>
       <a:dk2>
-        <a:srgbClr val="44546A"/>
+        <a:srgbClr val="162F33"/>
       </a:dk2>
       <a:lt2>
-        <a:srgbClr val="E7E6E6"/>
+        <a:srgbClr val="EAF0E0"/>
       </a:lt2>
       <a:accent1>
-        <a:srgbClr val="4472C4"/>
+        <a:srgbClr val="50B4C8"/>
       </a:accent1>
       <a:accent2>
-        <a:srgbClr val="ED7D31"/>
+        <a:srgbClr val="A8B97F"/>
       </a:accent2>
       <a:accent3>
-        <a:srgbClr val="A5A5A5"/>
+        <a:srgbClr val="9B9256"/>
       </a:accent3>
       <a:accent4>
-        <a:srgbClr val="FFC000"/>
+        <a:srgbClr val="657689"/>
       </a:accent4>
       <a:accent5>
-        <a:srgbClr val="5B9BD5"/>
+        <a:srgbClr val="7A855D"/>
       </a:accent5>
       <a:accent6>
-        <a:srgbClr val="70AD47"/>
+        <a:srgbClr val="84AC9D"/>
       </a:accent6>
       <a:hlink>
-        <a:srgbClr val="0563C1"/>
+        <a:srgbClr val="2370CD"/>
       </a:hlink>
       <a:folHlink>
-        <a:srgbClr val="954F72"/>
+        <a:srgbClr val="877589"/>
       </a:folHlink>
     </a:clrScheme>
-    <a:fontScheme name="Office">
+    <a:fontScheme name="Metropolitan">
       <a:majorFont>
         <a:latin typeface="Calibri Light" panose="020F0302020204030204"/>
         <a:ea typeface=""/>
         <a:cs typeface=""/>
-        <a:font script="Jpan" typeface="游ゴシック Light"/>
+        <a:font script="Jpan" typeface="ＭＳ Ｐゴシック"/>
         <a:font script="Hang" typeface="맑은 고딕"/>
-        <a:font script="Hans" typeface="等线 Light"/>
+        <a:font script="Hans" typeface="宋体"/>
         <a:font script="Hant" typeface="新細明體"/>
         <a:font script="Arab" typeface="Times New Roman"/>
         <a:font script="Hebr" typeface="Times New Roman"/>
@@ -12646,39 +12387,22 @@
         <a:font script="Viet" typeface="Times New Roman"/>
         <a:font script="Uigh" typeface="Microsoft Uighur"/>
         <a:font script="Geor" typeface="Sylfaen"/>
-        <a:font script="Armn" typeface="Arial"/>
-        <a:font script="Bugi" typeface="Leelawadee UI"/>
-        <a:font script="Bopo" typeface="Microsoft JhengHei"/>
-        <a:font script="Java" typeface="Javanese Text"/>
-        <a:font script="Lisu" typeface="Segoe UI"/>
-        <a:font script="Mymr" typeface="Myanmar Text"/>
-        <a:font script="Nkoo" typeface="Ebrima"/>
-        <a:font script="Olck" typeface="Nirmala UI"/>
-        <a:font script="Osma" typeface="Ebrima"/>
-        <a:font script="Phag" typeface="Phagspa"/>
-        <a:font script="Syrn" typeface="Estrangelo Edessa"/>
-        <a:font script="Syrj" typeface="Estrangelo Edessa"/>
-        <a:font script="Syre" typeface="Estrangelo Edessa"/>
-        <a:font script="Sora" typeface="Nirmala UI"/>
-        <a:font script="Tale" typeface="Microsoft Tai Le"/>
-        <a:font script="Talu" typeface="Microsoft New Tai Lue"/>
-        <a:font script="Tfng" typeface="Ebrima"/>
       </a:majorFont>
       <a:minorFont>
-        <a:latin typeface="Calibri" panose="020F0502020204030204"/>
+        <a:latin typeface="Calibri Light" panose="020F0302020204030204"/>
         <a:ea typeface=""/>
         <a:cs typeface=""/>
-        <a:font script="Jpan" typeface="游ゴシック"/>
+        <a:font script="Jpan" typeface="ＭＳ Ｐゴシック"/>
         <a:font script="Hang" typeface="맑은 고딕"/>
-        <a:font script="Hans" typeface="等线"/>
+        <a:font script="Hans" typeface="宋体"/>
         <a:font script="Hant" typeface="新細明體"/>
-        <a:font script="Arab" typeface="Arial"/>
-        <a:font script="Hebr" typeface="Arial"/>
-        <a:font script="Thai" typeface="Cordia New"/>
+        <a:font script="Arab" typeface="Times New Roman"/>
+        <a:font script="Hebr" typeface="Times New Roman"/>
+        <a:font script="Thai" typeface="Angsana New"/>
         <a:font script="Ethi" typeface="Nyala"/>
         <a:font script="Beng" typeface="Vrinda"/>
         <a:font script="Gujr" typeface="Shruti"/>
-        <a:font script="Khmr" typeface="DaunPenh"/>
+        <a:font script="Khmr" typeface="MoolBoran"/>
         <a:font script="Knda" typeface="Tunga"/>
         <a:font script="Guru" typeface="Raavi"/>
         <a:font script="Cans" typeface="Euphemia"/>
@@ -12695,29 +12419,12 @@
         <a:font script="Laoo" typeface="DokChampa"/>
         <a:font script="Sinh" typeface="Iskoola Pota"/>
         <a:font script="Mong" typeface="Mongolian Baiti"/>
-        <a:font script="Viet" typeface="Arial"/>
+        <a:font script="Viet" typeface="Times New Roman"/>
         <a:font script="Uigh" typeface="Microsoft Uighur"/>
         <a:font script="Geor" typeface="Sylfaen"/>
-        <a:font script="Armn" typeface="Arial"/>
-        <a:font script="Bugi" typeface="Leelawadee UI"/>
-        <a:font script="Bopo" typeface="Microsoft JhengHei"/>
-        <a:font script="Java" typeface="Javanese Text"/>
-        <a:font script="Lisu" typeface="Segoe UI"/>
-        <a:font script="Mymr" typeface="Myanmar Text"/>
-        <a:font script="Nkoo" typeface="Ebrima"/>
-        <a:font script="Olck" typeface="Nirmala UI"/>
-        <a:font script="Osma" typeface="Ebrima"/>
-        <a:font script="Phag" typeface="Phagspa"/>
-        <a:font script="Syrn" typeface="Estrangelo Edessa"/>
-        <a:font script="Syrj" typeface="Estrangelo Edessa"/>
-        <a:font script="Syre" typeface="Estrangelo Edessa"/>
-        <a:font script="Sora" typeface="Nirmala UI"/>
-        <a:font script="Tale" typeface="Microsoft Tai Le"/>
-        <a:font script="Talu" typeface="Microsoft New Tai Lue"/>
-        <a:font script="Tfng" typeface="Ebrima"/>
       </a:minorFont>
     </a:fontScheme>
-    <a:fmtScheme name="Office">
+    <a:fmtScheme name="Metropolitan">
       <a:fillStyleLst>
         <a:solidFill>
           <a:schemeClr val="phClr"/>
@@ -12726,76 +12433,73 @@
           <a:gsLst>
             <a:gs pos="0">
               <a:schemeClr val="phClr">
+                <a:tint val="70000"/>
+                <a:satMod val="100000"/>
                 <a:lumMod val="110000"/>
-                <a:satMod val="105000"/>
-                <a:tint val="67000"/>
               </a:schemeClr>
             </a:gs>
             <a:gs pos="50000">
               <a:schemeClr val="phClr">
+                <a:tint val="75000"/>
+                <a:satMod val="101000"/>
                 <a:lumMod val="105000"/>
-                <a:satMod val="103000"/>
-                <a:tint val="73000"/>
               </a:schemeClr>
             </a:gs>
             <a:gs pos="100000">
               <a:schemeClr val="phClr">
+                <a:tint val="82000"/>
+                <a:satMod val="104000"/>
                 <a:lumMod val="105000"/>
-                <a:satMod val="109000"/>
-                <a:tint val="81000"/>
               </a:schemeClr>
             </a:gs>
           </a:gsLst>
-          <a:lin ang="5400000" scaled="0"/>
+          <a:lin ang="2700000" scaled="0"/>
         </a:gradFill>
         <a:gradFill rotWithShape="1">
           <a:gsLst>
             <a:gs pos="0">
               <a:schemeClr val="phClr">
-                <a:satMod val="103000"/>
+                <a:tint val="97000"/>
+                <a:satMod val="100000"/>
                 <a:lumMod val="102000"/>
-                <a:tint val="94000"/>
               </a:schemeClr>
             </a:gs>
             <a:gs pos="50000">
               <a:schemeClr val="phClr">
-                <a:satMod val="110000"/>
+                <a:shade val="100000"/>
+                <a:satMod val="100000"/>
                 <a:lumMod val="100000"/>
-                <a:shade val="100000"/>
               </a:schemeClr>
             </a:gs>
             <a:gs pos="100000">
               <a:schemeClr val="phClr">
+                <a:shade val="80000"/>
+                <a:satMod val="100000"/>
                 <a:lumMod val="99000"/>
-                <a:satMod val="120000"/>
-                <a:shade val="78000"/>
               </a:schemeClr>
             </a:gs>
           </a:gsLst>
-          <a:lin ang="5400000" scaled="0"/>
+          <a:lin ang="2700000" scaled="0"/>
         </a:gradFill>
       </a:fillStyleLst>
       <a:lnStyleLst>
-        <a:ln w="6350" cap="flat" cmpd="sng" algn="ctr">
+        <a:ln w="9525" cap="flat" cmpd="sng" algn="ctr">
           <a:solidFill>
             <a:schemeClr val="phClr"/>
           </a:solidFill>
           <a:prstDash val="solid"/>
-          <a:miter lim="800000"/>
         </a:ln>
         <a:ln w="12700" cap="flat" cmpd="sng" algn="ctr">
           <a:solidFill>
             <a:schemeClr val="phClr"/>
           </a:solidFill>
           <a:prstDash val="solid"/>
-          <a:miter lim="800000"/>
         </a:ln>
         <a:ln w="19050" cap="flat" cmpd="sng" algn="ctr">
           <a:solidFill>
             <a:schemeClr val="phClr"/>
           </a:solidFill>
           <a:prstDash val="solid"/>
-          <a:miter lim="800000"/>
         </a:ln>
       </a:lnStyleLst>
       <a:effectStyleLst>
@@ -12825,33 +12529,12 @@
             <a:satMod val="170000"/>
           </a:schemeClr>
         </a:solidFill>
-        <a:gradFill rotWithShape="1">
-          <a:gsLst>
-            <a:gs pos="0">
-              <a:schemeClr val="phClr">
-                <a:tint val="93000"/>
-                <a:satMod val="150000"/>
-                <a:shade val="98000"/>
-                <a:lumMod val="102000"/>
-              </a:schemeClr>
-            </a:gs>
-            <a:gs pos="50000">
-              <a:schemeClr val="phClr">
-                <a:tint val="98000"/>
-                <a:satMod val="130000"/>
-                <a:shade val="90000"/>
-                <a:lumMod val="103000"/>
-              </a:schemeClr>
-            </a:gs>
-            <a:gs pos="100000">
-              <a:schemeClr val="phClr">
-                <a:shade val="63000"/>
-                <a:satMod val="120000"/>
-              </a:schemeClr>
-            </a:gs>
-          </a:gsLst>
-          <a:lin ang="5400000" scaled="0"/>
-        </a:gradFill>
+        <a:solidFill>
+          <a:schemeClr val="phClr">
+            <a:shade val="95000"/>
+            <a:satMod val="170000"/>
+          </a:schemeClr>
+        </a:solidFill>
       </a:bgFillStyleLst>
     </a:fmtScheme>
   </a:themeElements>
@@ -12859,7 +12542,7 @@
   <a:extraClrSchemeLst/>
   <a:extLst>
     <a:ext uri="{05A4C25C-085E-4340-85A3-A5531E510DB2}">
-      <thm15:themeFamily xmlns:thm15="http://schemas.microsoft.com/office/thememl/2012/main" name="Office Theme" id="{62F939B6-93AF-4DB8-9C6B-D6C7DFDC589F}" vid="{4A3C46E8-61CC-4603-A589-7422A47A8E4A}"/>
+      <thm15:themeFamily xmlns:thm15="http://schemas.microsoft.com/office/thememl/2012/main" name="Metropolitan" id="{4C5440D6-04D2-4954-96CF-F251137069B2}" vid="{79CFCA13-9412-4290-BB4B-85112F88857B}"/>
     </a:ext>
   </a:extLst>
 </a:theme>
